--- a/Architecture.pptx
+++ b/Architecture.pptx
@@ -104,6 +104,22 @@
       </a:defRPr>
     </a:lvl9pPr>
   </p:defaultTextStyle>
+  <p:extLst>
+    <p:ext uri="{EFAFB233-063F-42B5-8137-9DF3F51BA10A}">
+      <p15:sldGuideLst xmlns:p15="http://schemas.microsoft.com/office/powerpoint/2012/main">
+        <p15:guide id="1" orient="horz" pos="2160" userDrawn="1">
+          <p15:clr>
+            <a:srgbClr val="A4A3A4"/>
+          </p15:clr>
+        </p15:guide>
+        <p15:guide id="2" pos="3840" userDrawn="1">
+          <p15:clr>
+            <a:srgbClr val="A4A3A4"/>
+          </p15:clr>
+        </p15:guide>
+      </p15:sldGuideLst>
+    </p:ext>
+  </p:extLst>
 </p:presentation>
 </file>
 
@@ -254,7 +270,7 @@
           <a:p>
             <a:fld id="{295E69C3-260E-4F63-A3EC-49AB4E9845FD}" type="datetimeFigureOut">
               <a:rPr lang="en-US" smtClean="0"/>
-              <a:t>4/26/2022</a:t>
+              <a:t>5/1/2022</a:t>
             </a:fld>
             <a:endParaRPr lang="en-US"/>
           </a:p>
@@ -452,7 +468,7 @@
           <a:p>
             <a:fld id="{295E69C3-260E-4F63-A3EC-49AB4E9845FD}" type="datetimeFigureOut">
               <a:rPr lang="en-US" smtClean="0"/>
-              <a:t>4/26/2022</a:t>
+              <a:t>5/1/2022</a:t>
             </a:fld>
             <a:endParaRPr lang="en-US"/>
           </a:p>
@@ -660,7 +676,7 @@
           <a:p>
             <a:fld id="{295E69C3-260E-4F63-A3EC-49AB4E9845FD}" type="datetimeFigureOut">
               <a:rPr lang="en-US" smtClean="0"/>
-              <a:t>4/26/2022</a:t>
+              <a:t>5/1/2022</a:t>
             </a:fld>
             <a:endParaRPr lang="en-US"/>
           </a:p>
@@ -858,7 +874,7 @@
           <a:p>
             <a:fld id="{295E69C3-260E-4F63-A3EC-49AB4E9845FD}" type="datetimeFigureOut">
               <a:rPr lang="en-US" smtClean="0"/>
-              <a:t>4/26/2022</a:t>
+              <a:t>5/1/2022</a:t>
             </a:fld>
             <a:endParaRPr lang="en-US"/>
           </a:p>
@@ -1133,7 +1149,7 @@
           <a:p>
             <a:fld id="{295E69C3-260E-4F63-A3EC-49AB4E9845FD}" type="datetimeFigureOut">
               <a:rPr lang="en-US" smtClean="0"/>
-              <a:t>4/26/2022</a:t>
+              <a:t>5/1/2022</a:t>
             </a:fld>
             <a:endParaRPr lang="en-US"/>
           </a:p>
@@ -1398,7 +1414,7 @@
           <a:p>
             <a:fld id="{295E69C3-260E-4F63-A3EC-49AB4E9845FD}" type="datetimeFigureOut">
               <a:rPr lang="en-US" smtClean="0"/>
-              <a:t>4/26/2022</a:t>
+              <a:t>5/1/2022</a:t>
             </a:fld>
             <a:endParaRPr lang="en-US"/>
           </a:p>
@@ -1810,7 +1826,7 @@
           <a:p>
             <a:fld id="{295E69C3-260E-4F63-A3EC-49AB4E9845FD}" type="datetimeFigureOut">
               <a:rPr lang="en-US" smtClean="0"/>
-              <a:t>4/26/2022</a:t>
+              <a:t>5/1/2022</a:t>
             </a:fld>
             <a:endParaRPr lang="en-US"/>
           </a:p>
@@ -1951,7 +1967,7 @@
           <a:p>
             <a:fld id="{295E69C3-260E-4F63-A3EC-49AB4E9845FD}" type="datetimeFigureOut">
               <a:rPr lang="en-US" smtClean="0"/>
-              <a:t>4/26/2022</a:t>
+              <a:t>5/1/2022</a:t>
             </a:fld>
             <a:endParaRPr lang="en-US"/>
           </a:p>
@@ -2064,7 +2080,7 @@
           <a:p>
             <a:fld id="{295E69C3-260E-4F63-A3EC-49AB4E9845FD}" type="datetimeFigureOut">
               <a:rPr lang="en-US" smtClean="0"/>
-              <a:t>4/26/2022</a:t>
+              <a:t>5/1/2022</a:t>
             </a:fld>
             <a:endParaRPr lang="en-US"/>
           </a:p>
@@ -2375,7 +2391,7 @@
           <a:p>
             <a:fld id="{295E69C3-260E-4F63-A3EC-49AB4E9845FD}" type="datetimeFigureOut">
               <a:rPr lang="en-US" smtClean="0"/>
-              <a:t>4/26/2022</a:t>
+              <a:t>5/1/2022</a:t>
             </a:fld>
             <a:endParaRPr lang="en-US"/>
           </a:p>
@@ -2663,7 +2679,7 @@
           <a:p>
             <a:fld id="{295E69C3-260E-4F63-A3EC-49AB4E9845FD}" type="datetimeFigureOut">
               <a:rPr lang="en-US" smtClean="0"/>
-              <a:t>4/26/2022</a:t>
+              <a:t>5/1/2022</a:t>
             </a:fld>
             <a:endParaRPr lang="en-US"/>
           </a:p>
@@ -2904,7 +2920,7 @@
           <a:p>
             <a:fld id="{295E69C3-260E-4F63-A3EC-49AB4E9845FD}" type="datetimeFigureOut">
               <a:rPr lang="en-US" smtClean="0"/>
-              <a:t>4/26/2022</a:t>
+              <a:t>5/1/2022</a:t>
             </a:fld>
             <a:endParaRPr lang="en-US"/>
           </a:p>
@@ -3323,10 +3339,10 @@
       </p:grpSpPr>
       <p:sp>
         <p:nvSpPr>
-          <p:cNvPr id="4" name="Rectangle 3">
-            <a:extLst>
-              <a:ext uri="{FF2B5EF4-FFF2-40B4-BE49-F238E27FC236}">
-                <a16:creationId xmlns:a16="http://schemas.microsoft.com/office/drawing/2014/main" id="{97224CF6-3CD9-4E85-98E2-1B9938CF6B5E}"/>
+          <p:cNvPr id="227" name="Arrow: Bent 226">
+            <a:extLst>
+              <a:ext uri="{FF2B5EF4-FFF2-40B4-BE49-F238E27FC236}">
+                <a16:creationId xmlns:a16="http://schemas.microsoft.com/office/drawing/2014/main" id="{4624BF3C-908C-4764-921A-95DEB385F910}"/>
               </a:ext>
             </a:extLst>
           </p:cNvPr>
@@ -3334,9 +3350,137 @@
           <p:nvPr/>
         </p:nvSpPr>
         <p:spPr>
+          <a:xfrm rot="5400000">
+            <a:off x="4738931" y="4016134"/>
+            <a:ext cx="1717893" cy="753653"/>
+          </a:xfrm>
+          <a:prstGeom prst="bentArrow">
+            <a:avLst>
+              <a:gd name="adj1" fmla="val 21487"/>
+              <a:gd name="adj2" fmla="val 20158"/>
+              <a:gd name="adj3" fmla="val 23287"/>
+              <a:gd name="adj4" fmla="val 13022"/>
+            </a:avLst>
+          </a:prstGeom>
+          <a:solidFill>
+            <a:schemeClr val="accent6">
+              <a:lumMod val="40000"/>
+              <a:lumOff val="60000"/>
+            </a:schemeClr>
+          </a:solidFill>
+          <a:ln w="3175">
+            <a:noFill/>
+          </a:ln>
+        </p:spPr>
+        <p:style>
+          <a:lnRef idx="2">
+            <a:schemeClr val="accent1">
+              <a:shade val="50000"/>
+            </a:schemeClr>
+          </a:lnRef>
+          <a:fillRef idx="1">
+            <a:schemeClr val="accent1"/>
+          </a:fillRef>
+          <a:effectRef idx="0">
+            <a:schemeClr val="accent1"/>
+          </a:effectRef>
+          <a:fontRef idx="minor">
+            <a:schemeClr val="lt1"/>
+          </a:fontRef>
+        </p:style>
+        <p:txBody>
+          <a:bodyPr rtlCol="0" anchor="ctr"/>
+          <a:lstStyle/>
+          <a:p>
+            <a:pPr algn="ctr"/>
+            <a:endParaRPr lang="en-GB">
+              <a:solidFill>
+                <a:schemeClr val="tx1"/>
+              </a:solidFill>
+            </a:endParaRPr>
+          </a:p>
+        </p:txBody>
+      </p:sp>
+      <p:sp>
+        <p:nvSpPr>
+          <p:cNvPr id="79" name="Arrow: Bent 78">
+            <a:extLst>
+              <a:ext uri="{FF2B5EF4-FFF2-40B4-BE49-F238E27FC236}">
+                <a16:creationId xmlns:a16="http://schemas.microsoft.com/office/drawing/2014/main" id="{045C8997-A967-4D6C-BA2C-FFA656511582}"/>
+              </a:ext>
+            </a:extLst>
+          </p:cNvPr>
+          <p:cNvSpPr/>
+          <p:nvPr/>
+        </p:nvSpPr>
+        <p:spPr>
           <a:xfrm>
-            <a:off x="3563992" y="645359"/>
-            <a:ext cx="827690" cy="252248"/>
+            <a:off x="4999100" y="1165708"/>
+            <a:ext cx="605333" cy="549619"/>
+          </a:xfrm>
+          <a:prstGeom prst="bentArrow">
+            <a:avLst>
+              <a:gd name="adj1" fmla="val 28766"/>
+              <a:gd name="adj2" fmla="val 14566"/>
+              <a:gd name="adj3" fmla="val 0"/>
+              <a:gd name="adj4" fmla="val 16291"/>
+            </a:avLst>
+          </a:prstGeom>
+          <a:solidFill>
+            <a:schemeClr val="accent6">
+              <a:lumMod val="40000"/>
+              <a:lumOff val="60000"/>
+            </a:schemeClr>
+          </a:solidFill>
+          <a:ln w="3175">
+            <a:noFill/>
+          </a:ln>
+        </p:spPr>
+        <p:style>
+          <a:lnRef idx="2">
+            <a:schemeClr val="accent1">
+              <a:shade val="50000"/>
+            </a:schemeClr>
+          </a:lnRef>
+          <a:fillRef idx="1">
+            <a:schemeClr val="accent1"/>
+          </a:fillRef>
+          <a:effectRef idx="0">
+            <a:schemeClr val="accent1"/>
+          </a:effectRef>
+          <a:fontRef idx="minor">
+            <a:schemeClr val="lt1"/>
+          </a:fontRef>
+        </p:style>
+        <p:txBody>
+          <a:bodyPr rtlCol="0" anchor="ctr"/>
+          <a:lstStyle/>
+          <a:p>
+            <a:pPr algn="ctr"/>
+            <a:endParaRPr lang="en-GB">
+              <a:solidFill>
+                <a:schemeClr val="tx1"/>
+              </a:solidFill>
+            </a:endParaRPr>
+          </a:p>
+        </p:txBody>
+      </p:sp>
+      <p:sp>
+        <p:nvSpPr>
+          <p:cNvPr id="6" name="Rectangle 5">
+            <a:extLst>
+              <a:ext uri="{FF2B5EF4-FFF2-40B4-BE49-F238E27FC236}">
+                <a16:creationId xmlns:a16="http://schemas.microsoft.com/office/drawing/2014/main" id="{512F4E7D-EB97-4933-B5BA-1C205DBA8F87}"/>
+              </a:ext>
+            </a:extLst>
+          </p:cNvPr>
+          <p:cNvSpPr/>
+          <p:nvPr/>
+        </p:nvSpPr>
+        <p:spPr>
+          <a:xfrm>
+            <a:off x="4449854" y="1668577"/>
+            <a:ext cx="827690" cy="280496"/>
           </a:xfrm>
           <a:prstGeom prst="rect">
             <a:avLst/>
@@ -3363,8 +3507,8 @@
           <a:p>
             <a:pPr algn="ctr"/>
             <a:r>
-              <a:rPr lang="en-GB" sz="1000"/>
-              <a:t>RAM</a:t>
+              <a:rPr lang="en-GB" sz="1000" dirty="0"/>
+              <a:t>IR</a:t>
             </a:r>
             <a:endParaRPr lang="en-US" sz="1000" dirty="0"/>
           </a:p>
@@ -3372,10 +3516,10 @@
       </p:sp>
       <p:sp>
         <p:nvSpPr>
-          <p:cNvPr id="5" name="Rectangle 4">
-            <a:extLst>
-              <a:ext uri="{FF2B5EF4-FFF2-40B4-BE49-F238E27FC236}">
-                <a16:creationId xmlns:a16="http://schemas.microsoft.com/office/drawing/2014/main" id="{B87E0E35-DAA9-4A5A-A11F-A31BE5FE0E30}"/>
+          <p:cNvPr id="193" name="Rectangle 192">
+            <a:extLst>
+              <a:ext uri="{FF2B5EF4-FFF2-40B4-BE49-F238E27FC236}">
+                <a16:creationId xmlns:a16="http://schemas.microsoft.com/office/drawing/2014/main" id="{1D1CF779-8C6D-414C-98FA-97E7EFA44223}"/>
               </a:ext>
             </a:extLst>
           </p:cNvPr>
@@ -3383,14 +3527,22 @@
           <p:nvPr/>
         </p:nvSpPr>
         <p:spPr>
-          <a:xfrm>
-            <a:off x="6859995" y="2202753"/>
-            <a:ext cx="827690" cy="252248"/>
+          <a:xfrm rot="16200000">
+            <a:off x="5446878" y="2280428"/>
+            <a:ext cx="844688" cy="167562"/>
           </a:xfrm>
           <a:prstGeom prst="rect">
             <a:avLst/>
           </a:prstGeom>
-          <a:ln w="3175"/>
+          <a:solidFill>
+            <a:schemeClr val="accent2">
+              <a:lumMod val="60000"/>
+              <a:lumOff val="40000"/>
+            </a:schemeClr>
+          </a:solidFill>
+          <a:ln w="3175">
+            <a:noFill/>
+          </a:ln>
         </p:spPr>
         <p:style>
           <a:lnRef idx="2">
@@ -3411,20 +3563,16 @@
           <a:lstStyle/>
           <a:p>
             <a:pPr algn="ctr"/>
-            <a:r>
-              <a:rPr lang="en-GB" sz="1000" dirty="0"/>
-              <a:t>A</a:t>
-            </a:r>
-            <a:endParaRPr lang="en-US" sz="1000" dirty="0"/>
-          </a:p>
-        </p:txBody>
-      </p:sp>
-      <p:sp>
-        <p:nvSpPr>
-          <p:cNvPr id="6" name="Rectangle 5">
-            <a:extLst>
-              <a:ext uri="{FF2B5EF4-FFF2-40B4-BE49-F238E27FC236}">
-                <a16:creationId xmlns:a16="http://schemas.microsoft.com/office/drawing/2014/main" id="{512F4E7D-EB97-4933-B5BA-1C205DBA8F87}"/>
+            <a:endParaRPr lang="en-GB" sz="1000" dirty="0"/>
+          </a:p>
+        </p:txBody>
+      </p:sp>
+      <p:sp>
+        <p:nvSpPr>
+          <p:cNvPr id="192" name="Rectangle 191">
+            <a:extLst>
+              <a:ext uri="{FF2B5EF4-FFF2-40B4-BE49-F238E27FC236}">
+                <a16:creationId xmlns:a16="http://schemas.microsoft.com/office/drawing/2014/main" id="{8C713E83-4D0B-4582-8D5F-B6519C0C9E33}"/>
               </a:ext>
             </a:extLst>
           </p:cNvPr>
@@ -3433,13 +3581,21 @@
         </p:nvSpPr>
         <p:spPr>
           <a:xfrm>
-            <a:off x="8044245" y="2187828"/>
-            <a:ext cx="827690" cy="252248"/>
+            <a:off x="4258797" y="2777376"/>
+            <a:ext cx="1694205" cy="167562"/>
           </a:xfrm>
           <a:prstGeom prst="rect">
             <a:avLst/>
           </a:prstGeom>
-          <a:ln w="3175"/>
+          <a:solidFill>
+            <a:schemeClr val="accent2">
+              <a:lumMod val="60000"/>
+              <a:lumOff val="40000"/>
+            </a:schemeClr>
+          </a:solidFill>
+          <a:ln w="3175">
+            <a:noFill/>
+          </a:ln>
         </p:spPr>
         <p:style>
           <a:lnRef idx="2">
@@ -3460,20 +3616,16 @@
           <a:lstStyle/>
           <a:p>
             <a:pPr algn="ctr"/>
-            <a:r>
-              <a:rPr lang="en-GB" sz="1000" dirty="0"/>
-              <a:t>IR</a:t>
-            </a:r>
-            <a:endParaRPr lang="en-US" sz="1000" dirty="0"/>
-          </a:p>
-        </p:txBody>
-      </p:sp>
-      <p:sp>
-        <p:nvSpPr>
-          <p:cNvPr id="7" name="Rectangle 6">
-            <a:extLst>
-              <a:ext uri="{FF2B5EF4-FFF2-40B4-BE49-F238E27FC236}">
-                <a16:creationId xmlns:a16="http://schemas.microsoft.com/office/drawing/2014/main" id="{452B0238-14C2-484A-B305-5FB2EA5C0F7C}"/>
+            <a:endParaRPr lang="en-GB" sz="1000" dirty="0"/>
+          </a:p>
+        </p:txBody>
+      </p:sp>
+      <p:sp>
+        <p:nvSpPr>
+          <p:cNvPr id="157" name="Arrow: Down 156">
+            <a:extLst>
+              <a:ext uri="{FF2B5EF4-FFF2-40B4-BE49-F238E27FC236}">
+                <a16:creationId xmlns:a16="http://schemas.microsoft.com/office/drawing/2014/main" id="{7CEC61B3-A242-4053-A7AE-22B774651152}"/>
               </a:ext>
             </a:extLst>
           </p:cNvPr>
@@ -3481,166 +3633,11 @@
           <p:nvPr/>
         </p:nvSpPr>
         <p:spPr>
-          <a:xfrm>
-            <a:off x="2845895" y="2189832"/>
-            <a:ext cx="827690" cy="252248"/>
-          </a:xfrm>
-          <a:prstGeom prst="rect">
-            <a:avLst/>
-          </a:prstGeom>
-          <a:ln w="3175"/>
-        </p:spPr>
-        <p:style>
-          <a:lnRef idx="2">
-            <a:schemeClr val="dk1"/>
-          </a:lnRef>
-          <a:fillRef idx="1">
-            <a:schemeClr val="lt1"/>
-          </a:fillRef>
-          <a:effectRef idx="0">
-            <a:schemeClr val="dk1"/>
-          </a:effectRef>
-          <a:fontRef idx="minor">
-            <a:schemeClr val="dk1"/>
-          </a:fontRef>
-        </p:style>
-        <p:txBody>
-          <a:bodyPr rtlCol="0" anchor="ctr"/>
-          <a:lstStyle/>
-          <a:p>
-            <a:pPr algn="ctr"/>
-            <a:r>
-              <a:rPr lang="en-GB" sz="1000" dirty="0"/>
-              <a:t>MAR</a:t>
-            </a:r>
-            <a:r>
-              <a:rPr lang="en-GB" sz="1000" baseline="-25000" dirty="0"/>
-              <a:t>H</a:t>
-            </a:r>
-            <a:endParaRPr lang="en-US" sz="1000" baseline="-25000" dirty="0"/>
-          </a:p>
-        </p:txBody>
-      </p:sp>
-      <p:sp>
-        <p:nvSpPr>
-          <p:cNvPr id="8" name="Rectangle 7">
-            <a:extLst>
-              <a:ext uri="{FF2B5EF4-FFF2-40B4-BE49-F238E27FC236}">
-                <a16:creationId xmlns:a16="http://schemas.microsoft.com/office/drawing/2014/main" id="{262E4F31-72CF-435A-BD6F-5323E8E64EF7}"/>
-              </a:ext>
-            </a:extLst>
-          </p:cNvPr>
-          <p:cNvSpPr/>
-          <p:nvPr/>
-        </p:nvSpPr>
-        <p:spPr>
-          <a:xfrm>
-            <a:off x="4260850" y="2189832"/>
-            <a:ext cx="827690" cy="252248"/>
-          </a:xfrm>
-          <a:prstGeom prst="rect">
-            <a:avLst/>
-          </a:prstGeom>
-          <a:ln w="3175"/>
-        </p:spPr>
-        <p:style>
-          <a:lnRef idx="2">
-            <a:schemeClr val="dk1"/>
-          </a:lnRef>
-          <a:fillRef idx="1">
-            <a:schemeClr val="lt1"/>
-          </a:fillRef>
-          <a:effectRef idx="0">
-            <a:schemeClr val="dk1"/>
-          </a:effectRef>
-          <a:fontRef idx="minor">
-            <a:schemeClr val="dk1"/>
-          </a:fontRef>
-        </p:style>
-        <p:txBody>
-          <a:bodyPr rtlCol="0" anchor="ctr"/>
-          <a:lstStyle/>
-          <a:p>
-            <a:pPr algn="ctr"/>
-            <a:r>
-              <a:rPr lang="en-GB" sz="1000" dirty="0"/>
-              <a:t>MAR</a:t>
-            </a:r>
-            <a:r>
-              <a:rPr lang="en-GB" sz="1000" baseline="-25000" dirty="0"/>
-              <a:t>L</a:t>
-            </a:r>
-            <a:endParaRPr lang="en-US" sz="1000" baseline="-25000" dirty="0"/>
-          </a:p>
-        </p:txBody>
-      </p:sp>
-      <p:sp>
-        <p:nvSpPr>
-          <p:cNvPr id="9" name="Rectangle 8">
-            <a:extLst>
-              <a:ext uri="{FF2B5EF4-FFF2-40B4-BE49-F238E27FC236}">
-                <a16:creationId xmlns:a16="http://schemas.microsoft.com/office/drawing/2014/main" id="{A2F9B9C3-65DC-445D-BB11-9BA115F9B13F}"/>
-              </a:ext>
-            </a:extLst>
-          </p:cNvPr>
-          <p:cNvSpPr/>
-          <p:nvPr/>
-        </p:nvSpPr>
-        <p:spPr>
-          <a:xfrm>
-            <a:off x="5519300" y="2202753"/>
-            <a:ext cx="827690" cy="252248"/>
-          </a:xfrm>
-          <a:prstGeom prst="rect">
-            <a:avLst/>
-          </a:prstGeom>
-          <a:ln w="3175"/>
-        </p:spPr>
-        <p:style>
-          <a:lnRef idx="2">
-            <a:schemeClr val="dk1"/>
-          </a:lnRef>
-          <a:fillRef idx="1">
-            <a:schemeClr val="lt1"/>
-          </a:fillRef>
-          <a:effectRef idx="0">
-            <a:schemeClr val="dk1"/>
-          </a:effectRef>
-          <a:fontRef idx="minor">
-            <a:schemeClr val="dk1"/>
-          </a:fontRef>
-        </p:style>
-        <p:txBody>
-          <a:bodyPr rtlCol="0" anchor="ctr"/>
-          <a:lstStyle/>
-          <a:p>
-            <a:pPr algn="ctr"/>
-            <a:r>
-              <a:rPr lang="en-GB" sz="1000" dirty="0"/>
-              <a:t>MBR</a:t>
-            </a:r>
-            <a:endParaRPr lang="en-US" sz="1000" dirty="0"/>
-          </a:p>
-        </p:txBody>
-      </p:sp>
-      <p:sp>
-        <p:nvSpPr>
-          <p:cNvPr id="13" name="Rectangle 12">
-            <a:extLst>
-              <a:ext uri="{FF2B5EF4-FFF2-40B4-BE49-F238E27FC236}">
-                <a16:creationId xmlns:a16="http://schemas.microsoft.com/office/drawing/2014/main" id="{ACD6721E-CAF6-4138-A95E-165CDEAF7632}"/>
-              </a:ext>
-            </a:extLst>
-          </p:cNvPr>
-          <p:cNvSpPr/>
-          <p:nvPr/>
-        </p:nvSpPr>
-        <p:spPr>
-          <a:xfrm>
-            <a:off x="5515252" y="3064956"/>
-            <a:ext cx="2140112" cy="137937"/>
-          </a:xfrm>
-          <a:prstGeom prst="rect">
+          <a:xfrm rot="5400000">
+            <a:off x="2948335" y="2666725"/>
+            <a:ext cx="299311" cy="673843"/>
+          </a:xfrm>
+          <a:prstGeom prst="downArrow">
             <a:avLst/>
           </a:prstGeom>
           <a:solidFill>
@@ -3669,14 +3666,431 @@
           <a:lstStyle/>
           <a:p>
             <a:pPr algn="ctr"/>
-            <a:r>
-              <a:rPr lang="en-GB" sz="800" dirty="0">
-                <a:solidFill>
-                  <a:schemeClr val="dk1"/>
-                </a:solidFill>
-              </a:rPr>
-              <a:t>iDataBus</a:t>
-            </a:r>
+            <a:endParaRPr lang="en-GB" sz="800">
+              <a:solidFill>
+                <a:schemeClr val="dk1"/>
+              </a:solidFill>
+            </a:endParaRPr>
+          </a:p>
+        </p:txBody>
+      </p:sp>
+      <p:sp>
+        <p:nvSpPr>
+          <p:cNvPr id="14" name="Arrow: Down 13">
+            <a:extLst>
+              <a:ext uri="{FF2B5EF4-FFF2-40B4-BE49-F238E27FC236}">
+                <a16:creationId xmlns:a16="http://schemas.microsoft.com/office/drawing/2014/main" id="{7FA70183-4711-4570-965A-B7E9A84C7CD8}"/>
+              </a:ext>
+            </a:extLst>
+          </p:cNvPr>
+          <p:cNvSpPr/>
+          <p:nvPr/>
+        </p:nvSpPr>
+        <p:spPr>
+          <a:xfrm rot="5400000">
+            <a:off x="2947795" y="2261180"/>
+            <a:ext cx="299311" cy="673843"/>
+          </a:xfrm>
+          <a:prstGeom prst="downArrow">
+            <a:avLst/>
+          </a:prstGeom>
+          <a:solidFill>
+            <a:srgbClr val="FFC000"/>
+          </a:solidFill>
+          <a:ln w="3175">
+            <a:noFill/>
+          </a:ln>
+        </p:spPr>
+        <p:style>
+          <a:lnRef idx="2">
+            <a:schemeClr val="dk1"/>
+          </a:lnRef>
+          <a:fillRef idx="1">
+            <a:schemeClr val="lt1"/>
+          </a:fillRef>
+          <a:effectRef idx="0">
+            <a:schemeClr val="dk1"/>
+          </a:effectRef>
+          <a:fontRef idx="minor">
+            <a:schemeClr val="dk1"/>
+          </a:fontRef>
+        </p:style>
+        <p:txBody>
+          <a:bodyPr rtlCol="0" anchor="ctr"/>
+          <a:lstStyle/>
+          <a:p>
+            <a:pPr algn="ctr"/>
+            <a:endParaRPr lang="en-GB" sz="800">
+              <a:solidFill>
+                <a:schemeClr val="dk1"/>
+              </a:solidFill>
+            </a:endParaRPr>
+          </a:p>
+        </p:txBody>
+      </p:sp>
+      <p:sp>
+        <p:nvSpPr>
+          <p:cNvPr id="11" name="Arrow: Bent 10">
+            <a:extLst>
+              <a:ext uri="{FF2B5EF4-FFF2-40B4-BE49-F238E27FC236}">
+                <a16:creationId xmlns:a16="http://schemas.microsoft.com/office/drawing/2014/main" id="{C9A17993-775E-4749-B7CB-0D4104652662}"/>
+              </a:ext>
+            </a:extLst>
+          </p:cNvPr>
+          <p:cNvSpPr/>
+          <p:nvPr/>
+        </p:nvSpPr>
+        <p:spPr>
+          <a:xfrm flipH="1">
+            <a:off x="4988167" y="3763321"/>
+            <a:ext cx="501409" cy="1542533"/>
+          </a:xfrm>
+          <a:prstGeom prst="bentArrow">
+            <a:avLst>
+              <a:gd name="adj1" fmla="val 29913"/>
+              <a:gd name="adj2" fmla="val 29848"/>
+              <a:gd name="adj3" fmla="val 26657"/>
+              <a:gd name="adj4" fmla="val 16392"/>
+            </a:avLst>
+          </a:prstGeom>
+          <a:solidFill>
+            <a:schemeClr val="accent6">
+              <a:lumMod val="40000"/>
+              <a:lumOff val="60000"/>
+            </a:schemeClr>
+          </a:solidFill>
+          <a:ln w="3175">
+            <a:noFill/>
+          </a:ln>
+        </p:spPr>
+        <p:style>
+          <a:lnRef idx="2">
+            <a:schemeClr val="accent1">
+              <a:shade val="50000"/>
+            </a:schemeClr>
+          </a:lnRef>
+          <a:fillRef idx="1">
+            <a:schemeClr val="accent1"/>
+          </a:fillRef>
+          <a:effectRef idx="0">
+            <a:schemeClr val="accent1"/>
+          </a:effectRef>
+          <a:fontRef idx="minor">
+            <a:schemeClr val="lt1"/>
+          </a:fontRef>
+        </p:style>
+        <p:txBody>
+          <a:bodyPr rtlCol="0" anchor="ctr"/>
+          <a:lstStyle/>
+          <a:p>
+            <a:pPr algn="ctr"/>
+            <a:endParaRPr lang="en-GB">
+              <a:solidFill>
+                <a:schemeClr val="tx1"/>
+              </a:solidFill>
+            </a:endParaRPr>
+          </a:p>
+        </p:txBody>
+      </p:sp>
+      <p:sp>
+        <p:nvSpPr>
+          <p:cNvPr id="4" name="Rectangle 3">
+            <a:extLst>
+              <a:ext uri="{FF2B5EF4-FFF2-40B4-BE49-F238E27FC236}">
+                <a16:creationId xmlns:a16="http://schemas.microsoft.com/office/drawing/2014/main" id="{97224CF6-3CD9-4E85-98E2-1B9938CF6B5E}"/>
+              </a:ext>
+            </a:extLst>
+          </p:cNvPr>
+          <p:cNvSpPr/>
+          <p:nvPr/>
+        </p:nvSpPr>
+        <p:spPr>
+          <a:xfrm>
+            <a:off x="1304833" y="170787"/>
+            <a:ext cx="824260" cy="212089"/>
+          </a:xfrm>
+          <a:prstGeom prst="rect">
+            <a:avLst/>
+          </a:prstGeom>
+          <a:ln w="3175"/>
+        </p:spPr>
+        <p:style>
+          <a:lnRef idx="2">
+            <a:schemeClr val="dk1"/>
+          </a:lnRef>
+          <a:fillRef idx="1">
+            <a:schemeClr val="lt1"/>
+          </a:fillRef>
+          <a:effectRef idx="0">
+            <a:schemeClr val="dk1"/>
+          </a:effectRef>
+          <a:fontRef idx="minor">
+            <a:schemeClr val="dk1"/>
+          </a:fontRef>
+        </p:style>
+        <p:txBody>
+          <a:bodyPr rtlCol="0" anchor="ctr"/>
+          <a:lstStyle/>
+          <a:p>
+            <a:pPr algn="ctr"/>
+            <a:r>
+              <a:rPr lang="en-GB" sz="1000" dirty="0"/>
+              <a:t>RAM/ROM</a:t>
+            </a:r>
+            <a:endParaRPr lang="en-US" sz="1000" dirty="0"/>
+          </a:p>
+        </p:txBody>
+      </p:sp>
+      <p:sp>
+        <p:nvSpPr>
+          <p:cNvPr id="5" name="Rectangle 4">
+            <a:extLst>
+              <a:ext uri="{FF2B5EF4-FFF2-40B4-BE49-F238E27FC236}">
+                <a16:creationId xmlns:a16="http://schemas.microsoft.com/office/drawing/2014/main" id="{B87E0E35-DAA9-4A5A-A11F-A31BE5FE0E30}"/>
+              </a:ext>
+            </a:extLst>
+          </p:cNvPr>
+          <p:cNvSpPr/>
+          <p:nvPr/>
+        </p:nvSpPr>
+        <p:spPr>
+          <a:xfrm>
+            <a:off x="5752993" y="1662584"/>
+            <a:ext cx="827690" cy="280566"/>
+          </a:xfrm>
+          <a:prstGeom prst="rect">
+            <a:avLst/>
+          </a:prstGeom>
+          <a:ln w="3175"/>
+        </p:spPr>
+        <p:style>
+          <a:lnRef idx="2">
+            <a:schemeClr val="dk1"/>
+          </a:lnRef>
+          <a:fillRef idx="1">
+            <a:schemeClr val="lt1"/>
+          </a:fillRef>
+          <a:effectRef idx="0">
+            <a:schemeClr val="dk1"/>
+          </a:effectRef>
+          <a:fontRef idx="minor">
+            <a:schemeClr val="dk1"/>
+          </a:fontRef>
+        </p:style>
+        <p:txBody>
+          <a:bodyPr rtlCol="0" anchor="ctr"/>
+          <a:lstStyle/>
+          <a:p>
+            <a:pPr algn="ctr"/>
+            <a:r>
+              <a:rPr lang="en-GB" sz="1000" dirty="0"/>
+              <a:t>A</a:t>
+            </a:r>
+            <a:endParaRPr lang="en-US" sz="1000" dirty="0"/>
+          </a:p>
+        </p:txBody>
+      </p:sp>
+      <p:sp>
+        <p:nvSpPr>
+          <p:cNvPr id="7" name="Rectangle 6">
+            <a:extLst>
+              <a:ext uri="{FF2B5EF4-FFF2-40B4-BE49-F238E27FC236}">
+                <a16:creationId xmlns:a16="http://schemas.microsoft.com/office/drawing/2014/main" id="{452B0238-14C2-484A-B305-5FB2EA5C0F7C}"/>
+              </a:ext>
+            </a:extLst>
+          </p:cNvPr>
+          <p:cNvSpPr/>
+          <p:nvPr/>
+        </p:nvSpPr>
+        <p:spPr>
+          <a:xfrm>
+            <a:off x="558716" y="1682594"/>
+            <a:ext cx="827690" cy="252248"/>
+          </a:xfrm>
+          <a:prstGeom prst="rect">
+            <a:avLst/>
+          </a:prstGeom>
+          <a:ln w="3175"/>
+        </p:spPr>
+        <p:style>
+          <a:lnRef idx="2">
+            <a:schemeClr val="dk1"/>
+          </a:lnRef>
+          <a:fillRef idx="1">
+            <a:schemeClr val="lt1"/>
+          </a:fillRef>
+          <a:effectRef idx="0">
+            <a:schemeClr val="dk1"/>
+          </a:effectRef>
+          <a:fontRef idx="minor">
+            <a:schemeClr val="dk1"/>
+          </a:fontRef>
+        </p:style>
+        <p:txBody>
+          <a:bodyPr rtlCol="0" anchor="ctr"/>
+          <a:lstStyle/>
+          <a:p>
+            <a:pPr algn="ctr"/>
+            <a:r>
+              <a:rPr lang="en-GB" sz="1000" dirty="0"/>
+              <a:t>MAR</a:t>
+            </a:r>
+            <a:r>
+              <a:rPr lang="en-GB" sz="1000" baseline="-25000" dirty="0"/>
+              <a:t>H</a:t>
+            </a:r>
+            <a:endParaRPr lang="en-US" sz="1000" baseline="-25000" dirty="0"/>
+          </a:p>
+        </p:txBody>
+      </p:sp>
+      <p:sp>
+        <p:nvSpPr>
+          <p:cNvPr id="8" name="Rectangle 7">
+            <a:extLst>
+              <a:ext uri="{FF2B5EF4-FFF2-40B4-BE49-F238E27FC236}">
+                <a16:creationId xmlns:a16="http://schemas.microsoft.com/office/drawing/2014/main" id="{262E4F31-72CF-435A-BD6F-5323E8E64EF7}"/>
+              </a:ext>
+            </a:extLst>
+          </p:cNvPr>
+          <p:cNvSpPr/>
+          <p:nvPr/>
+        </p:nvSpPr>
+        <p:spPr>
+          <a:xfrm>
+            <a:off x="1897790" y="1673748"/>
+            <a:ext cx="827690" cy="252248"/>
+          </a:xfrm>
+          <a:prstGeom prst="rect">
+            <a:avLst/>
+          </a:prstGeom>
+          <a:ln w="3175"/>
+        </p:spPr>
+        <p:style>
+          <a:lnRef idx="2">
+            <a:schemeClr val="dk1"/>
+          </a:lnRef>
+          <a:fillRef idx="1">
+            <a:schemeClr val="lt1"/>
+          </a:fillRef>
+          <a:effectRef idx="0">
+            <a:schemeClr val="dk1"/>
+          </a:effectRef>
+          <a:fontRef idx="minor">
+            <a:schemeClr val="dk1"/>
+          </a:fontRef>
+        </p:style>
+        <p:txBody>
+          <a:bodyPr rtlCol="0" anchor="ctr"/>
+          <a:lstStyle/>
+          <a:p>
+            <a:pPr algn="ctr"/>
+            <a:r>
+              <a:rPr lang="en-GB" sz="1000" dirty="0"/>
+              <a:t>MAR</a:t>
+            </a:r>
+            <a:r>
+              <a:rPr lang="en-GB" sz="1000" baseline="-25000" dirty="0"/>
+              <a:t>L</a:t>
+            </a:r>
+            <a:endParaRPr lang="en-US" sz="1000" baseline="-25000" dirty="0"/>
+          </a:p>
+        </p:txBody>
+      </p:sp>
+      <p:sp>
+        <p:nvSpPr>
+          <p:cNvPr id="9" name="Rectangle 8">
+            <a:extLst>
+              <a:ext uri="{FF2B5EF4-FFF2-40B4-BE49-F238E27FC236}">
+                <a16:creationId xmlns:a16="http://schemas.microsoft.com/office/drawing/2014/main" id="{A2F9B9C3-65DC-445D-BB11-9BA115F9B13F}"/>
+              </a:ext>
+            </a:extLst>
+          </p:cNvPr>
+          <p:cNvSpPr/>
+          <p:nvPr/>
+        </p:nvSpPr>
+        <p:spPr>
+          <a:xfrm>
+            <a:off x="3190851" y="1668577"/>
+            <a:ext cx="827690" cy="283443"/>
+          </a:xfrm>
+          <a:prstGeom prst="rect">
+            <a:avLst/>
+          </a:prstGeom>
+          <a:ln w="3175"/>
+        </p:spPr>
+        <p:style>
+          <a:lnRef idx="2">
+            <a:schemeClr val="dk1"/>
+          </a:lnRef>
+          <a:fillRef idx="1">
+            <a:schemeClr val="lt1"/>
+          </a:fillRef>
+          <a:effectRef idx="0">
+            <a:schemeClr val="dk1"/>
+          </a:effectRef>
+          <a:fontRef idx="minor">
+            <a:schemeClr val="dk1"/>
+          </a:fontRef>
+        </p:style>
+        <p:txBody>
+          <a:bodyPr rtlCol="0" anchor="ctr"/>
+          <a:lstStyle/>
+          <a:p>
+            <a:pPr algn="ctr"/>
+            <a:r>
+              <a:rPr lang="en-GB" sz="1000" dirty="0"/>
+              <a:t>MBR</a:t>
+            </a:r>
+            <a:endParaRPr lang="en-US" sz="1000" dirty="0"/>
+          </a:p>
+        </p:txBody>
+      </p:sp>
+      <p:sp>
+        <p:nvSpPr>
+          <p:cNvPr id="13" name="Rectangle 12">
+            <a:extLst>
+              <a:ext uri="{FF2B5EF4-FFF2-40B4-BE49-F238E27FC236}">
+                <a16:creationId xmlns:a16="http://schemas.microsoft.com/office/drawing/2014/main" id="{ACD6721E-CAF6-4138-A95E-165CDEAF7632}"/>
+              </a:ext>
+            </a:extLst>
+          </p:cNvPr>
+          <p:cNvSpPr/>
+          <p:nvPr/>
+        </p:nvSpPr>
+        <p:spPr>
+          <a:xfrm>
+            <a:off x="3427148" y="2512306"/>
+            <a:ext cx="5883113" cy="154399"/>
+          </a:xfrm>
+          <a:prstGeom prst="rect">
+            <a:avLst/>
+          </a:prstGeom>
+          <a:solidFill>
+            <a:srgbClr val="FFC000"/>
+          </a:solidFill>
+          <a:ln w="3175">
+            <a:noFill/>
+          </a:ln>
+        </p:spPr>
+        <p:style>
+          <a:lnRef idx="2">
+            <a:schemeClr val="dk1"/>
+          </a:lnRef>
+          <a:fillRef idx="1">
+            <a:schemeClr val="lt1"/>
+          </a:fillRef>
+          <a:effectRef idx="0">
+            <a:schemeClr val="dk1"/>
+          </a:effectRef>
+          <a:fontRef idx="minor">
+            <a:schemeClr val="dk1"/>
+          </a:fontRef>
+        </p:style>
+        <p:txBody>
+          <a:bodyPr rtlCol="0" anchor="ctr"/>
+          <a:lstStyle/>
+          <a:p>
+            <a:pPr algn="ctr"/>
             <a:endParaRPr lang="en-US" sz="800" dirty="0">
               <a:solidFill>
                 <a:schemeClr val="dk1"/>
@@ -3687,10 +4101,10 @@
       </p:sp>
       <p:sp>
         <p:nvSpPr>
-          <p:cNvPr id="17" name="Rectangle 16">
-            <a:extLst>
-              <a:ext uri="{FF2B5EF4-FFF2-40B4-BE49-F238E27FC236}">
-                <a16:creationId xmlns:a16="http://schemas.microsoft.com/office/drawing/2014/main" id="{32081FD4-5E16-4FCE-942B-C73E787B89FD}"/>
+          <p:cNvPr id="24" name="Rectangle 23">
+            <a:extLst>
+              <a:ext uri="{FF2B5EF4-FFF2-40B4-BE49-F238E27FC236}">
+                <a16:creationId xmlns:a16="http://schemas.microsoft.com/office/drawing/2014/main" id="{2432DDB2-FAD8-4A84-BE4B-48BAA5965959}"/>
               </a:ext>
             </a:extLst>
           </p:cNvPr>
@@ -3699,173 +4113,8 @@
         </p:nvSpPr>
         <p:spPr>
           <a:xfrm>
-            <a:off x="4407777" y="702084"/>
-            <a:ext cx="4636374" cy="142667"/>
-          </a:xfrm>
-          <a:prstGeom prst="rect">
-            <a:avLst/>
-          </a:prstGeom>
-          <a:solidFill>
-            <a:srgbClr val="FFFF00"/>
-          </a:solidFill>
-          <a:ln w="3175">
-            <a:noFill/>
-          </a:ln>
-        </p:spPr>
-        <p:style>
-          <a:lnRef idx="2">
-            <a:schemeClr val="dk1"/>
-          </a:lnRef>
-          <a:fillRef idx="1">
-            <a:schemeClr val="lt1"/>
-          </a:fillRef>
-          <a:effectRef idx="0">
-            <a:schemeClr val="dk1"/>
-          </a:effectRef>
-          <a:fontRef idx="minor">
-            <a:schemeClr val="dk1"/>
-          </a:fontRef>
-        </p:style>
-        <p:txBody>
-          <a:bodyPr rtlCol="0" anchor="ctr"/>
-          <a:lstStyle/>
-          <a:p>
-            <a:pPr algn="ctr"/>
-            <a:r>
-              <a:rPr lang="en-GB" sz="800" dirty="0">
-                <a:solidFill>
-                  <a:schemeClr val="tx1"/>
-                </a:solidFill>
-              </a:rPr>
-              <a:t>xDataBus</a:t>
-            </a:r>
-            <a:endParaRPr lang="en-US" sz="800" dirty="0">
-              <a:solidFill>
-                <a:schemeClr val="tx1"/>
-              </a:solidFill>
-            </a:endParaRPr>
-          </a:p>
-        </p:txBody>
-      </p:sp>
-      <p:sp>
-        <p:nvSpPr>
-          <p:cNvPr id="20" name="Arrow: Down 19">
-            <a:extLst>
-              <a:ext uri="{FF2B5EF4-FFF2-40B4-BE49-F238E27FC236}">
-                <a16:creationId xmlns:a16="http://schemas.microsoft.com/office/drawing/2014/main" id="{5857FB21-061E-4BF2-9DF0-A1132C78FB6A}"/>
-              </a:ext>
-            </a:extLst>
-          </p:cNvPr>
-          <p:cNvSpPr/>
-          <p:nvPr/>
-        </p:nvSpPr>
-        <p:spPr>
-          <a:xfrm>
-            <a:off x="5810058" y="840020"/>
-            <a:ext cx="294291" cy="1362125"/>
-          </a:xfrm>
-          <a:prstGeom prst="downArrow">
-            <a:avLst/>
-          </a:prstGeom>
-          <a:solidFill>
-            <a:srgbClr val="FFFF00"/>
-          </a:solidFill>
-          <a:ln w="3175">
-            <a:noFill/>
-          </a:ln>
-        </p:spPr>
-        <p:style>
-          <a:lnRef idx="2">
-            <a:schemeClr val="dk1"/>
-          </a:lnRef>
-          <a:fillRef idx="1">
-            <a:schemeClr val="lt1"/>
-          </a:fillRef>
-          <a:effectRef idx="0">
-            <a:schemeClr val="dk1"/>
-          </a:effectRef>
-          <a:fontRef idx="minor">
-            <a:schemeClr val="dk1"/>
-          </a:fontRef>
-        </p:style>
-        <p:txBody>
-          <a:bodyPr rtlCol="0" anchor="ctr"/>
-          <a:lstStyle/>
-          <a:p>
-            <a:pPr algn="ctr"/>
-            <a:endParaRPr lang="en-US" sz="1000">
-              <a:solidFill>
-                <a:schemeClr val="tx1"/>
-              </a:solidFill>
-            </a:endParaRPr>
-          </a:p>
-        </p:txBody>
-      </p:sp>
-      <p:sp>
-        <p:nvSpPr>
-          <p:cNvPr id="22" name="Rectangle 21">
-            <a:extLst>
-              <a:ext uri="{FF2B5EF4-FFF2-40B4-BE49-F238E27FC236}">
-                <a16:creationId xmlns:a16="http://schemas.microsoft.com/office/drawing/2014/main" id="{0C95E3FE-C2F2-4CEC-B8E8-0D7C4C4C2EC8}"/>
-              </a:ext>
-            </a:extLst>
-          </p:cNvPr>
-          <p:cNvSpPr/>
-          <p:nvPr/>
-        </p:nvSpPr>
-        <p:spPr>
-          <a:xfrm>
-            <a:off x="2098347" y="4118490"/>
-            <a:ext cx="2880492" cy="252248"/>
-          </a:xfrm>
-          <a:prstGeom prst="rect">
-            <a:avLst/>
-          </a:prstGeom>
-          <a:ln w="3175"/>
-        </p:spPr>
-        <p:style>
-          <a:lnRef idx="2">
-            <a:schemeClr val="dk1"/>
-          </a:lnRef>
-          <a:fillRef idx="1">
-            <a:schemeClr val="lt1"/>
-          </a:fillRef>
-          <a:effectRef idx="0">
-            <a:schemeClr val="dk1"/>
-          </a:effectRef>
-          <a:fontRef idx="minor">
-            <a:schemeClr val="dk1"/>
-          </a:fontRef>
-        </p:style>
-        <p:txBody>
-          <a:bodyPr rtlCol="0" anchor="ctr"/>
-          <a:lstStyle/>
-          <a:p>
-            <a:pPr algn="ctr"/>
-            <a:r>
-              <a:rPr lang="en-GB" sz="1000" dirty="0"/>
-              <a:t>PC</a:t>
-            </a:r>
-            <a:endParaRPr lang="en-US" sz="1000" dirty="0"/>
-          </a:p>
-        </p:txBody>
-      </p:sp>
-      <p:sp>
-        <p:nvSpPr>
-          <p:cNvPr id="24" name="Rectangle 23">
-            <a:extLst>
-              <a:ext uri="{FF2B5EF4-FFF2-40B4-BE49-F238E27FC236}">
-                <a16:creationId xmlns:a16="http://schemas.microsoft.com/office/drawing/2014/main" id="{2432DDB2-FAD8-4A84-BE4B-48BAA5965959}"/>
-              </a:ext>
-            </a:extLst>
-          </p:cNvPr>
-          <p:cNvSpPr/>
-          <p:nvPr/>
-        </p:nvSpPr>
-        <p:spPr>
-          <a:xfrm>
-            <a:off x="3104055" y="3472082"/>
-            <a:ext cx="1874784" cy="162927"/>
+            <a:off x="1580359" y="2896867"/>
+            <a:ext cx="1127045" cy="199207"/>
           </a:xfrm>
           <a:prstGeom prst="rect">
             <a:avLst/>
@@ -3900,11 +4149,11 @@
           <a:p>
             <a:pPr algn="ctr"/>
             <a:r>
-              <a:rPr lang="en-GB" sz="800" dirty="0"/>
-              <a:t>iAddrBus</a:t>
-            </a:r>
-            <a:r>
-              <a:rPr lang="en-GB" sz="800" baseline="-25000" dirty="0"/>
+              <a:rPr lang="en-GB" sz="800" dirty="0" err="1"/>
+              <a:t>cAddrBus</a:t>
+            </a:r>
+            <a:r>
+              <a:rPr lang="en-GB" sz="800" baseline="-25000" dirty="0" err="1"/>
               <a:t>L</a:t>
             </a:r>
             <a:endParaRPr lang="en-US" sz="800" baseline="-25000" dirty="0"/>
@@ -3925,8 +4174,8 @@
         </p:nvSpPr>
         <p:spPr>
           <a:xfrm rot="10800000">
-            <a:off x="3125074" y="2452595"/>
-            <a:ext cx="290349" cy="709448"/>
+            <a:off x="852740" y="1934842"/>
+            <a:ext cx="290349" cy="682461"/>
           </a:xfrm>
           <a:prstGeom prst="downArrow">
             <a:avLst/>
@@ -3978,8 +4227,8 @@
         </p:nvSpPr>
         <p:spPr>
           <a:xfrm rot="10800000">
-            <a:off x="4472370" y="2442079"/>
-            <a:ext cx="338466" cy="1030001"/>
+            <a:off x="2174221" y="1918133"/>
+            <a:ext cx="338466" cy="1031805"/>
           </a:xfrm>
           <a:prstGeom prst="downArrow">
             <a:avLst/>
@@ -4035,8 +4284,8 @@
         </p:nvSpPr>
         <p:spPr>
           <a:xfrm rot="10800000">
-            <a:off x="2540392" y="3221912"/>
-            <a:ext cx="338466" cy="901796"/>
+            <a:off x="614168" y="2673747"/>
+            <a:ext cx="315490" cy="901796"/>
           </a:xfrm>
           <a:prstGeom prst="downArrow">
             <a:avLst/>
@@ -4088,8 +4337,8 @@
         </p:nvSpPr>
         <p:spPr>
           <a:xfrm rot="10800000">
-            <a:off x="3871732" y="3619443"/>
-            <a:ext cx="286564" cy="499045"/>
+            <a:off x="2196882" y="3090204"/>
+            <a:ext cx="286564" cy="1083941"/>
           </a:xfrm>
           <a:prstGeom prst="downArrow">
             <a:avLst/>
@@ -4129,10 +4378,10 @@
       </p:sp>
       <p:sp>
         <p:nvSpPr>
-          <p:cNvPr id="29" name="TextBox 28">
-            <a:extLst>
-              <a:ext uri="{FF2B5EF4-FFF2-40B4-BE49-F238E27FC236}">
-                <a16:creationId xmlns:a16="http://schemas.microsoft.com/office/drawing/2014/main" id="{9F20B7FF-7702-4960-AE8E-8D8E670E7B28}"/>
+          <p:cNvPr id="32" name="TextBox 31">
+            <a:extLst>
+              <a:ext uri="{FF2B5EF4-FFF2-40B4-BE49-F238E27FC236}">
+                <a16:creationId xmlns:a16="http://schemas.microsoft.com/office/drawing/2014/main" id="{70544625-A6FA-4DEA-8035-6321687F8206}"/>
               </a:ext>
             </a:extLst>
           </p:cNvPr>
@@ -4141,8 +4390,51 @@
         </p:nvSpPr>
         <p:spPr>
           <a:xfrm>
-            <a:off x="7739368" y="2187828"/>
-            <a:ext cx="290464" cy="123111"/>
+            <a:off x="5212465" y="1692891"/>
+            <a:ext cx="400801" cy="92333"/>
+          </a:xfrm>
+          <a:prstGeom prst="rect">
+            <a:avLst/>
+          </a:prstGeom>
+          <a:noFill/>
+        </p:spPr>
+        <p:txBody>
+          <a:bodyPr wrap="square" lIns="0" tIns="0" rIns="0" bIns="0" rtlCol="0">
+            <a:spAutoFit/>
+          </a:bodyPr>
+          <a:lstStyle>
+            <a:defPPr>
+              <a:defRPr lang="en-US"/>
+            </a:defPPr>
+            <a:lvl1pPr>
+              <a:defRPr sz="600"/>
+            </a:lvl1pPr>
+          </a:lstStyle>
+          <a:p>
+            <a:r>
+              <a:rPr lang="en-GB" dirty="0"/>
+              <a:t>IR-LD-XDATA</a:t>
+            </a:r>
+            <a:endParaRPr lang="en-US" dirty="0"/>
+          </a:p>
+        </p:txBody>
+      </p:sp>
+      <p:sp>
+        <p:nvSpPr>
+          <p:cNvPr id="35" name="TextBox 34">
+            <a:extLst>
+              <a:ext uri="{FF2B5EF4-FFF2-40B4-BE49-F238E27FC236}">
+                <a16:creationId xmlns:a16="http://schemas.microsoft.com/office/drawing/2014/main" id="{48B8C3DE-E5ED-4477-8890-B689A1894F84}"/>
+              </a:ext>
+            </a:extLst>
+          </p:cNvPr>
+          <p:cNvSpPr txBox="1"/>
+          <p:nvPr/>
+        </p:nvSpPr>
+        <p:spPr>
+          <a:xfrm>
+            <a:off x="3151615" y="6749153"/>
+            <a:ext cx="211810" cy="123111"/>
           </a:xfrm>
           <a:prstGeom prst="rect">
             <a:avLst/>
@@ -4164,505 +4456,9 @@
           <a:p>
             <a:r>
               <a:rPr lang="en-GB" dirty="0"/>
-              <a:t>LD</a:t>
+              <a:t>INC</a:t>
             </a:r>
             <a:endParaRPr lang="en-US" dirty="0"/>
-          </a:p>
-        </p:txBody>
-      </p:sp>
-      <p:sp>
-        <p:nvSpPr>
-          <p:cNvPr id="31" name="Arrow: Down 30">
-            <a:extLst>
-              <a:ext uri="{FF2B5EF4-FFF2-40B4-BE49-F238E27FC236}">
-                <a16:creationId xmlns:a16="http://schemas.microsoft.com/office/drawing/2014/main" id="{5E469D30-CC97-48F9-B438-F1E0BB76DD8B}"/>
-              </a:ext>
-            </a:extLst>
-          </p:cNvPr>
-          <p:cNvSpPr/>
-          <p:nvPr/>
-        </p:nvSpPr>
-        <p:spPr>
-          <a:xfrm rot="10800000">
-            <a:off x="7126694" y="2466759"/>
-            <a:ext cx="294291" cy="634601"/>
-          </a:xfrm>
-          <a:prstGeom prst="downArrow">
-            <a:avLst/>
-          </a:prstGeom>
-          <a:solidFill>
-            <a:srgbClr val="FFC000"/>
-          </a:solidFill>
-          <a:ln w="3175">
-            <a:noFill/>
-          </a:ln>
-        </p:spPr>
-        <p:style>
-          <a:lnRef idx="2">
-            <a:schemeClr val="dk1"/>
-          </a:lnRef>
-          <a:fillRef idx="1">
-            <a:schemeClr val="lt1"/>
-          </a:fillRef>
-          <a:effectRef idx="0">
-            <a:schemeClr val="dk1"/>
-          </a:effectRef>
-          <a:fontRef idx="minor">
-            <a:schemeClr val="dk1"/>
-          </a:fontRef>
-        </p:style>
-        <p:txBody>
-          <a:bodyPr rtlCol="0" anchor="ctr"/>
-          <a:lstStyle/>
-          <a:p>
-            <a:pPr algn="ctr"/>
-            <a:endParaRPr lang="en-US" sz="1000"/>
-          </a:p>
-        </p:txBody>
-      </p:sp>
-      <p:sp>
-        <p:nvSpPr>
-          <p:cNvPr id="32" name="TextBox 31">
-            <a:extLst>
-              <a:ext uri="{FF2B5EF4-FFF2-40B4-BE49-F238E27FC236}">
-                <a16:creationId xmlns:a16="http://schemas.microsoft.com/office/drawing/2014/main" id="{70544625-A6FA-4DEA-8035-6321687F8206}"/>
-              </a:ext>
-            </a:extLst>
-          </p:cNvPr>
-          <p:cNvSpPr txBox="1"/>
-          <p:nvPr/>
-        </p:nvSpPr>
-        <p:spPr>
-          <a:xfrm>
-            <a:off x="8906790" y="2187827"/>
-            <a:ext cx="290464" cy="123111"/>
-          </a:xfrm>
-          <a:prstGeom prst="rect">
-            <a:avLst/>
-          </a:prstGeom>
-          <a:noFill/>
-        </p:spPr>
-        <p:txBody>
-          <a:bodyPr wrap="square" lIns="0" tIns="0" rIns="0" bIns="0" rtlCol="0">
-            <a:spAutoFit/>
-          </a:bodyPr>
-          <a:lstStyle>
-            <a:defPPr>
-              <a:defRPr lang="en-US"/>
-            </a:defPPr>
-            <a:lvl1pPr>
-              <a:defRPr sz="800"/>
-            </a:lvl1pPr>
-          </a:lstStyle>
-          <a:p>
-            <a:r>
-              <a:rPr lang="en-GB" dirty="0"/>
-              <a:t>LD</a:t>
-            </a:r>
-            <a:endParaRPr lang="en-US" dirty="0"/>
-          </a:p>
-        </p:txBody>
-      </p:sp>
-      <p:sp>
-        <p:nvSpPr>
-          <p:cNvPr id="33" name="TextBox 32">
-            <a:extLst>
-              <a:ext uri="{FF2B5EF4-FFF2-40B4-BE49-F238E27FC236}">
-                <a16:creationId xmlns:a16="http://schemas.microsoft.com/office/drawing/2014/main" id="{2A16BFB3-4351-419A-A81D-58C2CBD6DB1A}"/>
-              </a:ext>
-            </a:extLst>
-          </p:cNvPr>
-          <p:cNvSpPr txBox="1"/>
-          <p:nvPr/>
-        </p:nvSpPr>
-        <p:spPr>
-          <a:xfrm>
-            <a:off x="6379073" y="2190841"/>
-            <a:ext cx="314072" cy="123111"/>
-          </a:xfrm>
-          <a:prstGeom prst="rect">
-            <a:avLst/>
-          </a:prstGeom>
-          <a:noFill/>
-        </p:spPr>
-        <p:txBody>
-          <a:bodyPr wrap="square" lIns="0" tIns="0" rIns="0" bIns="0" rtlCol="0">
-            <a:spAutoFit/>
-          </a:bodyPr>
-          <a:lstStyle/>
-          <a:p>
-            <a:r>
-              <a:rPr lang="en-GB" sz="800" dirty="0"/>
-              <a:t>LD</a:t>
-            </a:r>
-            <a:endParaRPr lang="en-US" sz="800" dirty="0"/>
-          </a:p>
-        </p:txBody>
-      </p:sp>
-      <p:sp>
-        <p:nvSpPr>
-          <p:cNvPr id="34" name="Arrow: Down 33">
-            <a:extLst>
-              <a:ext uri="{FF2B5EF4-FFF2-40B4-BE49-F238E27FC236}">
-                <a16:creationId xmlns:a16="http://schemas.microsoft.com/office/drawing/2014/main" id="{47B70563-FB44-4F21-A76E-7633B003FECE}"/>
-              </a:ext>
-            </a:extLst>
-          </p:cNvPr>
-          <p:cNvSpPr/>
-          <p:nvPr/>
-        </p:nvSpPr>
-        <p:spPr>
-          <a:xfrm>
-            <a:off x="8317295" y="727845"/>
-            <a:ext cx="294291" cy="1459981"/>
-          </a:xfrm>
-          <a:prstGeom prst="downArrow">
-            <a:avLst/>
-          </a:prstGeom>
-          <a:solidFill>
-            <a:srgbClr val="FFFF00"/>
-          </a:solidFill>
-          <a:ln w="3175">
-            <a:noFill/>
-          </a:ln>
-        </p:spPr>
-        <p:style>
-          <a:lnRef idx="2">
-            <a:schemeClr val="dk1"/>
-          </a:lnRef>
-          <a:fillRef idx="1">
-            <a:schemeClr val="lt1"/>
-          </a:fillRef>
-          <a:effectRef idx="0">
-            <a:schemeClr val="dk1"/>
-          </a:effectRef>
-          <a:fontRef idx="minor">
-            <a:schemeClr val="dk1"/>
-          </a:fontRef>
-        </p:style>
-        <p:txBody>
-          <a:bodyPr rtlCol="0" anchor="ctr"/>
-          <a:lstStyle/>
-          <a:p>
-            <a:pPr algn="ctr"/>
-            <a:endParaRPr lang="en-US" sz="1000">
-              <a:solidFill>
-                <a:schemeClr val="tx1"/>
-              </a:solidFill>
-            </a:endParaRPr>
-          </a:p>
-        </p:txBody>
-      </p:sp>
-      <p:sp>
-        <p:nvSpPr>
-          <p:cNvPr id="35" name="TextBox 34">
-            <a:extLst>
-              <a:ext uri="{FF2B5EF4-FFF2-40B4-BE49-F238E27FC236}">
-                <a16:creationId xmlns:a16="http://schemas.microsoft.com/office/drawing/2014/main" id="{48B8C3DE-E5ED-4477-8890-B689A1894F84}"/>
-              </a:ext>
-            </a:extLst>
-          </p:cNvPr>
-          <p:cNvSpPr txBox="1"/>
-          <p:nvPr/>
-        </p:nvSpPr>
-        <p:spPr>
-          <a:xfrm>
-            <a:off x="5033290" y="4110415"/>
-            <a:ext cx="211810" cy="123111"/>
-          </a:xfrm>
-          <a:prstGeom prst="rect">
-            <a:avLst/>
-          </a:prstGeom>
-          <a:noFill/>
-        </p:spPr>
-        <p:txBody>
-          <a:bodyPr wrap="square" lIns="0" tIns="0" rIns="0" bIns="0" rtlCol="0">
-            <a:spAutoFit/>
-          </a:bodyPr>
-          <a:lstStyle>
-            <a:defPPr>
-              <a:defRPr lang="en-US"/>
-            </a:defPPr>
-            <a:lvl1pPr>
-              <a:defRPr sz="800"/>
-            </a:lvl1pPr>
-          </a:lstStyle>
-          <a:p>
-            <a:r>
-              <a:rPr lang="en-GB" dirty="0"/>
-              <a:t>INC</a:t>
-            </a:r>
-            <a:endParaRPr lang="en-US" dirty="0"/>
-          </a:p>
-        </p:txBody>
-      </p:sp>
-      <p:sp>
-        <p:nvSpPr>
-          <p:cNvPr id="36" name="Arrow: Down 35">
-            <a:extLst>
-              <a:ext uri="{FF2B5EF4-FFF2-40B4-BE49-F238E27FC236}">
-                <a16:creationId xmlns:a16="http://schemas.microsoft.com/office/drawing/2014/main" id="{29F12B92-D7CB-4C0D-8662-2BEEA1516B1D}"/>
-              </a:ext>
-            </a:extLst>
-          </p:cNvPr>
-          <p:cNvSpPr/>
-          <p:nvPr/>
-        </p:nvSpPr>
-        <p:spPr>
-          <a:xfrm>
-            <a:off x="5803707" y="2455608"/>
-            <a:ext cx="294291" cy="634601"/>
-          </a:xfrm>
-          <a:prstGeom prst="downArrow">
-            <a:avLst/>
-          </a:prstGeom>
-          <a:solidFill>
-            <a:srgbClr val="FFC000"/>
-          </a:solidFill>
-          <a:ln w="3175">
-            <a:noFill/>
-          </a:ln>
-        </p:spPr>
-        <p:style>
-          <a:lnRef idx="2">
-            <a:schemeClr val="dk1"/>
-          </a:lnRef>
-          <a:fillRef idx="1">
-            <a:schemeClr val="lt1"/>
-          </a:fillRef>
-          <a:effectRef idx="0">
-            <a:schemeClr val="dk1"/>
-          </a:effectRef>
-          <a:fontRef idx="minor">
-            <a:schemeClr val="dk1"/>
-          </a:fontRef>
-        </p:style>
-        <p:txBody>
-          <a:bodyPr rtlCol="0" anchor="ctr"/>
-          <a:lstStyle/>
-          <a:p>
-            <a:pPr algn="ctr"/>
-            <a:endParaRPr lang="en-US" sz="1000"/>
-          </a:p>
-        </p:txBody>
-      </p:sp>
-      <p:sp>
-        <p:nvSpPr>
-          <p:cNvPr id="37" name="TextBox 36">
-            <a:extLst>
-              <a:ext uri="{FF2B5EF4-FFF2-40B4-BE49-F238E27FC236}">
-                <a16:creationId xmlns:a16="http://schemas.microsoft.com/office/drawing/2014/main" id="{E7DE1E10-F3DF-4756-933E-219A1944F526}"/>
-              </a:ext>
-            </a:extLst>
-          </p:cNvPr>
-          <p:cNvSpPr txBox="1"/>
-          <p:nvPr/>
-        </p:nvSpPr>
-        <p:spPr>
-          <a:xfrm>
-            <a:off x="6385270" y="2310938"/>
-            <a:ext cx="314072" cy="123111"/>
-          </a:xfrm>
-          <a:prstGeom prst="rect">
-            <a:avLst/>
-          </a:prstGeom>
-          <a:noFill/>
-        </p:spPr>
-        <p:txBody>
-          <a:bodyPr wrap="square" lIns="0" tIns="0" rIns="0" bIns="0" rtlCol="0">
-            <a:spAutoFit/>
-          </a:bodyPr>
-          <a:lstStyle/>
-          <a:p>
-            <a:r>
-              <a:rPr lang="en-GB" sz="800" dirty="0"/>
-              <a:t>OUT</a:t>
-            </a:r>
-            <a:endParaRPr lang="en-US" sz="800" dirty="0"/>
-          </a:p>
-        </p:txBody>
-      </p:sp>
-      <p:sp>
-        <p:nvSpPr>
-          <p:cNvPr id="38" name="TextBox 37">
-            <a:extLst>
-              <a:ext uri="{FF2B5EF4-FFF2-40B4-BE49-F238E27FC236}">
-                <a16:creationId xmlns:a16="http://schemas.microsoft.com/office/drawing/2014/main" id="{C71C5884-BEA9-4DE3-AA13-A68CB07F1768}"/>
-              </a:ext>
-            </a:extLst>
-          </p:cNvPr>
-          <p:cNvSpPr txBox="1"/>
-          <p:nvPr/>
-        </p:nvSpPr>
-        <p:spPr>
-          <a:xfrm>
-            <a:off x="1868091" y="4107445"/>
-            <a:ext cx="217555" cy="123111"/>
-          </a:xfrm>
-          <a:prstGeom prst="rect">
-            <a:avLst/>
-          </a:prstGeom>
-          <a:noFill/>
-        </p:spPr>
-        <p:txBody>
-          <a:bodyPr wrap="square" lIns="0" tIns="0" rIns="0" bIns="0" rtlCol="0">
-            <a:spAutoFit/>
-          </a:bodyPr>
-          <a:lstStyle/>
-          <a:p>
-            <a:r>
-              <a:rPr lang="en-GB" sz="800" dirty="0"/>
-              <a:t>OUT</a:t>
-            </a:r>
-            <a:endParaRPr lang="en-US" sz="800" dirty="0"/>
-          </a:p>
-        </p:txBody>
-      </p:sp>
-      <p:sp>
-        <p:nvSpPr>
-          <p:cNvPr id="39" name="TextBox 38">
-            <a:extLst>
-              <a:ext uri="{FF2B5EF4-FFF2-40B4-BE49-F238E27FC236}">
-                <a16:creationId xmlns:a16="http://schemas.microsoft.com/office/drawing/2014/main" id="{FB5FAA83-A8A0-4FD5-A9B5-30A0E5E7A277}"/>
-              </a:ext>
-            </a:extLst>
-          </p:cNvPr>
-          <p:cNvSpPr txBox="1"/>
-          <p:nvPr/>
-        </p:nvSpPr>
-        <p:spPr>
-          <a:xfrm>
-            <a:off x="2461929" y="2307000"/>
-            <a:ext cx="314072" cy="123111"/>
-          </a:xfrm>
-          <a:prstGeom prst="rect">
-            <a:avLst/>
-          </a:prstGeom>
-          <a:noFill/>
-        </p:spPr>
-        <p:txBody>
-          <a:bodyPr wrap="square" lIns="0" tIns="0" rIns="0" bIns="0" rtlCol="0">
-            <a:spAutoFit/>
-          </a:bodyPr>
-          <a:lstStyle/>
-          <a:p>
-            <a:pPr algn="r"/>
-            <a:r>
-              <a:rPr lang="en-GB" sz="800" dirty="0"/>
-              <a:t>LD</a:t>
-            </a:r>
-            <a:endParaRPr lang="en-US" sz="800" dirty="0"/>
-          </a:p>
-        </p:txBody>
-      </p:sp>
-      <p:sp>
-        <p:nvSpPr>
-          <p:cNvPr id="40" name="TextBox 39">
-            <a:extLst>
-              <a:ext uri="{FF2B5EF4-FFF2-40B4-BE49-F238E27FC236}">
-                <a16:creationId xmlns:a16="http://schemas.microsoft.com/office/drawing/2014/main" id="{C1E41868-7F6F-4401-AE94-941309815912}"/>
-              </a:ext>
-            </a:extLst>
-          </p:cNvPr>
-          <p:cNvSpPr txBox="1"/>
-          <p:nvPr/>
-        </p:nvSpPr>
-        <p:spPr>
-          <a:xfrm>
-            <a:off x="2484784" y="2175815"/>
-            <a:ext cx="314072" cy="123111"/>
-          </a:xfrm>
-          <a:prstGeom prst="rect">
-            <a:avLst/>
-          </a:prstGeom>
-          <a:noFill/>
-        </p:spPr>
-        <p:txBody>
-          <a:bodyPr wrap="square" lIns="0" tIns="0" rIns="0" bIns="0" rtlCol="0">
-            <a:spAutoFit/>
-          </a:bodyPr>
-          <a:lstStyle/>
-          <a:p>
-            <a:pPr algn="r"/>
-            <a:r>
-              <a:rPr lang="en-GB" sz="800" dirty="0"/>
-              <a:t>OUT</a:t>
-            </a:r>
-            <a:endParaRPr lang="en-US" sz="800" dirty="0"/>
-          </a:p>
-        </p:txBody>
-      </p:sp>
-      <p:sp>
-        <p:nvSpPr>
-          <p:cNvPr id="41" name="TextBox 40">
-            <a:extLst>
-              <a:ext uri="{FF2B5EF4-FFF2-40B4-BE49-F238E27FC236}">
-                <a16:creationId xmlns:a16="http://schemas.microsoft.com/office/drawing/2014/main" id="{FA0F4452-42F7-45F6-9324-75558ACFE1DF}"/>
-              </a:ext>
-            </a:extLst>
-          </p:cNvPr>
-          <p:cNvSpPr txBox="1"/>
-          <p:nvPr/>
-        </p:nvSpPr>
-        <p:spPr>
-          <a:xfrm>
-            <a:off x="3871733" y="2312969"/>
-            <a:ext cx="314072" cy="123111"/>
-          </a:xfrm>
-          <a:prstGeom prst="rect">
-            <a:avLst/>
-          </a:prstGeom>
-          <a:noFill/>
-        </p:spPr>
-        <p:txBody>
-          <a:bodyPr wrap="square" lIns="0" tIns="0" rIns="0" bIns="0" rtlCol="0">
-            <a:spAutoFit/>
-          </a:bodyPr>
-          <a:lstStyle/>
-          <a:p>
-            <a:pPr algn="r"/>
-            <a:r>
-              <a:rPr lang="en-GB" sz="800" dirty="0"/>
-              <a:t>LD</a:t>
-            </a:r>
-            <a:endParaRPr lang="en-US" sz="800" dirty="0"/>
-          </a:p>
-        </p:txBody>
-      </p:sp>
-      <p:sp>
-        <p:nvSpPr>
-          <p:cNvPr id="42" name="TextBox 41">
-            <a:extLst>
-              <a:ext uri="{FF2B5EF4-FFF2-40B4-BE49-F238E27FC236}">
-                <a16:creationId xmlns:a16="http://schemas.microsoft.com/office/drawing/2014/main" id="{66FCBD40-FF4C-434B-9BDA-4170F7401A6A}"/>
-              </a:ext>
-            </a:extLst>
-          </p:cNvPr>
-          <p:cNvSpPr txBox="1"/>
-          <p:nvPr/>
-        </p:nvSpPr>
-        <p:spPr>
-          <a:xfrm>
-            <a:off x="3894588" y="2181784"/>
-            <a:ext cx="314072" cy="123111"/>
-          </a:xfrm>
-          <a:prstGeom prst="rect">
-            <a:avLst/>
-          </a:prstGeom>
-          <a:noFill/>
-        </p:spPr>
-        <p:txBody>
-          <a:bodyPr wrap="square" lIns="0" tIns="0" rIns="0" bIns="0" rtlCol="0">
-            <a:spAutoFit/>
-          </a:bodyPr>
-          <a:lstStyle/>
-          <a:p>
-            <a:pPr algn="r"/>
-            <a:r>
-              <a:rPr lang="en-GB" sz="800" dirty="0"/>
-              <a:t>OUT</a:t>
-            </a:r>
-            <a:endParaRPr lang="en-US" sz="800" dirty="0"/>
           </a:p>
         </p:txBody>
       </p:sp>
@@ -4681,9 +4477,9 @@
           <p:nvPr/>
         </p:nvCxnSpPr>
         <p:spPr>
-          <a:xfrm>
-            <a:off x="1868091" y="1394082"/>
-            <a:ext cx="7329163" cy="15918"/>
+          <a:xfrm flipV="1">
+            <a:off x="24185" y="614209"/>
+            <a:ext cx="11457559" cy="32122"/>
           </a:xfrm>
           <a:prstGeom prst="line">
             <a:avLst/>
@@ -4726,8 +4522,8 @@
         </p:nvSpPr>
         <p:spPr>
           <a:xfrm>
-            <a:off x="2098346" y="3076680"/>
-            <a:ext cx="2880492" cy="137937"/>
+            <a:off x="466304" y="2510308"/>
+            <a:ext cx="2257779" cy="165181"/>
           </a:xfrm>
           <a:prstGeom prst="rect">
             <a:avLst/>
@@ -4762,11 +4558,11 @@
           <a:p>
             <a:pPr algn="ctr"/>
             <a:r>
-              <a:rPr lang="en-GB" sz="800" dirty="0"/>
-              <a:t>iAddrBus</a:t>
-            </a:r>
-            <a:r>
-              <a:rPr lang="en-GB" sz="800" baseline="-25000" dirty="0"/>
+              <a:rPr lang="en-GB" sz="800" dirty="0" err="1"/>
+              <a:t>cAddrBus</a:t>
+            </a:r>
+            <a:r>
+              <a:rPr lang="en-GB" sz="800" baseline="-25000" dirty="0" err="1"/>
               <a:t>H</a:t>
             </a:r>
             <a:endParaRPr lang="en-US" sz="800" baseline="-25000" dirty="0"/>
@@ -4787,8 +4583,8 @@
         </p:nvSpPr>
         <p:spPr>
           <a:xfrm>
-            <a:off x="3191380" y="1618776"/>
-            <a:ext cx="1539596" cy="165181"/>
+            <a:off x="931532" y="1079648"/>
+            <a:ext cx="1508052" cy="165181"/>
           </a:xfrm>
           <a:prstGeom prst="rect">
             <a:avLst/>
@@ -4856,7 +4652,7 @@
         </p:nvSpPr>
         <p:spPr>
           <a:xfrm>
-            <a:off x="3181767" y="1618776"/>
+            <a:off x="931531" y="1103493"/>
             <a:ext cx="161507" cy="571806"/>
           </a:xfrm>
           <a:prstGeom prst="rect">
@@ -4913,7 +4709,7 @@
         </p:nvSpPr>
         <p:spPr>
           <a:xfrm>
-            <a:off x="4581764" y="1620572"/>
+            <a:off x="2277958" y="1129927"/>
             <a:ext cx="161507" cy="571806"/>
           </a:xfrm>
           <a:prstGeom prst="rect">
@@ -4970,7 +4766,7 @@
         </p:nvSpPr>
         <p:spPr>
           <a:xfrm rot="10800000">
-            <a:off x="3817344" y="912009"/>
+            <a:off x="1565853" y="395102"/>
             <a:ext cx="290349" cy="709448"/>
           </a:xfrm>
           <a:prstGeom prst="downArrow">
@@ -5011,10 +4807,4238 @@
       </p:sp>
       <p:sp>
         <p:nvSpPr>
-          <p:cNvPr id="53" name="TextBox 52">
-            <a:extLst>
-              <a:ext uri="{FF2B5EF4-FFF2-40B4-BE49-F238E27FC236}">
-                <a16:creationId xmlns:a16="http://schemas.microsoft.com/office/drawing/2014/main" id="{B0685170-3707-400C-9C34-1B23A6316015}"/>
+          <p:cNvPr id="43" name="Rectangle 42">
+            <a:extLst>
+              <a:ext uri="{FF2B5EF4-FFF2-40B4-BE49-F238E27FC236}">
+                <a16:creationId xmlns:a16="http://schemas.microsoft.com/office/drawing/2014/main" id="{6D4F4CC5-4E6E-408E-8D70-409F9D779A24}"/>
+              </a:ext>
+            </a:extLst>
+          </p:cNvPr>
+          <p:cNvSpPr/>
+          <p:nvPr/>
+        </p:nvSpPr>
+        <p:spPr>
+          <a:xfrm>
+            <a:off x="7091120" y="1681673"/>
+            <a:ext cx="827690" cy="280566"/>
+          </a:xfrm>
+          <a:prstGeom prst="rect">
+            <a:avLst/>
+          </a:prstGeom>
+          <a:ln w="3175"/>
+        </p:spPr>
+        <p:style>
+          <a:lnRef idx="2">
+            <a:schemeClr val="dk1"/>
+          </a:lnRef>
+          <a:fillRef idx="1">
+            <a:schemeClr val="lt1"/>
+          </a:fillRef>
+          <a:effectRef idx="0">
+            <a:schemeClr val="dk1"/>
+          </a:effectRef>
+          <a:fontRef idx="minor">
+            <a:schemeClr val="dk1"/>
+          </a:fontRef>
+        </p:style>
+        <p:txBody>
+          <a:bodyPr rtlCol="0" anchor="ctr"/>
+          <a:lstStyle/>
+          <a:p>
+            <a:pPr algn="ctr"/>
+            <a:r>
+              <a:rPr lang="en-GB" sz="1000" dirty="0"/>
+              <a:t>X</a:t>
+            </a:r>
+            <a:endParaRPr lang="en-US" sz="1000" dirty="0"/>
+          </a:p>
+        </p:txBody>
+      </p:sp>
+      <p:sp>
+        <p:nvSpPr>
+          <p:cNvPr id="44" name="Rectangle 43">
+            <a:extLst>
+              <a:ext uri="{FF2B5EF4-FFF2-40B4-BE49-F238E27FC236}">
+                <a16:creationId xmlns:a16="http://schemas.microsoft.com/office/drawing/2014/main" id="{70DD7834-F598-4F1C-A2FC-2611881769B0}"/>
+              </a:ext>
+            </a:extLst>
+          </p:cNvPr>
+          <p:cNvSpPr/>
+          <p:nvPr/>
+        </p:nvSpPr>
+        <p:spPr>
+          <a:xfrm>
+            <a:off x="8473026" y="1662309"/>
+            <a:ext cx="827690" cy="288899"/>
+          </a:xfrm>
+          <a:prstGeom prst="rect">
+            <a:avLst/>
+          </a:prstGeom>
+          <a:ln w="3175"/>
+        </p:spPr>
+        <p:style>
+          <a:lnRef idx="2">
+            <a:schemeClr val="dk1"/>
+          </a:lnRef>
+          <a:fillRef idx="1">
+            <a:schemeClr val="lt1"/>
+          </a:fillRef>
+          <a:effectRef idx="0">
+            <a:schemeClr val="dk1"/>
+          </a:effectRef>
+          <a:fontRef idx="minor">
+            <a:schemeClr val="dk1"/>
+          </a:fontRef>
+        </p:style>
+        <p:txBody>
+          <a:bodyPr rtlCol="0" anchor="ctr"/>
+          <a:lstStyle/>
+          <a:p>
+            <a:pPr algn="ctr"/>
+            <a:r>
+              <a:rPr lang="en-GB" sz="1000" dirty="0"/>
+              <a:t>Y</a:t>
+            </a:r>
+            <a:endParaRPr lang="en-US" sz="1000" dirty="0"/>
+          </a:p>
+        </p:txBody>
+      </p:sp>
+      <p:sp>
+        <p:nvSpPr>
+          <p:cNvPr id="60" name="Arrow: Down 59">
+            <a:extLst>
+              <a:ext uri="{FF2B5EF4-FFF2-40B4-BE49-F238E27FC236}">
+                <a16:creationId xmlns:a16="http://schemas.microsoft.com/office/drawing/2014/main" id="{B178ABD3-620C-4283-AD7F-967605307AF3}"/>
+              </a:ext>
+            </a:extLst>
+          </p:cNvPr>
+          <p:cNvSpPr/>
+          <p:nvPr/>
+        </p:nvSpPr>
+        <p:spPr>
+          <a:xfrm>
+            <a:off x="3796077" y="2661546"/>
+            <a:ext cx="311468" cy="554453"/>
+          </a:xfrm>
+          <a:prstGeom prst="downArrow">
+            <a:avLst/>
+          </a:prstGeom>
+          <a:solidFill>
+            <a:srgbClr val="FFC000"/>
+          </a:solidFill>
+          <a:ln w="3175">
+            <a:noFill/>
+          </a:ln>
+        </p:spPr>
+        <p:style>
+          <a:lnRef idx="2">
+            <a:schemeClr val="dk1"/>
+          </a:lnRef>
+          <a:fillRef idx="1">
+            <a:schemeClr val="lt1"/>
+          </a:fillRef>
+          <a:effectRef idx="0">
+            <a:schemeClr val="dk1"/>
+          </a:effectRef>
+          <a:fontRef idx="minor">
+            <a:schemeClr val="dk1"/>
+          </a:fontRef>
+        </p:style>
+        <p:txBody>
+          <a:bodyPr rtlCol="0" anchor="ctr"/>
+          <a:lstStyle/>
+          <a:p>
+            <a:pPr algn="ctr"/>
+            <a:endParaRPr lang="en-US" sz="1000"/>
+          </a:p>
+        </p:txBody>
+      </p:sp>
+      <p:sp>
+        <p:nvSpPr>
+          <p:cNvPr id="61" name="Arrow: Down 60">
+            <a:extLst>
+              <a:ext uri="{FF2B5EF4-FFF2-40B4-BE49-F238E27FC236}">
+                <a16:creationId xmlns:a16="http://schemas.microsoft.com/office/drawing/2014/main" id="{F38FA05B-58FF-453A-A658-6FF5B4D0DA0E}"/>
+              </a:ext>
+            </a:extLst>
+          </p:cNvPr>
+          <p:cNvSpPr/>
+          <p:nvPr/>
+        </p:nvSpPr>
+        <p:spPr>
+          <a:xfrm>
+            <a:off x="5068299" y="2666839"/>
+            <a:ext cx="296092" cy="542894"/>
+          </a:xfrm>
+          <a:prstGeom prst="downArrow">
+            <a:avLst/>
+          </a:prstGeom>
+          <a:solidFill>
+            <a:srgbClr val="FFC000"/>
+          </a:solidFill>
+          <a:ln w="3175">
+            <a:noFill/>
+          </a:ln>
+        </p:spPr>
+        <p:style>
+          <a:lnRef idx="2">
+            <a:schemeClr val="dk1"/>
+          </a:lnRef>
+          <a:fillRef idx="1">
+            <a:schemeClr val="lt1"/>
+          </a:fillRef>
+          <a:effectRef idx="0">
+            <a:schemeClr val="dk1"/>
+          </a:effectRef>
+          <a:fontRef idx="minor">
+            <a:schemeClr val="dk1"/>
+          </a:fontRef>
+        </p:style>
+        <p:txBody>
+          <a:bodyPr rtlCol="0" anchor="ctr"/>
+          <a:lstStyle/>
+          <a:p>
+            <a:pPr algn="ctr"/>
+            <a:endParaRPr lang="en-US" sz="1000"/>
+          </a:p>
+        </p:txBody>
+      </p:sp>
+      <p:sp>
+        <p:nvSpPr>
+          <p:cNvPr id="3" name="Half Frame 2">
+            <a:extLst>
+              <a:ext uri="{FF2B5EF4-FFF2-40B4-BE49-F238E27FC236}">
+                <a16:creationId xmlns:a16="http://schemas.microsoft.com/office/drawing/2014/main" id="{FD6E6DC9-0723-4A6A-ADF6-2E1FCF4498B2}"/>
+              </a:ext>
+            </a:extLst>
+          </p:cNvPr>
+          <p:cNvSpPr/>
+          <p:nvPr/>
+        </p:nvSpPr>
+        <p:spPr>
+          <a:xfrm rot="13509976">
+            <a:off x="4156283" y="2938122"/>
+            <a:ext cx="1002048" cy="1013769"/>
+          </a:xfrm>
+          <a:prstGeom prst="halfFrame">
+            <a:avLst/>
+          </a:prstGeom>
+          <a:ln w="3175"/>
+        </p:spPr>
+        <p:style>
+          <a:lnRef idx="2">
+            <a:schemeClr val="dk1"/>
+          </a:lnRef>
+          <a:fillRef idx="1">
+            <a:schemeClr val="lt1"/>
+          </a:fillRef>
+          <a:effectRef idx="0">
+            <a:schemeClr val="dk1"/>
+          </a:effectRef>
+          <a:fontRef idx="minor">
+            <a:schemeClr val="dk1"/>
+          </a:fontRef>
+        </p:style>
+        <p:txBody>
+          <a:bodyPr rtlCol="0" anchor="ctr"/>
+          <a:lstStyle/>
+          <a:p>
+            <a:pPr algn="ctr"/>
+            <a:endParaRPr lang="en-GB" sz="1000" dirty="0">
+              <a:solidFill>
+                <a:schemeClr val="dk1"/>
+              </a:solidFill>
+            </a:endParaRPr>
+          </a:p>
+        </p:txBody>
+      </p:sp>
+      <p:sp>
+        <p:nvSpPr>
+          <p:cNvPr id="63" name="Rectangle 62">
+            <a:extLst>
+              <a:ext uri="{FF2B5EF4-FFF2-40B4-BE49-F238E27FC236}">
+                <a16:creationId xmlns:a16="http://schemas.microsoft.com/office/drawing/2014/main" id="{C7BB5802-1735-41D1-ADDF-7FD11AC509E9}"/>
+              </a:ext>
+            </a:extLst>
+          </p:cNvPr>
+          <p:cNvSpPr/>
+          <p:nvPr/>
+        </p:nvSpPr>
+        <p:spPr>
+          <a:xfrm>
+            <a:off x="4815971" y="3202117"/>
+            <a:ext cx="827690" cy="261495"/>
+          </a:xfrm>
+          <a:prstGeom prst="rect">
+            <a:avLst/>
+          </a:prstGeom>
+          <a:ln w="3175"/>
+        </p:spPr>
+        <p:style>
+          <a:lnRef idx="2">
+            <a:schemeClr val="dk1"/>
+          </a:lnRef>
+          <a:fillRef idx="1">
+            <a:schemeClr val="lt1"/>
+          </a:fillRef>
+          <a:effectRef idx="0">
+            <a:schemeClr val="dk1"/>
+          </a:effectRef>
+          <a:fontRef idx="minor">
+            <a:schemeClr val="dk1"/>
+          </a:fontRef>
+        </p:style>
+        <p:txBody>
+          <a:bodyPr rtlCol="0" anchor="ctr"/>
+          <a:lstStyle/>
+          <a:p>
+            <a:pPr algn="ctr"/>
+            <a:r>
+              <a:rPr lang="en-GB" sz="1000" dirty="0"/>
+              <a:t>ALU</a:t>
+            </a:r>
+            <a:r>
+              <a:rPr lang="en-GB" sz="1000" baseline="-25000" dirty="0"/>
+              <a:t>R</a:t>
+            </a:r>
+            <a:endParaRPr lang="en-US" sz="1000" baseline="-25000" dirty="0"/>
+          </a:p>
+        </p:txBody>
+      </p:sp>
+      <p:sp>
+        <p:nvSpPr>
+          <p:cNvPr id="62" name="Rectangle 61">
+            <a:extLst>
+              <a:ext uri="{FF2B5EF4-FFF2-40B4-BE49-F238E27FC236}">
+                <a16:creationId xmlns:a16="http://schemas.microsoft.com/office/drawing/2014/main" id="{EFE9B0EF-75C8-47FC-B5B9-00134BACD14D}"/>
+              </a:ext>
+            </a:extLst>
+          </p:cNvPr>
+          <p:cNvSpPr/>
+          <p:nvPr/>
+        </p:nvSpPr>
+        <p:spPr>
+          <a:xfrm>
+            <a:off x="3703416" y="3198817"/>
+            <a:ext cx="827690" cy="252248"/>
+          </a:xfrm>
+          <a:prstGeom prst="rect">
+            <a:avLst/>
+          </a:prstGeom>
+          <a:ln w="3175"/>
+        </p:spPr>
+        <p:style>
+          <a:lnRef idx="2">
+            <a:schemeClr val="dk1"/>
+          </a:lnRef>
+          <a:fillRef idx="1">
+            <a:schemeClr val="lt1"/>
+          </a:fillRef>
+          <a:effectRef idx="0">
+            <a:schemeClr val="dk1"/>
+          </a:effectRef>
+          <a:fontRef idx="minor">
+            <a:schemeClr val="dk1"/>
+          </a:fontRef>
+        </p:style>
+        <p:txBody>
+          <a:bodyPr rtlCol="0" anchor="ctr"/>
+          <a:lstStyle/>
+          <a:p>
+            <a:pPr algn="ctr"/>
+            <a:r>
+              <a:rPr lang="en-GB" sz="1000" dirty="0"/>
+              <a:t>ALU</a:t>
+            </a:r>
+            <a:r>
+              <a:rPr lang="en-GB" sz="1000" baseline="-25000" dirty="0"/>
+              <a:t>L</a:t>
+            </a:r>
+            <a:endParaRPr lang="en-US" sz="1000" baseline="-25000" dirty="0"/>
+          </a:p>
+        </p:txBody>
+      </p:sp>
+      <p:sp>
+        <p:nvSpPr>
+          <p:cNvPr id="64" name="Rectangle 63">
+            <a:extLst>
+              <a:ext uri="{FF2B5EF4-FFF2-40B4-BE49-F238E27FC236}">
+                <a16:creationId xmlns:a16="http://schemas.microsoft.com/office/drawing/2014/main" id="{F3FAFB30-03EB-45B2-AFAF-389C83FED0EE}"/>
+              </a:ext>
+            </a:extLst>
+          </p:cNvPr>
+          <p:cNvSpPr/>
+          <p:nvPr/>
+        </p:nvSpPr>
+        <p:spPr>
+          <a:xfrm>
+            <a:off x="4218759" y="4055584"/>
+            <a:ext cx="827690" cy="252248"/>
+          </a:xfrm>
+          <a:prstGeom prst="rect">
+            <a:avLst/>
+          </a:prstGeom>
+          <a:ln w="3175"/>
+        </p:spPr>
+        <p:style>
+          <a:lnRef idx="2">
+            <a:schemeClr val="dk1"/>
+          </a:lnRef>
+          <a:fillRef idx="1">
+            <a:schemeClr val="lt1"/>
+          </a:fillRef>
+          <a:effectRef idx="0">
+            <a:schemeClr val="dk1"/>
+          </a:effectRef>
+          <a:fontRef idx="minor">
+            <a:schemeClr val="dk1"/>
+          </a:fontRef>
+        </p:style>
+        <p:txBody>
+          <a:bodyPr rtlCol="0" anchor="ctr"/>
+          <a:lstStyle/>
+          <a:p>
+            <a:pPr algn="ctr"/>
+            <a:r>
+              <a:rPr lang="en-GB" sz="1000" dirty="0"/>
+              <a:t>ALU</a:t>
+            </a:r>
+            <a:r>
+              <a:rPr lang="en-GB" sz="1000" baseline="-25000" dirty="0"/>
+              <a:t>OUT</a:t>
+            </a:r>
+            <a:endParaRPr lang="en-US" sz="1000" baseline="-25000" dirty="0"/>
+          </a:p>
+        </p:txBody>
+      </p:sp>
+      <p:sp>
+        <p:nvSpPr>
+          <p:cNvPr id="59" name="Rectangle 58">
+            <a:extLst>
+              <a:ext uri="{FF2B5EF4-FFF2-40B4-BE49-F238E27FC236}">
+                <a16:creationId xmlns:a16="http://schemas.microsoft.com/office/drawing/2014/main" id="{EF3324CA-961B-4240-BEB1-1D8D8D031F08}"/>
+              </a:ext>
+            </a:extLst>
+          </p:cNvPr>
+          <p:cNvSpPr/>
+          <p:nvPr/>
+        </p:nvSpPr>
+        <p:spPr>
+          <a:xfrm>
+            <a:off x="4394737" y="3691361"/>
+            <a:ext cx="475734" cy="274840"/>
+          </a:xfrm>
+          <a:prstGeom prst="rect">
+            <a:avLst/>
+          </a:prstGeom>
+          <a:noFill/>
+          <a:ln w="3175">
+            <a:noFill/>
+          </a:ln>
+        </p:spPr>
+        <p:style>
+          <a:lnRef idx="2">
+            <a:schemeClr val="dk1"/>
+          </a:lnRef>
+          <a:fillRef idx="1">
+            <a:schemeClr val="lt1"/>
+          </a:fillRef>
+          <a:effectRef idx="0">
+            <a:schemeClr val="dk1"/>
+          </a:effectRef>
+          <a:fontRef idx="minor">
+            <a:schemeClr val="dk1"/>
+          </a:fontRef>
+        </p:style>
+        <p:txBody>
+          <a:bodyPr rtlCol="0" anchor="ctr"/>
+          <a:lstStyle/>
+          <a:p>
+            <a:pPr algn="ctr"/>
+            <a:r>
+              <a:rPr lang="en-GB" sz="1000" dirty="0"/>
+              <a:t>ALU</a:t>
+            </a:r>
+            <a:endParaRPr lang="en-US" sz="1000" dirty="0"/>
+          </a:p>
+        </p:txBody>
+      </p:sp>
+      <p:sp>
+        <p:nvSpPr>
+          <p:cNvPr id="65" name="Rectangle 64">
+            <a:extLst>
+              <a:ext uri="{FF2B5EF4-FFF2-40B4-BE49-F238E27FC236}">
+                <a16:creationId xmlns:a16="http://schemas.microsoft.com/office/drawing/2014/main" id="{EABF557E-10AB-4A9A-AC67-16E6F1CC6BCE}"/>
+              </a:ext>
+            </a:extLst>
+          </p:cNvPr>
+          <p:cNvSpPr/>
+          <p:nvPr/>
+        </p:nvSpPr>
+        <p:spPr>
+          <a:xfrm>
+            <a:off x="3472867" y="4797116"/>
+            <a:ext cx="1336758" cy="167562"/>
+          </a:xfrm>
+          <a:prstGeom prst="rect">
+            <a:avLst/>
+          </a:prstGeom>
+          <a:solidFill>
+            <a:srgbClr val="FFC000"/>
+          </a:solidFill>
+          <a:ln w="3175">
+            <a:noFill/>
+          </a:ln>
+        </p:spPr>
+        <p:style>
+          <a:lnRef idx="2">
+            <a:schemeClr val="dk1"/>
+          </a:lnRef>
+          <a:fillRef idx="1">
+            <a:schemeClr val="lt1"/>
+          </a:fillRef>
+          <a:effectRef idx="0">
+            <a:schemeClr val="dk1"/>
+          </a:effectRef>
+          <a:fontRef idx="minor">
+            <a:schemeClr val="dk1"/>
+          </a:fontRef>
+        </p:style>
+        <p:txBody>
+          <a:bodyPr rtlCol="0" anchor="ctr"/>
+          <a:lstStyle/>
+          <a:p>
+            <a:pPr algn="ctr"/>
+            <a:endParaRPr lang="en-GB" sz="800" dirty="0">
+              <a:solidFill>
+                <a:schemeClr val="dk1"/>
+              </a:solidFill>
+            </a:endParaRPr>
+          </a:p>
+        </p:txBody>
+      </p:sp>
+      <p:sp>
+        <p:nvSpPr>
+          <p:cNvPr id="66" name="Arrow: Down 65">
+            <a:extLst>
+              <a:ext uri="{FF2B5EF4-FFF2-40B4-BE49-F238E27FC236}">
+                <a16:creationId xmlns:a16="http://schemas.microsoft.com/office/drawing/2014/main" id="{1F03C0DF-2579-4BF1-8FBE-35926462EA36}"/>
+              </a:ext>
+            </a:extLst>
+          </p:cNvPr>
+          <p:cNvSpPr/>
+          <p:nvPr/>
+        </p:nvSpPr>
+        <p:spPr>
+          <a:xfrm>
+            <a:off x="4486896" y="4309172"/>
+            <a:ext cx="305584" cy="510977"/>
+          </a:xfrm>
+          <a:prstGeom prst="downArrow">
+            <a:avLst/>
+          </a:prstGeom>
+          <a:solidFill>
+            <a:srgbClr val="FFC000"/>
+          </a:solidFill>
+          <a:ln w="3175">
+            <a:noFill/>
+          </a:ln>
+        </p:spPr>
+        <p:style>
+          <a:lnRef idx="2">
+            <a:schemeClr val="dk1"/>
+          </a:lnRef>
+          <a:fillRef idx="1">
+            <a:schemeClr val="lt1"/>
+          </a:fillRef>
+          <a:effectRef idx="0">
+            <a:schemeClr val="dk1"/>
+          </a:effectRef>
+          <a:fontRef idx="minor">
+            <a:schemeClr val="dk1"/>
+          </a:fontRef>
+        </p:style>
+        <p:txBody>
+          <a:bodyPr rtlCol="0" anchor="ctr"/>
+          <a:lstStyle/>
+          <a:p>
+            <a:pPr algn="ctr"/>
+            <a:endParaRPr lang="en-US" sz="1000"/>
+          </a:p>
+        </p:txBody>
+      </p:sp>
+      <p:sp>
+        <p:nvSpPr>
+          <p:cNvPr id="67" name="Rectangle 66">
+            <a:extLst>
+              <a:ext uri="{FF2B5EF4-FFF2-40B4-BE49-F238E27FC236}">
+                <a16:creationId xmlns:a16="http://schemas.microsoft.com/office/drawing/2014/main" id="{5C74016A-10A0-405F-881E-99558CB7195F}"/>
+              </a:ext>
+            </a:extLst>
+          </p:cNvPr>
+          <p:cNvSpPr/>
+          <p:nvPr/>
+        </p:nvSpPr>
+        <p:spPr>
+          <a:xfrm rot="5400000">
+            <a:off x="2362820" y="3722802"/>
+            <a:ext cx="2309028" cy="174724"/>
+          </a:xfrm>
+          <a:prstGeom prst="rect">
+            <a:avLst/>
+          </a:prstGeom>
+          <a:solidFill>
+            <a:srgbClr val="FFC000"/>
+          </a:solidFill>
+          <a:ln w="3175">
+            <a:noFill/>
+          </a:ln>
+        </p:spPr>
+        <p:style>
+          <a:lnRef idx="2">
+            <a:schemeClr val="dk1"/>
+          </a:lnRef>
+          <a:fillRef idx="1">
+            <a:schemeClr val="lt1"/>
+          </a:fillRef>
+          <a:effectRef idx="0">
+            <a:schemeClr val="dk1"/>
+          </a:effectRef>
+          <a:fontRef idx="minor">
+            <a:schemeClr val="dk1"/>
+          </a:fontRef>
+        </p:style>
+        <p:txBody>
+          <a:bodyPr rtlCol="0" anchor="ctr"/>
+          <a:lstStyle/>
+          <a:p>
+            <a:pPr algn="ctr"/>
+            <a:endParaRPr lang="en-GB" sz="800" dirty="0">
+              <a:solidFill>
+                <a:schemeClr val="dk1"/>
+              </a:solidFill>
+            </a:endParaRPr>
+          </a:p>
+        </p:txBody>
+      </p:sp>
+      <p:sp>
+        <p:nvSpPr>
+          <p:cNvPr id="80" name="Rectangle 79">
+            <a:extLst>
+              <a:ext uri="{FF2B5EF4-FFF2-40B4-BE49-F238E27FC236}">
+                <a16:creationId xmlns:a16="http://schemas.microsoft.com/office/drawing/2014/main" id="{21FC49A7-8C15-42B5-A5C3-D20E57A07BD9}"/>
+              </a:ext>
+            </a:extLst>
+          </p:cNvPr>
+          <p:cNvSpPr/>
+          <p:nvPr/>
+        </p:nvSpPr>
+        <p:spPr>
+          <a:xfrm>
+            <a:off x="5304103" y="1165708"/>
+            <a:ext cx="4386442" cy="162024"/>
+          </a:xfrm>
+          <a:prstGeom prst="rect">
+            <a:avLst/>
+          </a:prstGeom>
+          <a:solidFill>
+            <a:schemeClr val="accent6">
+              <a:lumMod val="40000"/>
+              <a:lumOff val="60000"/>
+            </a:schemeClr>
+          </a:solidFill>
+          <a:ln w="3175">
+            <a:noFill/>
+          </a:ln>
+        </p:spPr>
+        <p:style>
+          <a:lnRef idx="2">
+            <a:schemeClr val="accent1">
+              <a:shade val="50000"/>
+            </a:schemeClr>
+          </a:lnRef>
+          <a:fillRef idx="1">
+            <a:schemeClr val="accent1"/>
+          </a:fillRef>
+          <a:effectRef idx="0">
+            <a:schemeClr val="accent1"/>
+          </a:effectRef>
+          <a:fontRef idx="minor">
+            <a:schemeClr val="lt1"/>
+          </a:fontRef>
+        </p:style>
+        <p:txBody>
+          <a:bodyPr rtlCol="0" anchor="ctr"/>
+          <a:lstStyle/>
+          <a:p>
+            <a:pPr algn="ctr"/>
+            <a:endParaRPr lang="en-GB" dirty="0">
+              <a:solidFill>
+                <a:schemeClr val="tx1"/>
+              </a:solidFill>
+            </a:endParaRPr>
+          </a:p>
+        </p:txBody>
+      </p:sp>
+      <p:sp>
+        <p:nvSpPr>
+          <p:cNvPr id="83" name="Arrow: Bent 82">
+            <a:extLst>
+              <a:ext uri="{FF2B5EF4-FFF2-40B4-BE49-F238E27FC236}">
+                <a16:creationId xmlns:a16="http://schemas.microsoft.com/office/drawing/2014/main" id="{EB2F3DA7-DC87-404D-B4A6-4F021B2B4FD6}"/>
+              </a:ext>
+            </a:extLst>
+          </p:cNvPr>
+          <p:cNvSpPr/>
+          <p:nvPr/>
+        </p:nvSpPr>
+        <p:spPr>
+          <a:xfrm rot="5400000">
+            <a:off x="9596694" y="1198002"/>
+            <a:ext cx="605333" cy="549619"/>
+          </a:xfrm>
+          <a:prstGeom prst="bentArrow">
+            <a:avLst>
+              <a:gd name="adj1" fmla="val 29132"/>
+              <a:gd name="adj2" fmla="val 14566"/>
+              <a:gd name="adj3" fmla="val 0"/>
+              <a:gd name="adj4" fmla="val 16291"/>
+            </a:avLst>
+          </a:prstGeom>
+          <a:solidFill>
+            <a:schemeClr val="accent6">
+              <a:lumMod val="40000"/>
+              <a:lumOff val="60000"/>
+            </a:schemeClr>
+          </a:solidFill>
+          <a:ln w="3175">
+            <a:noFill/>
+          </a:ln>
+        </p:spPr>
+        <p:style>
+          <a:lnRef idx="2">
+            <a:schemeClr val="accent1">
+              <a:shade val="50000"/>
+            </a:schemeClr>
+          </a:lnRef>
+          <a:fillRef idx="1">
+            <a:schemeClr val="accent1"/>
+          </a:fillRef>
+          <a:effectRef idx="0">
+            <a:schemeClr val="accent1"/>
+          </a:effectRef>
+          <a:fontRef idx="minor">
+            <a:schemeClr val="lt1"/>
+          </a:fontRef>
+        </p:style>
+        <p:txBody>
+          <a:bodyPr rtlCol="0" anchor="ctr"/>
+          <a:lstStyle/>
+          <a:p>
+            <a:pPr algn="ctr"/>
+            <a:endParaRPr lang="en-GB">
+              <a:solidFill>
+                <a:schemeClr val="tx1"/>
+              </a:solidFill>
+            </a:endParaRPr>
+          </a:p>
+        </p:txBody>
+      </p:sp>
+      <p:sp>
+        <p:nvSpPr>
+          <p:cNvPr id="16" name="Isosceles Triangle 15">
+            <a:extLst>
+              <a:ext uri="{FF2B5EF4-FFF2-40B4-BE49-F238E27FC236}">
+                <a16:creationId xmlns:a16="http://schemas.microsoft.com/office/drawing/2014/main" id="{256C0891-4403-4A3B-99F3-B77282C2C830}"/>
+              </a:ext>
+            </a:extLst>
+          </p:cNvPr>
+          <p:cNvSpPr/>
+          <p:nvPr/>
+        </p:nvSpPr>
+        <p:spPr>
+          <a:xfrm rot="5400000">
+            <a:off x="3166039" y="1787593"/>
+            <a:ext cx="95343" cy="45719"/>
+          </a:xfrm>
+          <a:prstGeom prst="triangle">
+            <a:avLst/>
+          </a:prstGeom>
+          <a:solidFill>
+            <a:schemeClr val="bg1"/>
+          </a:solidFill>
+          <a:ln w="3175">
+            <a:solidFill>
+              <a:schemeClr val="tx1">
+                <a:lumMod val="75000"/>
+                <a:lumOff val="25000"/>
+              </a:schemeClr>
+            </a:solidFill>
+          </a:ln>
+        </p:spPr>
+        <p:style>
+          <a:lnRef idx="2">
+            <a:schemeClr val="accent1">
+              <a:shade val="50000"/>
+            </a:schemeClr>
+          </a:lnRef>
+          <a:fillRef idx="1">
+            <a:schemeClr val="accent1"/>
+          </a:fillRef>
+          <a:effectRef idx="0">
+            <a:schemeClr val="accent1"/>
+          </a:effectRef>
+          <a:fontRef idx="minor">
+            <a:schemeClr val="lt1"/>
+          </a:fontRef>
+        </p:style>
+        <p:txBody>
+          <a:bodyPr rtlCol="0" anchor="ctr"/>
+          <a:lstStyle/>
+          <a:p>
+            <a:pPr algn="ctr"/>
+            <a:endParaRPr lang="en-GB">
+              <a:solidFill>
+                <a:schemeClr val="tx1"/>
+              </a:solidFill>
+            </a:endParaRPr>
+          </a:p>
+        </p:txBody>
+      </p:sp>
+      <p:sp>
+        <p:nvSpPr>
+          <p:cNvPr id="84" name="Isosceles Triangle 83">
+            <a:extLst>
+              <a:ext uri="{FF2B5EF4-FFF2-40B4-BE49-F238E27FC236}">
+                <a16:creationId xmlns:a16="http://schemas.microsoft.com/office/drawing/2014/main" id="{FDABA4A6-69BA-43A6-9B73-C3C256F3B39A}"/>
+              </a:ext>
+            </a:extLst>
+          </p:cNvPr>
+          <p:cNvSpPr/>
+          <p:nvPr/>
+        </p:nvSpPr>
+        <p:spPr>
+          <a:xfrm rot="5400000">
+            <a:off x="4429967" y="1794254"/>
+            <a:ext cx="95343" cy="45719"/>
+          </a:xfrm>
+          <a:prstGeom prst="triangle">
+            <a:avLst/>
+          </a:prstGeom>
+          <a:solidFill>
+            <a:schemeClr val="bg1"/>
+          </a:solidFill>
+          <a:ln w="3175">
+            <a:solidFill>
+              <a:schemeClr val="tx1">
+                <a:lumMod val="75000"/>
+                <a:lumOff val="25000"/>
+              </a:schemeClr>
+            </a:solidFill>
+          </a:ln>
+        </p:spPr>
+        <p:style>
+          <a:lnRef idx="2">
+            <a:schemeClr val="accent1">
+              <a:shade val="50000"/>
+            </a:schemeClr>
+          </a:lnRef>
+          <a:fillRef idx="1">
+            <a:schemeClr val="accent1"/>
+          </a:fillRef>
+          <a:effectRef idx="0">
+            <a:schemeClr val="accent1"/>
+          </a:effectRef>
+          <a:fontRef idx="minor">
+            <a:schemeClr val="lt1"/>
+          </a:fontRef>
+        </p:style>
+        <p:txBody>
+          <a:bodyPr rtlCol="0" anchor="ctr"/>
+          <a:lstStyle/>
+          <a:p>
+            <a:pPr algn="ctr"/>
+            <a:endParaRPr lang="en-GB">
+              <a:solidFill>
+                <a:schemeClr val="tx1"/>
+              </a:solidFill>
+            </a:endParaRPr>
+          </a:p>
+        </p:txBody>
+      </p:sp>
+      <p:sp>
+        <p:nvSpPr>
+          <p:cNvPr id="85" name="Isosceles Triangle 84">
+            <a:extLst>
+              <a:ext uri="{FF2B5EF4-FFF2-40B4-BE49-F238E27FC236}">
+                <a16:creationId xmlns:a16="http://schemas.microsoft.com/office/drawing/2014/main" id="{9C74C9A5-8176-4116-939E-5752E80CC77B}"/>
+              </a:ext>
+            </a:extLst>
+          </p:cNvPr>
+          <p:cNvSpPr/>
+          <p:nvPr/>
+        </p:nvSpPr>
+        <p:spPr>
+          <a:xfrm rot="5400000">
+            <a:off x="5736061" y="1783384"/>
+            <a:ext cx="95343" cy="45719"/>
+          </a:xfrm>
+          <a:prstGeom prst="triangle">
+            <a:avLst/>
+          </a:prstGeom>
+          <a:solidFill>
+            <a:schemeClr val="bg1"/>
+          </a:solidFill>
+          <a:ln w="3175">
+            <a:solidFill>
+              <a:schemeClr val="tx1">
+                <a:lumMod val="75000"/>
+                <a:lumOff val="25000"/>
+              </a:schemeClr>
+            </a:solidFill>
+          </a:ln>
+        </p:spPr>
+        <p:style>
+          <a:lnRef idx="2">
+            <a:schemeClr val="accent1">
+              <a:shade val="50000"/>
+            </a:schemeClr>
+          </a:lnRef>
+          <a:fillRef idx="1">
+            <a:schemeClr val="accent1"/>
+          </a:fillRef>
+          <a:effectRef idx="0">
+            <a:schemeClr val="accent1"/>
+          </a:effectRef>
+          <a:fontRef idx="minor">
+            <a:schemeClr val="lt1"/>
+          </a:fontRef>
+        </p:style>
+        <p:txBody>
+          <a:bodyPr rtlCol="0" anchor="ctr"/>
+          <a:lstStyle/>
+          <a:p>
+            <a:pPr algn="ctr"/>
+            <a:endParaRPr lang="en-GB">
+              <a:solidFill>
+                <a:schemeClr val="tx1"/>
+              </a:solidFill>
+            </a:endParaRPr>
+          </a:p>
+        </p:txBody>
+      </p:sp>
+      <p:sp>
+        <p:nvSpPr>
+          <p:cNvPr id="86" name="Isosceles Triangle 85">
+            <a:extLst>
+              <a:ext uri="{FF2B5EF4-FFF2-40B4-BE49-F238E27FC236}">
+                <a16:creationId xmlns:a16="http://schemas.microsoft.com/office/drawing/2014/main" id="{A9AC025A-1BB2-4068-9961-75D5A09EBA93}"/>
+              </a:ext>
+            </a:extLst>
+          </p:cNvPr>
+          <p:cNvSpPr/>
+          <p:nvPr/>
+        </p:nvSpPr>
+        <p:spPr>
+          <a:xfrm rot="5400000">
+            <a:off x="7066308" y="1813590"/>
+            <a:ext cx="95343" cy="45719"/>
+          </a:xfrm>
+          <a:prstGeom prst="triangle">
+            <a:avLst/>
+          </a:prstGeom>
+          <a:solidFill>
+            <a:schemeClr val="bg1"/>
+          </a:solidFill>
+          <a:ln w="3175">
+            <a:solidFill>
+              <a:schemeClr val="tx1">
+                <a:lumMod val="75000"/>
+                <a:lumOff val="25000"/>
+              </a:schemeClr>
+            </a:solidFill>
+          </a:ln>
+        </p:spPr>
+        <p:style>
+          <a:lnRef idx="2">
+            <a:schemeClr val="accent1">
+              <a:shade val="50000"/>
+            </a:schemeClr>
+          </a:lnRef>
+          <a:fillRef idx="1">
+            <a:schemeClr val="accent1"/>
+          </a:fillRef>
+          <a:effectRef idx="0">
+            <a:schemeClr val="accent1"/>
+          </a:effectRef>
+          <a:fontRef idx="minor">
+            <a:schemeClr val="lt1"/>
+          </a:fontRef>
+        </p:style>
+        <p:txBody>
+          <a:bodyPr rtlCol="0" anchor="ctr"/>
+          <a:lstStyle/>
+          <a:p>
+            <a:pPr algn="ctr"/>
+            <a:endParaRPr lang="en-GB">
+              <a:solidFill>
+                <a:schemeClr val="tx1"/>
+              </a:solidFill>
+            </a:endParaRPr>
+          </a:p>
+        </p:txBody>
+      </p:sp>
+      <p:sp>
+        <p:nvSpPr>
+          <p:cNvPr id="88" name="Isosceles Triangle 87">
+            <a:extLst>
+              <a:ext uri="{FF2B5EF4-FFF2-40B4-BE49-F238E27FC236}">
+                <a16:creationId xmlns:a16="http://schemas.microsoft.com/office/drawing/2014/main" id="{DBEA2D27-FCB2-4F0C-8372-9C94A1C9EFB8}"/>
+              </a:ext>
+            </a:extLst>
+          </p:cNvPr>
+          <p:cNvSpPr/>
+          <p:nvPr/>
+        </p:nvSpPr>
+        <p:spPr>
+          <a:xfrm rot="5400000">
+            <a:off x="8455968" y="1793768"/>
+            <a:ext cx="95343" cy="45719"/>
+          </a:xfrm>
+          <a:prstGeom prst="triangle">
+            <a:avLst/>
+          </a:prstGeom>
+          <a:solidFill>
+            <a:schemeClr val="bg1"/>
+          </a:solidFill>
+          <a:ln w="3175">
+            <a:solidFill>
+              <a:schemeClr val="tx1">
+                <a:lumMod val="75000"/>
+                <a:lumOff val="25000"/>
+              </a:schemeClr>
+            </a:solidFill>
+          </a:ln>
+        </p:spPr>
+        <p:style>
+          <a:lnRef idx="2">
+            <a:schemeClr val="accent1">
+              <a:shade val="50000"/>
+            </a:schemeClr>
+          </a:lnRef>
+          <a:fillRef idx="1">
+            <a:schemeClr val="accent1"/>
+          </a:fillRef>
+          <a:effectRef idx="0">
+            <a:schemeClr val="accent1"/>
+          </a:effectRef>
+          <a:fontRef idx="minor">
+            <a:schemeClr val="lt1"/>
+          </a:fontRef>
+        </p:style>
+        <p:txBody>
+          <a:bodyPr rtlCol="0" anchor="ctr"/>
+          <a:lstStyle/>
+          <a:p>
+            <a:pPr algn="ctr"/>
+            <a:endParaRPr lang="en-GB">
+              <a:solidFill>
+                <a:schemeClr val="tx1"/>
+              </a:solidFill>
+            </a:endParaRPr>
+          </a:p>
+        </p:txBody>
+      </p:sp>
+      <p:sp>
+        <p:nvSpPr>
+          <p:cNvPr id="89" name="Isosceles Triangle 88">
+            <a:extLst>
+              <a:ext uri="{FF2B5EF4-FFF2-40B4-BE49-F238E27FC236}">
+                <a16:creationId xmlns:a16="http://schemas.microsoft.com/office/drawing/2014/main" id="{9B768E27-4617-4844-8F4F-AAC601292EAA}"/>
+              </a:ext>
+            </a:extLst>
+          </p:cNvPr>
+          <p:cNvSpPr/>
+          <p:nvPr/>
+        </p:nvSpPr>
+        <p:spPr>
+          <a:xfrm rot="5400000">
+            <a:off x="357816" y="1781140"/>
+            <a:ext cx="95343" cy="45719"/>
+          </a:xfrm>
+          <a:prstGeom prst="triangle">
+            <a:avLst/>
+          </a:prstGeom>
+          <a:solidFill>
+            <a:schemeClr val="bg1"/>
+          </a:solidFill>
+          <a:ln w="3175">
+            <a:solidFill>
+              <a:schemeClr val="tx1">
+                <a:lumMod val="75000"/>
+                <a:lumOff val="25000"/>
+              </a:schemeClr>
+            </a:solidFill>
+          </a:ln>
+        </p:spPr>
+        <p:style>
+          <a:lnRef idx="2">
+            <a:schemeClr val="accent1">
+              <a:shade val="50000"/>
+            </a:schemeClr>
+          </a:lnRef>
+          <a:fillRef idx="1">
+            <a:schemeClr val="accent1"/>
+          </a:fillRef>
+          <a:effectRef idx="0">
+            <a:schemeClr val="accent1"/>
+          </a:effectRef>
+          <a:fontRef idx="minor">
+            <a:schemeClr val="lt1"/>
+          </a:fontRef>
+        </p:style>
+        <p:txBody>
+          <a:bodyPr rtlCol="0" anchor="ctr"/>
+          <a:lstStyle/>
+          <a:p>
+            <a:pPr algn="ctr"/>
+            <a:endParaRPr lang="en-GB">
+              <a:solidFill>
+                <a:schemeClr val="tx1"/>
+              </a:solidFill>
+            </a:endParaRPr>
+          </a:p>
+        </p:txBody>
+      </p:sp>
+      <p:sp>
+        <p:nvSpPr>
+          <p:cNvPr id="90" name="Isosceles Triangle 89">
+            <a:extLst>
+              <a:ext uri="{FF2B5EF4-FFF2-40B4-BE49-F238E27FC236}">
+                <a16:creationId xmlns:a16="http://schemas.microsoft.com/office/drawing/2014/main" id="{E88BE6A5-5417-4E45-A92C-BCF4F682810D}"/>
+              </a:ext>
+            </a:extLst>
+          </p:cNvPr>
+          <p:cNvSpPr/>
+          <p:nvPr/>
+        </p:nvSpPr>
+        <p:spPr>
+          <a:xfrm rot="5400000">
+            <a:off x="1884979" y="1780008"/>
+            <a:ext cx="95343" cy="45719"/>
+          </a:xfrm>
+          <a:prstGeom prst="triangle">
+            <a:avLst/>
+          </a:prstGeom>
+          <a:solidFill>
+            <a:schemeClr val="bg1"/>
+          </a:solidFill>
+          <a:ln w="3175">
+            <a:solidFill>
+              <a:schemeClr val="tx1">
+                <a:lumMod val="75000"/>
+                <a:lumOff val="25000"/>
+              </a:schemeClr>
+            </a:solidFill>
+          </a:ln>
+        </p:spPr>
+        <p:style>
+          <a:lnRef idx="2">
+            <a:schemeClr val="accent1">
+              <a:shade val="50000"/>
+            </a:schemeClr>
+          </a:lnRef>
+          <a:fillRef idx="1">
+            <a:schemeClr val="accent1"/>
+          </a:fillRef>
+          <a:effectRef idx="0">
+            <a:schemeClr val="accent1"/>
+          </a:effectRef>
+          <a:fontRef idx="minor">
+            <a:schemeClr val="lt1"/>
+          </a:fontRef>
+        </p:style>
+        <p:txBody>
+          <a:bodyPr rtlCol="0" anchor="ctr"/>
+          <a:lstStyle/>
+          <a:p>
+            <a:pPr algn="ctr"/>
+            <a:endParaRPr lang="en-GB">
+              <a:solidFill>
+                <a:schemeClr val="tx1"/>
+              </a:solidFill>
+            </a:endParaRPr>
+          </a:p>
+        </p:txBody>
+      </p:sp>
+      <p:sp>
+        <p:nvSpPr>
+          <p:cNvPr id="91" name="Isosceles Triangle 90">
+            <a:extLst>
+              <a:ext uri="{FF2B5EF4-FFF2-40B4-BE49-F238E27FC236}">
+                <a16:creationId xmlns:a16="http://schemas.microsoft.com/office/drawing/2014/main" id="{0D4DE08E-D362-420B-A279-96AD39FC2A5E}"/>
+              </a:ext>
+            </a:extLst>
+          </p:cNvPr>
+          <p:cNvSpPr/>
+          <p:nvPr/>
+        </p:nvSpPr>
+        <p:spPr>
+          <a:xfrm rot="5400000">
+            <a:off x="3683935" y="3289905"/>
+            <a:ext cx="95343" cy="45719"/>
+          </a:xfrm>
+          <a:prstGeom prst="triangle">
+            <a:avLst/>
+          </a:prstGeom>
+          <a:solidFill>
+            <a:schemeClr val="bg1"/>
+          </a:solidFill>
+          <a:ln w="3175">
+            <a:solidFill>
+              <a:schemeClr val="tx1">
+                <a:lumMod val="75000"/>
+                <a:lumOff val="25000"/>
+              </a:schemeClr>
+            </a:solidFill>
+          </a:ln>
+        </p:spPr>
+        <p:style>
+          <a:lnRef idx="2">
+            <a:schemeClr val="accent1">
+              <a:shade val="50000"/>
+            </a:schemeClr>
+          </a:lnRef>
+          <a:fillRef idx="1">
+            <a:schemeClr val="accent1"/>
+          </a:fillRef>
+          <a:effectRef idx="0">
+            <a:schemeClr val="accent1"/>
+          </a:effectRef>
+          <a:fontRef idx="minor">
+            <a:schemeClr val="lt1"/>
+          </a:fontRef>
+        </p:style>
+        <p:txBody>
+          <a:bodyPr rtlCol="0" anchor="ctr"/>
+          <a:lstStyle/>
+          <a:p>
+            <a:pPr algn="ctr"/>
+            <a:endParaRPr lang="en-GB">
+              <a:solidFill>
+                <a:schemeClr val="tx1"/>
+              </a:solidFill>
+            </a:endParaRPr>
+          </a:p>
+        </p:txBody>
+      </p:sp>
+      <p:sp>
+        <p:nvSpPr>
+          <p:cNvPr id="92" name="Isosceles Triangle 91">
+            <a:extLst>
+              <a:ext uri="{FF2B5EF4-FFF2-40B4-BE49-F238E27FC236}">
+                <a16:creationId xmlns:a16="http://schemas.microsoft.com/office/drawing/2014/main" id="{AFC0331F-E7EC-4B52-8229-2A51EB981FA5}"/>
+              </a:ext>
+            </a:extLst>
+          </p:cNvPr>
+          <p:cNvSpPr/>
+          <p:nvPr/>
+        </p:nvSpPr>
+        <p:spPr>
+          <a:xfrm rot="5400000">
+            <a:off x="4799381" y="3313234"/>
+            <a:ext cx="95343" cy="45719"/>
+          </a:xfrm>
+          <a:prstGeom prst="triangle">
+            <a:avLst/>
+          </a:prstGeom>
+          <a:solidFill>
+            <a:schemeClr val="bg1"/>
+          </a:solidFill>
+          <a:ln w="3175">
+            <a:solidFill>
+              <a:schemeClr val="tx1">
+                <a:lumMod val="75000"/>
+                <a:lumOff val="25000"/>
+              </a:schemeClr>
+            </a:solidFill>
+          </a:ln>
+        </p:spPr>
+        <p:style>
+          <a:lnRef idx="2">
+            <a:schemeClr val="accent1">
+              <a:shade val="50000"/>
+            </a:schemeClr>
+          </a:lnRef>
+          <a:fillRef idx="1">
+            <a:schemeClr val="accent1"/>
+          </a:fillRef>
+          <a:effectRef idx="0">
+            <a:schemeClr val="accent1"/>
+          </a:effectRef>
+          <a:fontRef idx="minor">
+            <a:schemeClr val="lt1"/>
+          </a:fontRef>
+        </p:style>
+        <p:txBody>
+          <a:bodyPr rtlCol="0" anchor="ctr"/>
+          <a:lstStyle/>
+          <a:p>
+            <a:pPr algn="ctr"/>
+            <a:endParaRPr lang="en-GB">
+              <a:solidFill>
+                <a:schemeClr val="tx1"/>
+              </a:solidFill>
+            </a:endParaRPr>
+          </a:p>
+        </p:txBody>
+      </p:sp>
+      <p:sp>
+        <p:nvSpPr>
+          <p:cNvPr id="98" name="Rectangle 97">
+            <a:extLst>
+              <a:ext uri="{FF2B5EF4-FFF2-40B4-BE49-F238E27FC236}">
+                <a16:creationId xmlns:a16="http://schemas.microsoft.com/office/drawing/2014/main" id="{51DC5EED-1306-4D57-8C28-F55252D4B3A8}"/>
+              </a:ext>
+            </a:extLst>
+          </p:cNvPr>
+          <p:cNvSpPr/>
+          <p:nvPr/>
+        </p:nvSpPr>
+        <p:spPr>
+          <a:xfrm>
+            <a:off x="827981" y="5422948"/>
+            <a:ext cx="475734" cy="274840"/>
+          </a:xfrm>
+          <a:prstGeom prst="rect">
+            <a:avLst/>
+          </a:prstGeom>
+          <a:noFill/>
+          <a:ln w="3175">
+            <a:noFill/>
+          </a:ln>
+        </p:spPr>
+        <p:style>
+          <a:lnRef idx="2">
+            <a:schemeClr val="dk1"/>
+          </a:lnRef>
+          <a:fillRef idx="1">
+            <a:schemeClr val="lt1"/>
+          </a:fillRef>
+          <a:effectRef idx="0">
+            <a:schemeClr val="dk1"/>
+          </a:effectRef>
+          <a:fontRef idx="minor">
+            <a:schemeClr val="dk1"/>
+          </a:fontRef>
+        </p:style>
+        <p:txBody>
+          <a:bodyPr rtlCol="0" anchor="ctr"/>
+          <a:lstStyle/>
+          <a:p>
+            <a:pPr algn="ctr"/>
+            <a:r>
+              <a:rPr lang="en-GB" sz="1000" dirty="0"/>
+              <a:t>1</a:t>
+            </a:r>
+            <a:endParaRPr lang="en-US" sz="1000" dirty="0"/>
+          </a:p>
+        </p:txBody>
+      </p:sp>
+      <p:sp>
+        <p:nvSpPr>
+          <p:cNvPr id="99" name="Arrow: Bent 98">
+            <a:extLst>
+              <a:ext uri="{FF2B5EF4-FFF2-40B4-BE49-F238E27FC236}">
+                <a16:creationId xmlns:a16="http://schemas.microsoft.com/office/drawing/2014/main" id="{40BCFB96-7E56-4B60-A95B-ED502A4BBAF1}"/>
+              </a:ext>
+            </a:extLst>
+          </p:cNvPr>
+          <p:cNvSpPr/>
+          <p:nvPr/>
+        </p:nvSpPr>
+        <p:spPr>
+          <a:xfrm rot="10800000" flipH="1">
+            <a:off x="645472" y="4841637"/>
+            <a:ext cx="504384" cy="1081302"/>
+          </a:xfrm>
+          <a:prstGeom prst="bentArrow">
+            <a:avLst>
+              <a:gd name="adj1" fmla="val 26017"/>
+              <a:gd name="adj2" fmla="val 25080"/>
+              <a:gd name="adj3" fmla="val 19375"/>
+              <a:gd name="adj4" fmla="val 10028"/>
+            </a:avLst>
+          </a:prstGeom>
+          <a:solidFill>
+            <a:schemeClr val="bg1"/>
+          </a:solidFill>
+          <a:ln w="3175">
+            <a:solidFill>
+              <a:schemeClr val="tx1">
+                <a:lumMod val="75000"/>
+                <a:lumOff val="25000"/>
+              </a:schemeClr>
+            </a:solidFill>
+          </a:ln>
+        </p:spPr>
+        <p:style>
+          <a:lnRef idx="2">
+            <a:schemeClr val="accent1">
+              <a:shade val="50000"/>
+            </a:schemeClr>
+          </a:lnRef>
+          <a:fillRef idx="1">
+            <a:schemeClr val="accent1"/>
+          </a:fillRef>
+          <a:effectRef idx="0">
+            <a:schemeClr val="accent1"/>
+          </a:effectRef>
+          <a:fontRef idx="minor">
+            <a:schemeClr val="lt1"/>
+          </a:fontRef>
+        </p:style>
+        <p:txBody>
+          <a:bodyPr rtlCol="0" anchor="ctr"/>
+          <a:lstStyle/>
+          <a:p>
+            <a:pPr algn="ctr"/>
+            <a:endParaRPr lang="en-GB">
+              <a:solidFill>
+                <a:schemeClr val="tx1"/>
+              </a:solidFill>
+            </a:endParaRPr>
+          </a:p>
+        </p:txBody>
+      </p:sp>
+      <p:sp>
+        <p:nvSpPr>
+          <p:cNvPr id="22" name="Rectangle 21">
+            <a:extLst>
+              <a:ext uri="{FF2B5EF4-FFF2-40B4-BE49-F238E27FC236}">
+                <a16:creationId xmlns:a16="http://schemas.microsoft.com/office/drawing/2014/main" id="{0C95E3FE-C2F2-4CEC-B8E8-0D7C4C4C2EC8}"/>
+              </a:ext>
+            </a:extLst>
+          </p:cNvPr>
+          <p:cNvSpPr/>
+          <p:nvPr/>
+        </p:nvSpPr>
+        <p:spPr>
+          <a:xfrm>
+            <a:off x="385510" y="3333974"/>
+            <a:ext cx="820911" cy="672161"/>
+          </a:xfrm>
+          <a:prstGeom prst="rect">
+            <a:avLst/>
+          </a:prstGeom>
+          <a:ln w="3175"/>
+        </p:spPr>
+        <p:style>
+          <a:lnRef idx="2">
+            <a:schemeClr val="dk1"/>
+          </a:lnRef>
+          <a:fillRef idx="1">
+            <a:schemeClr val="lt1"/>
+          </a:fillRef>
+          <a:effectRef idx="0">
+            <a:schemeClr val="dk1"/>
+          </a:effectRef>
+          <a:fontRef idx="minor">
+            <a:schemeClr val="dk1"/>
+          </a:fontRef>
+        </p:style>
+        <p:txBody>
+          <a:bodyPr rtlCol="0" anchor="ctr"/>
+          <a:lstStyle/>
+          <a:p>
+            <a:pPr algn="ctr"/>
+            <a:r>
+              <a:rPr lang="en-GB" sz="1000" dirty="0"/>
+              <a:t>PC</a:t>
+            </a:r>
+            <a:r>
+              <a:rPr lang="en-GB" sz="1000" baseline="-25000" dirty="0"/>
+              <a:t>H</a:t>
+            </a:r>
+            <a:endParaRPr lang="en-US" sz="1000" baseline="-25000" dirty="0"/>
+          </a:p>
+        </p:txBody>
+      </p:sp>
+      <p:sp>
+        <p:nvSpPr>
+          <p:cNvPr id="106" name="Arrow: Down 105">
+            <a:extLst>
+              <a:ext uri="{FF2B5EF4-FFF2-40B4-BE49-F238E27FC236}">
+                <a16:creationId xmlns:a16="http://schemas.microsoft.com/office/drawing/2014/main" id="{01CA125F-2A79-472D-8AE9-6C6C151CEFAB}"/>
+              </a:ext>
+            </a:extLst>
+          </p:cNvPr>
+          <p:cNvSpPr/>
+          <p:nvPr/>
+        </p:nvSpPr>
+        <p:spPr>
+          <a:xfrm>
+            <a:off x="9941300" y="1769442"/>
+            <a:ext cx="311468" cy="1059432"/>
+          </a:xfrm>
+          <a:prstGeom prst="downArrow">
+            <a:avLst/>
+          </a:prstGeom>
+          <a:solidFill>
+            <a:schemeClr val="accent6">
+              <a:lumMod val="40000"/>
+              <a:lumOff val="60000"/>
+            </a:schemeClr>
+          </a:solidFill>
+          <a:ln w="3175">
+            <a:noFill/>
+          </a:ln>
+        </p:spPr>
+        <p:style>
+          <a:lnRef idx="2">
+            <a:schemeClr val="accent1">
+              <a:shade val="50000"/>
+            </a:schemeClr>
+          </a:lnRef>
+          <a:fillRef idx="1">
+            <a:schemeClr val="accent1"/>
+          </a:fillRef>
+          <a:effectRef idx="0">
+            <a:schemeClr val="accent1"/>
+          </a:effectRef>
+          <a:fontRef idx="minor">
+            <a:schemeClr val="lt1"/>
+          </a:fontRef>
+        </p:style>
+        <p:txBody>
+          <a:bodyPr rtlCol="0" anchor="ctr"/>
+          <a:lstStyle/>
+          <a:p>
+            <a:pPr algn="ctr"/>
+            <a:endParaRPr lang="en-GB">
+              <a:solidFill>
+                <a:schemeClr val="tx1"/>
+              </a:solidFill>
+            </a:endParaRPr>
+          </a:p>
+        </p:txBody>
+      </p:sp>
+      <p:sp>
+        <p:nvSpPr>
+          <p:cNvPr id="94" name="Isosceles Triangle 93">
+            <a:extLst>
+              <a:ext uri="{FF2B5EF4-FFF2-40B4-BE49-F238E27FC236}">
+                <a16:creationId xmlns:a16="http://schemas.microsoft.com/office/drawing/2014/main" id="{CA47AEBD-E04C-4636-A58D-4486B91CAF44}"/>
+              </a:ext>
+            </a:extLst>
+          </p:cNvPr>
+          <p:cNvSpPr/>
+          <p:nvPr/>
+        </p:nvSpPr>
+        <p:spPr>
+          <a:xfrm rot="5400000">
+            <a:off x="2263963" y="5187974"/>
+            <a:ext cx="95343" cy="45719"/>
+          </a:xfrm>
+          <a:prstGeom prst="triangle">
+            <a:avLst/>
+          </a:prstGeom>
+          <a:solidFill>
+            <a:schemeClr val="bg1"/>
+          </a:solidFill>
+          <a:ln w="3175">
+            <a:solidFill>
+              <a:schemeClr val="tx1">
+                <a:lumMod val="75000"/>
+                <a:lumOff val="25000"/>
+              </a:schemeClr>
+            </a:solidFill>
+          </a:ln>
+        </p:spPr>
+        <p:style>
+          <a:lnRef idx="2">
+            <a:schemeClr val="accent1">
+              <a:shade val="50000"/>
+            </a:schemeClr>
+          </a:lnRef>
+          <a:fillRef idx="1">
+            <a:schemeClr val="accent1"/>
+          </a:fillRef>
+          <a:effectRef idx="0">
+            <a:schemeClr val="accent1"/>
+          </a:effectRef>
+          <a:fontRef idx="minor">
+            <a:schemeClr val="lt1"/>
+          </a:fontRef>
+        </p:style>
+        <p:txBody>
+          <a:bodyPr rtlCol="0" anchor="ctr"/>
+          <a:lstStyle/>
+          <a:p>
+            <a:pPr algn="ctr"/>
+            <a:endParaRPr lang="en-GB">
+              <a:solidFill>
+                <a:schemeClr val="tx1"/>
+              </a:solidFill>
+            </a:endParaRPr>
+          </a:p>
+        </p:txBody>
+      </p:sp>
+      <p:sp>
+        <p:nvSpPr>
+          <p:cNvPr id="109" name="Rectangle 108">
+            <a:extLst>
+              <a:ext uri="{FF2B5EF4-FFF2-40B4-BE49-F238E27FC236}">
+                <a16:creationId xmlns:a16="http://schemas.microsoft.com/office/drawing/2014/main" id="{2BC686BA-825D-4F9F-83C1-478F30D4D754}"/>
+              </a:ext>
+            </a:extLst>
+          </p:cNvPr>
+          <p:cNvSpPr/>
+          <p:nvPr/>
+        </p:nvSpPr>
+        <p:spPr>
+          <a:xfrm rot="5400000">
+            <a:off x="10312350" y="5717959"/>
+            <a:ext cx="1152000" cy="162637"/>
+          </a:xfrm>
+          <a:prstGeom prst="rect">
+            <a:avLst/>
+          </a:prstGeom>
+          <a:solidFill>
+            <a:schemeClr val="accent6">
+              <a:lumMod val="40000"/>
+              <a:lumOff val="60000"/>
+            </a:schemeClr>
+          </a:solidFill>
+          <a:ln w="3175">
+            <a:noFill/>
+          </a:ln>
+        </p:spPr>
+        <p:style>
+          <a:lnRef idx="2">
+            <a:schemeClr val="accent1">
+              <a:shade val="50000"/>
+            </a:schemeClr>
+          </a:lnRef>
+          <a:fillRef idx="1">
+            <a:schemeClr val="accent1"/>
+          </a:fillRef>
+          <a:effectRef idx="0">
+            <a:schemeClr val="accent1"/>
+          </a:effectRef>
+          <a:fontRef idx="minor">
+            <a:schemeClr val="lt1"/>
+          </a:fontRef>
+        </p:style>
+        <p:txBody>
+          <a:bodyPr rtlCol="0" anchor="ctr"/>
+          <a:lstStyle/>
+          <a:p>
+            <a:pPr algn="ctr"/>
+            <a:endParaRPr lang="en-GB" dirty="0">
+              <a:solidFill>
+                <a:schemeClr val="tx1"/>
+              </a:solidFill>
+            </a:endParaRPr>
+          </a:p>
+        </p:txBody>
+      </p:sp>
+      <p:sp>
+        <p:nvSpPr>
+          <p:cNvPr id="112" name="Arrow: Down 111">
+            <a:extLst>
+              <a:ext uri="{FF2B5EF4-FFF2-40B4-BE49-F238E27FC236}">
+                <a16:creationId xmlns:a16="http://schemas.microsoft.com/office/drawing/2014/main" id="{B7387241-BBEC-48C1-BFB3-570D1816FBBB}"/>
+              </a:ext>
+            </a:extLst>
+          </p:cNvPr>
+          <p:cNvSpPr/>
+          <p:nvPr/>
+        </p:nvSpPr>
+        <p:spPr>
+          <a:xfrm rot="16200000">
+            <a:off x="6883314" y="3679563"/>
+            <a:ext cx="225277" cy="882154"/>
+          </a:xfrm>
+          <a:prstGeom prst="downArrow">
+            <a:avLst/>
+          </a:prstGeom>
+          <a:solidFill>
+            <a:schemeClr val="accent6">
+              <a:lumMod val="40000"/>
+              <a:lumOff val="60000"/>
+            </a:schemeClr>
+          </a:solidFill>
+          <a:ln w="3175">
+            <a:noFill/>
+          </a:ln>
+        </p:spPr>
+        <p:style>
+          <a:lnRef idx="2">
+            <a:schemeClr val="accent1">
+              <a:shade val="50000"/>
+            </a:schemeClr>
+          </a:lnRef>
+          <a:fillRef idx="1">
+            <a:schemeClr val="accent1"/>
+          </a:fillRef>
+          <a:effectRef idx="0">
+            <a:schemeClr val="accent1"/>
+          </a:effectRef>
+          <a:fontRef idx="minor">
+            <a:schemeClr val="lt1"/>
+          </a:fontRef>
+        </p:style>
+        <p:txBody>
+          <a:bodyPr rtlCol="0" anchor="ctr"/>
+          <a:lstStyle/>
+          <a:p>
+            <a:pPr algn="ctr"/>
+            <a:endParaRPr lang="en-GB">
+              <a:solidFill>
+                <a:schemeClr val="tx1"/>
+              </a:solidFill>
+            </a:endParaRPr>
+          </a:p>
+        </p:txBody>
+      </p:sp>
+      <p:sp>
+        <p:nvSpPr>
+          <p:cNvPr id="113" name="Rectangle 112">
+            <a:extLst>
+              <a:ext uri="{FF2B5EF4-FFF2-40B4-BE49-F238E27FC236}">
+                <a16:creationId xmlns:a16="http://schemas.microsoft.com/office/drawing/2014/main" id="{62D192FF-3436-45A0-91AB-1FAF2C8197F2}"/>
+              </a:ext>
+            </a:extLst>
+          </p:cNvPr>
+          <p:cNvSpPr/>
+          <p:nvPr/>
+        </p:nvSpPr>
+        <p:spPr>
+          <a:xfrm>
+            <a:off x="10434398" y="5781288"/>
+            <a:ext cx="850190" cy="756150"/>
+          </a:xfrm>
+          <a:prstGeom prst="rect">
+            <a:avLst/>
+          </a:prstGeom>
+          <a:ln w="3175"/>
+        </p:spPr>
+        <p:style>
+          <a:lnRef idx="2">
+            <a:schemeClr val="dk1"/>
+          </a:lnRef>
+          <a:fillRef idx="1">
+            <a:schemeClr val="lt1"/>
+          </a:fillRef>
+          <a:effectRef idx="0">
+            <a:schemeClr val="dk1"/>
+          </a:effectRef>
+          <a:fontRef idx="minor">
+            <a:schemeClr val="dk1"/>
+          </a:fontRef>
+        </p:style>
+        <p:txBody>
+          <a:bodyPr rtlCol="0" anchor="ctr"/>
+          <a:lstStyle/>
+          <a:p>
+            <a:pPr algn="ctr"/>
+            <a:r>
+              <a:rPr lang="en-GB" sz="1000" dirty="0"/>
+              <a:t>Sequencing Logic</a:t>
+            </a:r>
+            <a:endParaRPr lang="en-US" sz="1000" dirty="0"/>
+          </a:p>
+        </p:txBody>
+      </p:sp>
+      <p:sp>
+        <p:nvSpPr>
+          <p:cNvPr id="114" name="Arrow: Down 113">
+            <a:extLst>
+              <a:ext uri="{FF2B5EF4-FFF2-40B4-BE49-F238E27FC236}">
+                <a16:creationId xmlns:a16="http://schemas.microsoft.com/office/drawing/2014/main" id="{AFD8F82A-9BC7-4A6A-A098-36410F454A38}"/>
+              </a:ext>
+            </a:extLst>
+          </p:cNvPr>
+          <p:cNvSpPr/>
+          <p:nvPr/>
+        </p:nvSpPr>
+        <p:spPr>
+          <a:xfrm>
+            <a:off x="7034284" y="4164770"/>
+            <a:ext cx="270678" cy="451017"/>
+          </a:xfrm>
+          <a:prstGeom prst="downArrow">
+            <a:avLst/>
+          </a:prstGeom>
+          <a:solidFill>
+            <a:schemeClr val="accent6">
+              <a:lumMod val="40000"/>
+              <a:lumOff val="60000"/>
+            </a:schemeClr>
+          </a:solidFill>
+          <a:ln w="3175">
+            <a:noFill/>
+          </a:ln>
+        </p:spPr>
+        <p:style>
+          <a:lnRef idx="2">
+            <a:schemeClr val="accent1">
+              <a:shade val="50000"/>
+            </a:schemeClr>
+          </a:lnRef>
+          <a:fillRef idx="1">
+            <a:schemeClr val="accent1"/>
+          </a:fillRef>
+          <a:effectRef idx="0">
+            <a:schemeClr val="accent1"/>
+          </a:effectRef>
+          <a:fontRef idx="minor">
+            <a:schemeClr val="lt1"/>
+          </a:fontRef>
+        </p:style>
+        <p:txBody>
+          <a:bodyPr rtlCol="0" anchor="ctr"/>
+          <a:lstStyle/>
+          <a:p>
+            <a:pPr algn="ctr"/>
+            <a:endParaRPr lang="en-GB">
+              <a:solidFill>
+                <a:schemeClr val="tx1"/>
+              </a:solidFill>
+            </a:endParaRPr>
+          </a:p>
+        </p:txBody>
+      </p:sp>
+      <p:sp>
+        <p:nvSpPr>
+          <p:cNvPr id="116" name="Arrow: Down 115">
+            <a:extLst>
+              <a:ext uri="{FF2B5EF4-FFF2-40B4-BE49-F238E27FC236}">
+                <a16:creationId xmlns:a16="http://schemas.microsoft.com/office/drawing/2014/main" id="{77CA71E4-51A3-4B49-BE2E-7869707EB3F5}"/>
+              </a:ext>
+            </a:extLst>
+          </p:cNvPr>
+          <p:cNvSpPr/>
+          <p:nvPr/>
+        </p:nvSpPr>
+        <p:spPr>
+          <a:xfrm>
+            <a:off x="7987943" y="4717206"/>
+            <a:ext cx="225277" cy="403171"/>
+          </a:xfrm>
+          <a:prstGeom prst="downArrow">
+            <a:avLst/>
+          </a:prstGeom>
+          <a:solidFill>
+            <a:schemeClr val="accent6">
+              <a:lumMod val="40000"/>
+              <a:lumOff val="60000"/>
+            </a:schemeClr>
+          </a:solidFill>
+          <a:ln w="3175">
+            <a:noFill/>
+          </a:ln>
+        </p:spPr>
+        <p:style>
+          <a:lnRef idx="2">
+            <a:schemeClr val="accent1">
+              <a:shade val="50000"/>
+            </a:schemeClr>
+          </a:lnRef>
+          <a:fillRef idx="1">
+            <a:schemeClr val="accent1"/>
+          </a:fillRef>
+          <a:effectRef idx="0">
+            <a:schemeClr val="accent1"/>
+          </a:effectRef>
+          <a:fontRef idx="minor">
+            <a:schemeClr val="lt1"/>
+          </a:fontRef>
+        </p:style>
+        <p:txBody>
+          <a:bodyPr rtlCol="0" anchor="ctr"/>
+          <a:lstStyle/>
+          <a:p>
+            <a:pPr algn="ctr"/>
+            <a:endParaRPr lang="en-GB">
+              <a:solidFill>
+                <a:schemeClr val="tx1"/>
+              </a:solidFill>
+            </a:endParaRPr>
+          </a:p>
+        </p:txBody>
+      </p:sp>
+      <p:sp>
+        <p:nvSpPr>
+          <p:cNvPr id="117" name="Arrow: Down 116">
+            <a:extLst>
+              <a:ext uri="{FF2B5EF4-FFF2-40B4-BE49-F238E27FC236}">
+                <a16:creationId xmlns:a16="http://schemas.microsoft.com/office/drawing/2014/main" id="{EC321A07-0960-4AFE-8E4F-12C0E52AF9E9}"/>
+              </a:ext>
+            </a:extLst>
+          </p:cNvPr>
+          <p:cNvSpPr/>
+          <p:nvPr/>
+        </p:nvSpPr>
+        <p:spPr>
+          <a:xfrm rot="16200000">
+            <a:off x="9965191" y="3445382"/>
+            <a:ext cx="280566" cy="1270927"/>
+          </a:xfrm>
+          <a:prstGeom prst="downArrow">
+            <a:avLst/>
+          </a:prstGeom>
+          <a:solidFill>
+            <a:schemeClr val="accent6">
+              <a:lumMod val="40000"/>
+              <a:lumOff val="60000"/>
+            </a:schemeClr>
+          </a:solidFill>
+          <a:ln w="3175">
+            <a:noFill/>
+          </a:ln>
+        </p:spPr>
+        <p:style>
+          <a:lnRef idx="2">
+            <a:schemeClr val="accent1">
+              <a:shade val="50000"/>
+            </a:schemeClr>
+          </a:lnRef>
+          <a:fillRef idx="1">
+            <a:schemeClr val="accent1"/>
+          </a:fillRef>
+          <a:effectRef idx="0">
+            <a:schemeClr val="accent1"/>
+          </a:effectRef>
+          <a:fontRef idx="minor">
+            <a:schemeClr val="lt1"/>
+          </a:fontRef>
+        </p:style>
+        <p:txBody>
+          <a:bodyPr rtlCol="0" anchor="ctr"/>
+          <a:lstStyle/>
+          <a:p>
+            <a:pPr algn="ctr"/>
+            <a:endParaRPr lang="en-GB" dirty="0">
+              <a:solidFill>
+                <a:schemeClr val="tx1"/>
+              </a:solidFill>
+            </a:endParaRPr>
+          </a:p>
+        </p:txBody>
+      </p:sp>
+      <p:sp>
+        <p:nvSpPr>
+          <p:cNvPr id="119" name="Arrow: Down 118">
+            <a:extLst>
+              <a:ext uri="{FF2B5EF4-FFF2-40B4-BE49-F238E27FC236}">
+                <a16:creationId xmlns:a16="http://schemas.microsoft.com/office/drawing/2014/main" id="{98057818-3144-453F-B2A9-BC1C2473FE96}"/>
+              </a:ext>
+            </a:extLst>
+          </p:cNvPr>
+          <p:cNvSpPr/>
+          <p:nvPr/>
+        </p:nvSpPr>
+        <p:spPr>
+          <a:xfrm rot="16200000">
+            <a:off x="8303065" y="3858847"/>
+            <a:ext cx="225278" cy="466259"/>
+          </a:xfrm>
+          <a:prstGeom prst="downArrow">
+            <a:avLst/>
+          </a:prstGeom>
+          <a:solidFill>
+            <a:schemeClr val="accent6">
+              <a:lumMod val="40000"/>
+              <a:lumOff val="60000"/>
+            </a:schemeClr>
+          </a:solidFill>
+          <a:ln w="3175">
+            <a:noFill/>
+          </a:ln>
+        </p:spPr>
+        <p:style>
+          <a:lnRef idx="2">
+            <a:schemeClr val="accent1">
+              <a:shade val="50000"/>
+            </a:schemeClr>
+          </a:lnRef>
+          <a:fillRef idx="1">
+            <a:schemeClr val="accent1"/>
+          </a:fillRef>
+          <a:effectRef idx="0">
+            <a:schemeClr val="accent1"/>
+          </a:effectRef>
+          <a:fontRef idx="minor">
+            <a:schemeClr val="lt1"/>
+          </a:fontRef>
+        </p:style>
+        <p:txBody>
+          <a:bodyPr rtlCol="0" anchor="ctr"/>
+          <a:lstStyle/>
+          <a:p>
+            <a:pPr algn="ctr"/>
+            <a:endParaRPr lang="en-GB">
+              <a:solidFill>
+                <a:schemeClr val="tx1"/>
+              </a:solidFill>
+            </a:endParaRPr>
+          </a:p>
+        </p:txBody>
+      </p:sp>
+      <p:sp>
+        <p:nvSpPr>
+          <p:cNvPr id="120" name="Arrow: Down 119">
+            <a:extLst>
+              <a:ext uri="{FF2B5EF4-FFF2-40B4-BE49-F238E27FC236}">
+                <a16:creationId xmlns:a16="http://schemas.microsoft.com/office/drawing/2014/main" id="{DBC58419-B0E6-488A-9526-9E6427D7FDB5}"/>
+              </a:ext>
+            </a:extLst>
+          </p:cNvPr>
+          <p:cNvSpPr/>
+          <p:nvPr/>
+        </p:nvSpPr>
+        <p:spPr>
+          <a:xfrm rot="16200000">
+            <a:off x="10301408" y="2724537"/>
+            <a:ext cx="280566" cy="600145"/>
+          </a:xfrm>
+          <a:prstGeom prst="downArrow">
+            <a:avLst/>
+          </a:prstGeom>
+          <a:solidFill>
+            <a:schemeClr val="accent6">
+              <a:lumMod val="40000"/>
+              <a:lumOff val="60000"/>
+            </a:schemeClr>
+          </a:solidFill>
+          <a:ln w="3175">
+            <a:noFill/>
+          </a:ln>
+        </p:spPr>
+        <p:style>
+          <a:lnRef idx="2">
+            <a:schemeClr val="accent1">
+              <a:shade val="50000"/>
+            </a:schemeClr>
+          </a:lnRef>
+          <a:fillRef idx="1">
+            <a:schemeClr val="accent1"/>
+          </a:fillRef>
+          <a:effectRef idx="0">
+            <a:schemeClr val="accent1"/>
+          </a:effectRef>
+          <a:fontRef idx="minor">
+            <a:schemeClr val="lt1"/>
+          </a:fontRef>
+        </p:style>
+        <p:txBody>
+          <a:bodyPr rtlCol="0" anchor="ctr"/>
+          <a:lstStyle/>
+          <a:p>
+            <a:pPr algn="ctr"/>
+            <a:endParaRPr lang="en-GB" dirty="0">
+              <a:solidFill>
+                <a:schemeClr val="tx1"/>
+              </a:solidFill>
+            </a:endParaRPr>
+          </a:p>
+        </p:txBody>
+      </p:sp>
+      <p:sp>
+        <p:nvSpPr>
+          <p:cNvPr id="122" name="Rectangle 121">
+            <a:extLst>
+              <a:ext uri="{FF2B5EF4-FFF2-40B4-BE49-F238E27FC236}">
+                <a16:creationId xmlns:a16="http://schemas.microsoft.com/office/drawing/2014/main" id="{54F7FB37-AC2D-4DF1-98B2-3057EBE88158}"/>
+              </a:ext>
+            </a:extLst>
+          </p:cNvPr>
+          <p:cNvSpPr/>
+          <p:nvPr/>
+        </p:nvSpPr>
+        <p:spPr>
+          <a:xfrm>
+            <a:off x="6716320" y="3423699"/>
+            <a:ext cx="4243064" cy="162024"/>
+          </a:xfrm>
+          <a:prstGeom prst="rect">
+            <a:avLst/>
+          </a:prstGeom>
+          <a:solidFill>
+            <a:schemeClr val="accent6">
+              <a:lumMod val="40000"/>
+              <a:lumOff val="60000"/>
+            </a:schemeClr>
+          </a:solidFill>
+          <a:ln w="3175">
+            <a:noFill/>
+          </a:ln>
+        </p:spPr>
+        <p:style>
+          <a:lnRef idx="2">
+            <a:schemeClr val="accent1">
+              <a:shade val="50000"/>
+            </a:schemeClr>
+          </a:lnRef>
+          <a:fillRef idx="1">
+            <a:schemeClr val="accent1"/>
+          </a:fillRef>
+          <a:effectRef idx="0">
+            <a:schemeClr val="accent1"/>
+          </a:effectRef>
+          <a:fontRef idx="minor">
+            <a:schemeClr val="lt1"/>
+          </a:fontRef>
+        </p:style>
+        <p:txBody>
+          <a:bodyPr rtlCol="0" anchor="ctr"/>
+          <a:lstStyle/>
+          <a:p>
+            <a:pPr algn="ctr"/>
+            <a:endParaRPr lang="en-GB" dirty="0">
+              <a:solidFill>
+                <a:schemeClr val="tx1"/>
+              </a:solidFill>
+            </a:endParaRPr>
+          </a:p>
+        </p:txBody>
+      </p:sp>
+      <p:sp>
+        <p:nvSpPr>
+          <p:cNvPr id="123" name="Arrow: Bent 122">
+            <a:extLst>
+              <a:ext uri="{FF2B5EF4-FFF2-40B4-BE49-F238E27FC236}">
+                <a16:creationId xmlns:a16="http://schemas.microsoft.com/office/drawing/2014/main" id="{BD3EBA2A-C803-4577-B231-9CDD1E667DF5}"/>
+              </a:ext>
+            </a:extLst>
+          </p:cNvPr>
+          <p:cNvSpPr/>
+          <p:nvPr/>
+        </p:nvSpPr>
+        <p:spPr>
+          <a:xfrm rot="5400000">
+            <a:off x="10904268" y="3463157"/>
+            <a:ext cx="605333" cy="549619"/>
+          </a:xfrm>
+          <a:prstGeom prst="bentArrow">
+            <a:avLst>
+              <a:gd name="adj1" fmla="val 29132"/>
+              <a:gd name="adj2" fmla="val 14566"/>
+              <a:gd name="adj3" fmla="val 0"/>
+              <a:gd name="adj4" fmla="val 16291"/>
+            </a:avLst>
+          </a:prstGeom>
+          <a:solidFill>
+            <a:schemeClr val="accent6">
+              <a:lumMod val="40000"/>
+              <a:lumOff val="60000"/>
+            </a:schemeClr>
+          </a:solidFill>
+          <a:ln w="3175">
+            <a:noFill/>
+          </a:ln>
+        </p:spPr>
+        <p:style>
+          <a:lnRef idx="2">
+            <a:schemeClr val="accent1">
+              <a:shade val="50000"/>
+            </a:schemeClr>
+          </a:lnRef>
+          <a:fillRef idx="1">
+            <a:schemeClr val="accent1"/>
+          </a:fillRef>
+          <a:effectRef idx="0">
+            <a:schemeClr val="accent1"/>
+          </a:effectRef>
+          <a:fontRef idx="minor">
+            <a:schemeClr val="lt1"/>
+          </a:fontRef>
+        </p:style>
+        <p:txBody>
+          <a:bodyPr rtlCol="0" anchor="ctr"/>
+          <a:lstStyle/>
+          <a:p>
+            <a:pPr algn="ctr"/>
+            <a:endParaRPr lang="en-GB">
+              <a:solidFill>
+                <a:schemeClr val="tx1"/>
+              </a:solidFill>
+            </a:endParaRPr>
+          </a:p>
+        </p:txBody>
+      </p:sp>
+      <p:sp>
+        <p:nvSpPr>
+          <p:cNvPr id="124" name="Arrow: Bent 123">
+            <a:extLst>
+              <a:ext uri="{FF2B5EF4-FFF2-40B4-BE49-F238E27FC236}">
+                <a16:creationId xmlns:a16="http://schemas.microsoft.com/office/drawing/2014/main" id="{85884578-F395-4543-9DD8-CC0DDE0D5BC4}"/>
+              </a:ext>
+            </a:extLst>
+          </p:cNvPr>
+          <p:cNvSpPr/>
+          <p:nvPr/>
+        </p:nvSpPr>
+        <p:spPr>
+          <a:xfrm rot="10800000">
+            <a:off x="10896651" y="3866156"/>
+            <a:ext cx="585093" cy="549619"/>
+          </a:xfrm>
+          <a:prstGeom prst="bentArrow">
+            <a:avLst>
+              <a:gd name="adj1" fmla="val 29132"/>
+              <a:gd name="adj2" fmla="val 14566"/>
+              <a:gd name="adj3" fmla="val 0"/>
+              <a:gd name="adj4" fmla="val 16291"/>
+            </a:avLst>
+          </a:prstGeom>
+          <a:solidFill>
+            <a:schemeClr val="accent6">
+              <a:lumMod val="40000"/>
+              <a:lumOff val="60000"/>
+            </a:schemeClr>
+          </a:solidFill>
+          <a:ln w="3175">
+            <a:noFill/>
+          </a:ln>
+        </p:spPr>
+        <p:style>
+          <a:lnRef idx="2">
+            <a:schemeClr val="accent1">
+              <a:shade val="50000"/>
+            </a:schemeClr>
+          </a:lnRef>
+          <a:fillRef idx="1">
+            <a:schemeClr val="accent1"/>
+          </a:fillRef>
+          <a:effectRef idx="0">
+            <a:schemeClr val="accent1"/>
+          </a:effectRef>
+          <a:fontRef idx="minor">
+            <a:schemeClr val="lt1"/>
+          </a:fontRef>
+        </p:style>
+        <p:txBody>
+          <a:bodyPr rtlCol="0" anchor="ctr"/>
+          <a:lstStyle/>
+          <a:p>
+            <a:pPr algn="ctr"/>
+            <a:endParaRPr lang="en-GB">
+              <a:solidFill>
+                <a:schemeClr val="tx1"/>
+              </a:solidFill>
+            </a:endParaRPr>
+          </a:p>
+        </p:txBody>
+      </p:sp>
+      <p:sp>
+        <p:nvSpPr>
+          <p:cNvPr id="126" name="Arrow: Bent 125">
+            <a:extLst>
+              <a:ext uri="{FF2B5EF4-FFF2-40B4-BE49-F238E27FC236}">
+                <a16:creationId xmlns:a16="http://schemas.microsoft.com/office/drawing/2014/main" id="{6B415597-B1E1-497C-B44F-A33B61EC61A2}"/>
+              </a:ext>
+            </a:extLst>
+          </p:cNvPr>
+          <p:cNvSpPr/>
+          <p:nvPr/>
+        </p:nvSpPr>
+        <p:spPr>
+          <a:xfrm rot="16200000" flipH="1">
+            <a:off x="6505670" y="3357083"/>
+            <a:ext cx="526290" cy="652282"/>
+          </a:xfrm>
+          <a:prstGeom prst="bentArrow">
+            <a:avLst>
+              <a:gd name="adj1" fmla="val 29637"/>
+              <a:gd name="adj2" fmla="val 25080"/>
+              <a:gd name="adj3" fmla="val 19375"/>
+              <a:gd name="adj4" fmla="val 18474"/>
+            </a:avLst>
+          </a:prstGeom>
+          <a:solidFill>
+            <a:schemeClr val="accent6">
+              <a:lumMod val="40000"/>
+              <a:lumOff val="60000"/>
+            </a:schemeClr>
+          </a:solidFill>
+          <a:ln w="3175">
+            <a:noFill/>
+          </a:ln>
+        </p:spPr>
+        <p:style>
+          <a:lnRef idx="2">
+            <a:schemeClr val="accent1">
+              <a:shade val="50000"/>
+            </a:schemeClr>
+          </a:lnRef>
+          <a:fillRef idx="1">
+            <a:schemeClr val="accent1"/>
+          </a:fillRef>
+          <a:effectRef idx="0">
+            <a:schemeClr val="accent1"/>
+          </a:effectRef>
+          <a:fontRef idx="minor">
+            <a:schemeClr val="lt1"/>
+          </a:fontRef>
+        </p:style>
+        <p:txBody>
+          <a:bodyPr rtlCol="0" anchor="ctr"/>
+          <a:lstStyle/>
+          <a:p>
+            <a:pPr algn="ctr"/>
+            <a:endParaRPr lang="en-GB" dirty="0">
+              <a:solidFill>
+                <a:schemeClr val="tx1"/>
+              </a:solidFill>
+            </a:endParaRPr>
+          </a:p>
+        </p:txBody>
+      </p:sp>
+      <p:sp>
+        <p:nvSpPr>
+          <p:cNvPr id="127" name="Arrow: Down 126">
+            <a:extLst>
+              <a:ext uri="{FF2B5EF4-FFF2-40B4-BE49-F238E27FC236}">
+                <a16:creationId xmlns:a16="http://schemas.microsoft.com/office/drawing/2014/main" id="{948A6E54-FA6F-43B4-9CEB-56C063D15AC4}"/>
+              </a:ext>
+            </a:extLst>
+          </p:cNvPr>
+          <p:cNvSpPr/>
+          <p:nvPr/>
+        </p:nvSpPr>
+        <p:spPr>
+          <a:xfrm rot="10800000">
+            <a:off x="8608207" y="2907476"/>
+            <a:ext cx="882153" cy="1070303"/>
+          </a:xfrm>
+          <a:prstGeom prst="downArrow">
+            <a:avLst/>
+          </a:prstGeom>
+          <a:solidFill>
+            <a:schemeClr val="accent6">
+              <a:lumMod val="60000"/>
+              <a:lumOff val="40000"/>
+            </a:schemeClr>
+          </a:solidFill>
+          <a:ln w="3175">
+            <a:noFill/>
+          </a:ln>
+        </p:spPr>
+        <p:style>
+          <a:lnRef idx="2">
+            <a:schemeClr val="accent1">
+              <a:shade val="50000"/>
+            </a:schemeClr>
+          </a:lnRef>
+          <a:fillRef idx="1">
+            <a:schemeClr val="accent1"/>
+          </a:fillRef>
+          <a:effectRef idx="0">
+            <a:schemeClr val="accent1"/>
+          </a:effectRef>
+          <a:fontRef idx="minor">
+            <a:schemeClr val="lt1"/>
+          </a:fontRef>
+        </p:style>
+        <p:txBody>
+          <a:bodyPr rtlCol="0" anchor="ctr"/>
+          <a:lstStyle/>
+          <a:p>
+            <a:pPr algn="ctr"/>
+            <a:endParaRPr lang="en-GB">
+              <a:solidFill>
+                <a:schemeClr val="tx1"/>
+              </a:solidFill>
+            </a:endParaRPr>
+          </a:p>
+        </p:txBody>
+      </p:sp>
+      <p:sp>
+        <p:nvSpPr>
+          <p:cNvPr id="128" name="Rectangle 127">
+            <a:extLst>
+              <a:ext uri="{FF2B5EF4-FFF2-40B4-BE49-F238E27FC236}">
+                <a16:creationId xmlns:a16="http://schemas.microsoft.com/office/drawing/2014/main" id="{3CFCB3D2-4F6D-4584-835A-1D62B96F2D19}"/>
+              </a:ext>
+            </a:extLst>
+          </p:cNvPr>
+          <p:cNvSpPr/>
+          <p:nvPr/>
+        </p:nvSpPr>
+        <p:spPr>
+          <a:xfrm>
+            <a:off x="8720746" y="3082276"/>
+            <a:ext cx="657077" cy="317302"/>
+          </a:xfrm>
+          <a:prstGeom prst="rect">
+            <a:avLst/>
+          </a:prstGeom>
+          <a:noFill/>
+          <a:ln w="3175">
+            <a:noFill/>
+          </a:ln>
+        </p:spPr>
+        <p:style>
+          <a:lnRef idx="2">
+            <a:schemeClr val="dk1"/>
+          </a:lnRef>
+          <a:fillRef idx="1">
+            <a:schemeClr val="lt1"/>
+          </a:fillRef>
+          <a:effectRef idx="0">
+            <a:schemeClr val="dk1"/>
+          </a:effectRef>
+          <a:fontRef idx="minor">
+            <a:schemeClr val="dk1"/>
+          </a:fontRef>
+        </p:style>
+        <p:txBody>
+          <a:bodyPr rtlCol="0" anchor="ctr"/>
+          <a:lstStyle/>
+          <a:p>
+            <a:pPr algn="ctr"/>
+            <a:r>
+              <a:rPr lang="en-GB" sz="1000" dirty="0"/>
+              <a:t>Control Lines</a:t>
+            </a:r>
+            <a:endParaRPr lang="en-US" sz="1000" dirty="0"/>
+          </a:p>
+        </p:txBody>
+      </p:sp>
+      <p:sp>
+        <p:nvSpPr>
+          <p:cNvPr id="130" name="Rectangle 129">
+            <a:extLst>
+              <a:ext uri="{FF2B5EF4-FFF2-40B4-BE49-F238E27FC236}">
+                <a16:creationId xmlns:a16="http://schemas.microsoft.com/office/drawing/2014/main" id="{C9EC3248-5F93-40EF-93D7-17C3DCBBFDA0}"/>
+              </a:ext>
+            </a:extLst>
+          </p:cNvPr>
+          <p:cNvSpPr/>
+          <p:nvPr/>
+        </p:nvSpPr>
+        <p:spPr>
+          <a:xfrm rot="5400000">
+            <a:off x="8214561" y="4984290"/>
+            <a:ext cx="1670792" cy="162024"/>
+          </a:xfrm>
+          <a:prstGeom prst="rect">
+            <a:avLst/>
+          </a:prstGeom>
+          <a:solidFill>
+            <a:schemeClr val="accent6">
+              <a:lumMod val="60000"/>
+              <a:lumOff val="40000"/>
+            </a:schemeClr>
+          </a:solidFill>
+          <a:ln w="3175">
+            <a:noFill/>
+          </a:ln>
+        </p:spPr>
+        <p:style>
+          <a:lnRef idx="2">
+            <a:schemeClr val="accent1">
+              <a:shade val="50000"/>
+            </a:schemeClr>
+          </a:lnRef>
+          <a:fillRef idx="1">
+            <a:schemeClr val="accent1"/>
+          </a:fillRef>
+          <a:effectRef idx="0">
+            <a:schemeClr val="accent1"/>
+          </a:effectRef>
+          <a:fontRef idx="minor">
+            <a:schemeClr val="lt1"/>
+          </a:fontRef>
+        </p:style>
+        <p:txBody>
+          <a:bodyPr rtlCol="0" anchor="ctr"/>
+          <a:lstStyle/>
+          <a:p>
+            <a:pPr algn="ctr"/>
+            <a:endParaRPr lang="en-GB" dirty="0">
+              <a:solidFill>
+                <a:schemeClr val="tx1"/>
+              </a:solidFill>
+            </a:endParaRPr>
+          </a:p>
+        </p:txBody>
+      </p:sp>
+      <p:sp>
+        <p:nvSpPr>
+          <p:cNvPr id="131" name="Arrow: Bent 130">
+            <a:extLst>
+              <a:ext uri="{FF2B5EF4-FFF2-40B4-BE49-F238E27FC236}">
+                <a16:creationId xmlns:a16="http://schemas.microsoft.com/office/drawing/2014/main" id="{9FC554A3-B30C-47F9-A238-917590C9514B}"/>
+              </a:ext>
+            </a:extLst>
+          </p:cNvPr>
+          <p:cNvSpPr/>
+          <p:nvPr/>
+        </p:nvSpPr>
+        <p:spPr>
+          <a:xfrm rot="10800000" flipH="1">
+            <a:off x="8972226" y="5531833"/>
+            <a:ext cx="1436638" cy="573199"/>
+          </a:xfrm>
+          <a:prstGeom prst="bentArrow">
+            <a:avLst>
+              <a:gd name="adj1" fmla="val 25649"/>
+              <a:gd name="adj2" fmla="val 25080"/>
+              <a:gd name="adj3" fmla="val 19375"/>
+              <a:gd name="adj4" fmla="val 18474"/>
+            </a:avLst>
+          </a:prstGeom>
+          <a:solidFill>
+            <a:schemeClr val="accent6">
+              <a:lumMod val="60000"/>
+              <a:lumOff val="40000"/>
+            </a:schemeClr>
+          </a:solidFill>
+          <a:ln w="3175">
+            <a:noFill/>
+          </a:ln>
+        </p:spPr>
+        <p:style>
+          <a:lnRef idx="2">
+            <a:schemeClr val="accent1">
+              <a:shade val="50000"/>
+            </a:schemeClr>
+          </a:lnRef>
+          <a:fillRef idx="1">
+            <a:schemeClr val="accent1"/>
+          </a:fillRef>
+          <a:effectRef idx="0">
+            <a:schemeClr val="accent1"/>
+          </a:effectRef>
+          <a:fontRef idx="minor">
+            <a:schemeClr val="lt1"/>
+          </a:fontRef>
+        </p:style>
+        <p:txBody>
+          <a:bodyPr rtlCol="0" anchor="ctr"/>
+          <a:lstStyle/>
+          <a:p>
+            <a:pPr algn="ctr"/>
+            <a:endParaRPr lang="en-GB">
+              <a:solidFill>
+                <a:schemeClr val="tx1"/>
+              </a:solidFill>
+            </a:endParaRPr>
+          </a:p>
+        </p:txBody>
+      </p:sp>
+      <p:sp>
+        <p:nvSpPr>
+          <p:cNvPr id="132" name="Rectangle 131">
+            <a:extLst>
+              <a:ext uri="{FF2B5EF4-FFF2-40B4-BE49-F238E27FC236}">
+                <a16:creationId xmlns:a16="http://schemas.microsoft.com/office/drawing/2014/main" id="{3A9E774F-BCAA-4761-804C-4AEF96EEDAFC}"/>
+              </a:ext>
+            </a:extLst>
+          </p:cNvPr>
+          <p:cNvSpPr/>
+          <p:nvPr/>
+        </p:nvSpPr>
+        <p:spPr>
+          <a:xfrm>
+            <a:off x="9571554" y="3947583"/>
+            <a:ext cx="882154" cy="269402"/>
+          </a:xfrm>
+          <a:prstGeom prst="rect">
+            <a:avLst/>
+          </a:prstGeom>
+          <a:noFill/>
+          <a:ln w="3175">
+            <a:noFill/>
+          </a:ln>
+        </p:spPr>
+        <p:style>
+          <a:lnRef idx="2">
+            <a:schemeClr val="dk1"/>
+          </a:lnRef>
+          <a:fillRef idx="1">
+            <a:schemeClr val="lt1"/>
+          </a:fillRef>
+          <a:effectRef idx="0">
+            <a:schemeClr val="dk1"/>
+          </a:effectRef>
+          <a:fontRef idx="minor">
+            <a:schemeClr val="dk1"/>
+          </a:fontRef>
+        </p:style>
+        <p:txBody>
+          <a:bodyPr rtlCol="0" anchor="ctr"/>
+          <a:lstStyle/>
+          <a:p>
+            <a:pPr algn="ctr"/>
+            <a:r>
+              <a:rPr lang="en-GB" sz="800" dirty="0"/>
+              <a:t>µ</a:t>
+            </a:r>
+            <a:r>
+              <a:rPr lang="en-GB" sz="800" dirty="0" err="1"/>
+              <a:t>NextAddr</a:t>
+            </a:r>
+            <a:endParaRPr lang="en-US" sz="800" dirty="0"/>
+          </a:p>
+        </p:txBody>
+      </p:sp>
+      <p:sp>
+        <p:nvSpPr>
+          <p:cNvPr id="142" name="Rectangle 141">
+            <a:extLst>
+              <a:ext uri="{FF2B5EF4-FFF2-40B4-BE49-F238E27FC236}">
+                <a16:creationId xmlns:a16="http://schemas.microsoft.com/office/drawing/2014/main" id="{359B3C46-9A48-4115-AC7F-2D8E468EBAB1}"/>
+              </a:ext>
+            </a:extLst>
+          </p:cNvPr>
+          <p:cNvSpPr/>
+          <p:nvPr/>
+        </p:nvSpPr>
+        <p:spPr>
+          <a:xfrm>
+            <a:off x="10741764" y="3141000"/>
+            <a:ext cx="347896" cy="2007372"/>
+          </a:xfrm>
+          <a:prstGeom prst="rect">
+            <a:avLst/>
+          </a:prstGeom>
+          <a:solidFill>
+            <a:schemeClr val="accent6">
+              <a:lumMod val="60000"/>
+              <a:lumOff val="40000"/>
+            </a:schemeClr>
+          </a:solidFill>
+          <a:ln w="3175">
+            <a:noFill/>
+          </a:ln>
+        </p:spPr>
+        <p:style>
+          <a:lnRef idx="2">
+            <a:schemeClr val="accent1">
+              <a:shade val="50000"/>
+            </a:schemeClr>
+          </a:lnRef>
+          <a:fillRef idx="1">
+            <a:schemeClr val="accent1"/>
+          </a:fillRef>
+          <a:effectRef idx="0">
+            <a:schemeClr val="accent1"/>
+          </a:effectRef>
+          <a:fontRef idx="minor">
+            <a:schemeClr val="lt1"/>
+          </a:fontRef>
+        </p:style>
+        <p:txBody>
+          <a:bodyPr rtlCol="0" anchor="ctr"/>
+          <a:lstStyle/>
+          <a:p>
+            <a:pPr algn="ctr"/>
+            <a:endParaRPr lang="en-GB" dirty="0">
+              <a:solidFill>
+                <a:schemeClr val="tx1"/>
+              </a:solidFill>
+            </a:endParaRPr>
+          </a:p>
+        </p:txBody>
+      </p:sp>
+      <p:sp>
+        <p:nvSpPr>
+          <p:cNvPr id="143" name="Right Triangle 142">
+            <a:extLst>
+              <a:ext uri="{FF2B5EF4-FFF2-40B4-BE49-F238E27FC236}">
+                <a16:creationId xmlns:a16="http://schemas.microsoft.com/office/drawing/2014/main" id="{AC2E6387-9916-4C30-B26F-0A186D4F5090}"/>
+              </a:ext>
+            </a:extLst>
+          </p:cNvPr>
+          <p:cNvSpPr/>
+          <p:nvPr/>
+        </p:nvSpPr>
+        <p:spPr>
+          <a:xfrm>
+            <a:off x="10738858" y="2861608"/>
+            <a:ext cx="347895" cy="279391"/>
+          </a:xfrm>
+          <a:prstGeom prst="rtTriangle">
+            <a:avLst/>
+          </a:prstGeom>
+          <a:solidFill>
+            <a:schemeClr val="accent6">
+              <a:lumMod val="60000"/>
+              <a:lumOff val="40000"/>
+            </a:schemeClr>
+          </a:solidFill>
+          <a:ln w="3175">
+            <a:noFill/>
+          </a:ln>
+        </p:spPr>
+        <p:style>
+          <a:lnRef idx="2">
+            <a:schemeClr val="accent1">
+              <a:shade val="50000"/>
+            </a:schemeClr>
+          </a:lnRef>
+          <a:fillRef idx="1">
+            <a:schemeClr val="accent1"/>
+          </a:fillRef>
+          <a:effectRef idx="0">
+            <a:schemeClr val="accent1"/>
+          </a:effectRef>
+          <a:fontRef idx="minor">
+            <a:schemeClr val="lt1"/>
+          </a:fontRef>
+        </p:style>
+        <p:txBody>
+          <a:bodyPr rtlCol="0" anchor="ctr"/>
+          <a:lstStyle/>
+          <a:p>
+            <a:pPr algn="ctr"/>
+            <a:endParaRPr lang="en-GB" dirty="0">
+              <a:solidFill>
+                <a:schemeClr val="tx1"/>
+              </a:solidFill>
+            </a:endParaRPr>
+          </a:p>
+        </p:txBody>
+      </p:sp>
+      <p:sp>
+        <p:nvSpPr>
+          <p:cNvPr id="144" name="Right Triangle 143">
+            <a:extLst>
+              <a:ext uri="{FF2B5EF4-FFF2-40B4-BE49-F238E27FC236}">
+                <a16:creationId xmlns:a16="http://schemas.microsoft.com/office/drawing/2014/main" id="{0AD69161-24D1-4BEB-9939-530A5696008E}"/>
+              </a:ext>
+            </a:extLst>
+          </p:cNvPr>
+          <p:cNvSpPr/>
+          <p:nvPr/>
+        </p:nvSpPr>
+        <p:spPr>
+          <a:xfrm flipV="1">
+            <a:off x="10738858" y="5148372"/>
+            <a:ext cx="350801" cy="362906"/>
+          </a:xfrm>
+          <a:prstGeom prst="rtTriangle">
+            <a:avLst/>
+          </a:prstGeom>
+          <a:solidFill>
+            <a:schemeClr val="accent6">
+              <a:lumMod val="60000"/>
+              <a:lumOff val="40000"/>
+            </a:schemeClr>
+          </a:solidFill>
+          <a:ln w="3175">
+            <a:noFill/>
+          </a:ln>
+        </p:spPr>
+        <p:style>
+          <a:lnRef idx="2">
+            <a:schemeClr val="accent1">
+              <a:shade val="50000"/>
+            </a:schemeClr>
+          </a:lnRef>
+          <a:fillRef idx="1">
+            <a:schemeClr val="accent1"/>
+          </a:fillRef>
+          <a:effectRef idx="0">
+            <a:schemeClr val="accent1"/>
+          </a:effectRef>
+          <a:fontRef idx="minor">
+            <a:schemeClr val="lt1"/>
+          </a:fontRef>
+        </p:style>
+        <p:txBody>
+          <a:bodyPr rtlCol="0" anchor="ctr"/>
+          <a:lstStyle/>
+          <a:p>
+            <a:pPr algn="ctr"/>
+            <a:endParaRPr lang="en-GB">
+              <a:solidFill>
+                <a:schemeClr val="tx1"/>
+              </a:solidFill>
+            </a:endParaRPr>
+          </a:p>
+        </p:txBody>
+      </p:sp>
+      <p:sp>
+        <p:nvSpPr>
+          <p:cNvPr id="137" name="Rectangle 136">
+            <a:extLst>
+              <a:ext uri="{FF2B5EF4-FFF2-40B4-BE49-F238E27FC236}">
+                <a16:creationId xmlns:a16="http://schemas.microsoft.com/office/drawing/2014/main" id="{A3421E6D-A22C-439F-BC4C-1A45B7C9F779}"/>
+              </a:ext>
+            </a:extLst>
+          </p:cNvPr>
+          <p:cNvSpPr/>
+          <p:nvPr/>
+        </p:nvSpPr>
+        <p:spPr>
+          <a:xfrm>
+            <a:off x="8636112" y="3972946"/>
+            <a:ext cx="827690" cy="249740"/>
+          </a:xfrm>
+          <a:prstGeom prst="rect">
+            <a:avLst/>
+          </a:prstGeom>
+          <a:ln w="3175"/>
+        </p:spPr>
+        <p:style>
+          <a:lnRef idx="2">
+            <a:schemeClr val="dk1"/>
+          </a:lnRef>
+          <a:fillRef idx="1">
+            <a:schemeClr val="lt1"/>
+          </a:fillRef>
+          <a:effectRef idx="0">
+            <a:schemeClr val="dk1"/>
+          </a:effectRef>
+          <a:fontRef idx="minor">
+            <a:schemeClr val="dk1"/>
+          </a:fontRef>
+        </p:style>
+        <p:txBody>
+          <a:bodyPr rtlCol="0" anchor="ctr"/>
+          <a:lstStyle/>
+          <a:p>
+            <a:pPr algn="ctr"/>
+            <a:r>
+              <a:rPr lang="en-GB" sz="1000" dirty="0"/>
+              <a:t>Decoder</a:t>
+            </a:r>
+            <a:endParaRPr lang="en-US" sz="1000" dirty="0"/>
+          </a:p>
+        </p:txBody>
+      </p:sp>
+      <p:sp>
+        <p:nvSpPr>
+          <p:cNvPr id="138" name="Rectangle 137">
+            <a:extLst>
+              <a:ext uri="{FF2B5EF4-FFF2-40B4-BE49-F238E27FC236}">
+                <a16:creationId xmlns:a16="http://schemas.microsoft.com/office/drawing/2014/main" id="{D284CC3C-CB49-4F20-B348-DBDD8DDCC032}"/>
+              </a:ext>
+            </a:extLst>
+          </p:cNvPr>
+          <p:cNvSpPr/>
+          <p:nvPr/>
+        </p:nvSpPr>
+        <p:spPr>
+          <a:xfrm>
+            <a:off x="6129281" y="4004998"/>
+            <a:ext cx="827690" cy="252248"/>
+          </a:xfrm>
+          <a:prstGeom prst="rect">
+            <a:avLst/>
+          </a:prstGeom>
+          <a:ln w="3175"/>
+        </p:spPr>
+        <p:style>
+          <a:lnRef idx="2">
+            <a:schemeClr val="dk1"/>
+          </a:lnRef>
+          <a:fillRef idx="1">
+            <a:schemeClr val="lt1"/>
+          </a:fillRef>
+          <a:effectRef idx="0">
+            <a:schemeClr val="dk1"/>
+          </a:effectRef>
+          <a:fontRef idx="minor">
+            <a:schemeClr val="dk1"/>
+          </a:fontRef>
+        </p:style>
+        <p:txBody>
+          <a:bodyPr rtlCol="0" anchor="ctr"/>
+          <a:lstStyle/>
+          <a:p>
+            <a:pPr algn="ctr"/>
+            <a:r>
+              <a:rPr lang="en-GB" sz="1000" dirty="0"/>
+              <a:t>CAR</a:t>
+            </a:r>
+            <a:endParaRPr lang="en-US" sz="1000" dirty="0"/>
+          </a:p>
+        </p:txBody>
+      </p:sp>
+      <p:sp>
+        <p:nvSpPr>
+          <p:cNvPr id="139" name="Isosceles Triangle 138">
+            <a:extLst>
+              <a:ext uri="{FF2B5EF4-FFF2-40B4-BE49-F238E27FC236}">
+                <a16:creationId xmlns:a16="http://schemas.microsoft.com/office/drawing/2014/main" id="{CAA0423A-ADA3-4CE6-8359-600F71770822}"/>
+              </a:ext>
+            </a:extLst>
+          </p:cNvPr>
+          <p:cNvSpPr/>
+          <p:nvPr/>
+        </p:nvSpPr>
+        <p:spPr>
+          <a:xfrm rot="5400000">
+            <a:off x="6115943" y="4115853"/>
+            <a:ext cx="95343" cy="45719"/>
+          </a:xfrm>
+          <a:prstGeom prst="triangle">
+            <a:avLst/>
+          </a:prstGeom>
+          <a:solidFill>
+            <a:schemeClr val="bg1"/>
+          </a:solidFill>
+          <a:ln w="3175">
+            <a:solidFill>
+              <a:schemeClr val="tx1">
+                <a:lumMod val="75000"/>
+                <a:lumOff val="25000"/>
+              </a:schemeClr>
+            </a:solidFill>
+          </a:ln>
+        </p:spPr>
+        <p:style>
+          <a:lnRef idx="2">
+            <a:schemeClr val="accent1">
+              <a:shade val="50000"/>
+            </a:schemeClr>
+          </a:lnRef>
+          <a:fillRef idx="1">
+            <a:schemeClr val="accent1"/>
+          </a:fillRef>
+          <a:effectRef idx="0">
+            <a:schemeClr val="accent1"/>
+          </a:effectRef>
+          <a:fontRef idx="minor">
+            <a:schemeClr val="lt1"/>
+          </a:fontRef>
+        </p:style>
+        <p:txBody>
+          <a:bodyPr rtlCol="0" anchor="ctr"/>
+          <a:lstStyle/>
+          <a:p>
+            <a:pPr algn="ctr"/>
+            <a:endParaRPr lang="en-GB">
+              <a:solidFill>
+                <a:schemeClr val="tx1"/>
+              </a:solidFill>
+            </a:endParaRPr>
+          </a:p>
+        </p:txBody>
+      </p:sp>
+      <p:sp>
+        <p:nvSpPr>
+          <p:cNvPr id="140" name="Rectangle 139">
+            <a:extLst>
+              <a:ext uri="{FF2B5EF4-FFF2-40B4-BE49-F238E27FC236}">
+                <a16:creationId xmlns:a16="http://schemas.microsoft.com/office/drawing/2014/main" id="{09D73D52-C428-4FD0-BEB7-3773010AA721}"/>
+              </a:ext>
+            </a:extLst>
+          </p:cNvPr>
+          <p:cNvSpPr/>
+          <p:nvPr/>
+        </p:nvSpPr>
+        <p:spPr>
+          <a:xfrm>
+            <a:off x="9665879" y="2828874"/>
+            <a:ext cx="666285" cy="448701"/>
+          </a:xfrm>
+          <a:prstGeom prst="rect">
+            <a:avLst/>
+          </a:prstGeom>
+          <a:ln w="3175"/>
+        </p:spPr>
+        <p:style>
+          <a:lnRef idx="2">
+            <a:schemeClr val="dk1"/>
+          </a:lnRef>
+          <a:fillRef idx="1">
+            <a:schemeClr val="lt1"/>
+          </a:fillRef>
+          <a:effectRef idx="0">
+            <a:schemeClr val="dk1"/>
+          </a:effectRef>
+          <a:fontRef idx="minor">
+            <a:schemeClr val="dk1"/>
+          </a:fontRef>
+        </p:style>
+        <p:txBody>
+          <a:bodyPr rtlCol="0" anchor="ctr"/>
+          <a:lstStyle/>
+          <a:p>
+            <a:pPr algn="ctr"/>
+            <a:r>
+              <a:rPr lang="en-GB" sz="1000" dirty="0" err="1"/>
+              <a:t>Addr</a:t>
+            </a:r>
+            <a:r>
+              <a:rPr lang="en-GB" sz="1000" dirty="0"/>
+              <a:t> </a:t>
+            </a:r>
+          </a:p>
+          <a:p>
+            <a:pPr algn="ctr"/>
+            <a:r>
+              <a:rPr lang="en-GB" sz="1000" dirty="0"/>
+              <a:t>Decoder</a:t>
+            </a:r>
+            <a:endParaRPr lang="en-US" sz="1000" dirty="0"/>
+          </a:p>
+        </p:txBody>
+      </p:sp>
+      <p:sp>
+        <p:nvSpPr>
+          <p:cNvPr id="141" name="Rectangle 140">
+            <a:extLst>
+              <a:ext uri="{FF2B5EF4-FFF2-40B4-BE49-F238E27FC236}">
+                <a16:creationId xmlns:a16="http://schemas.microsoft.com/office/drawing/2014/main" id="{64494EB8-62A0-4020-AB29-CAA30762F066}"/>
+              </a:ext>
+            </a:extLst>
+          </p:cNvPr>
+          <p:cNvSpPr/>
+          <p:nvPr/>
+        </p:nvSpPr>
+        <p:spPr>
+          <a:xfrm>
+            <a:off x="6886618" y="4384317"/>
+            <a:ext cx="214750" cy="274840"/>
+          </a:xfrm>
+          <a:prstGeom prst="rect">
+            <a:avLst/>
+          </a:prstGeom>
+          <a:noFill/>
+          <a:ln w="3175">
+            <a:noFill/>
+          </a:ln>
+        </p:spPr>
+        <p:style>
+          <a:lnRef idx="2">
+            <a:schemeClr val="dk1"/>
+          </a:lnRef>
+          <a:fillRef idx="1">
+            <a:schemeClr val="lt1"/>
+          </a:fillRef>
+          <a:effectRef idx="0">
+            <a:schemeClr val="dk1"/>
+          </a:effectRef>
+          <a:fontRef idx="minor">
+            <a:schemeClr val="dk1"/>
+          </a:fontRef>
+        </p:style>
+        <p:txBody>
+          <a:bodyPr rtlCol="0" anchor="ctr"/>
+          <a:lstStyle/>
+          <a:p>
+            <a:pPr algn="ctr"/>
+            <a:r>
+              <a:rPr lang="en-GB" sz="1000" dirty="0"/>
+              <a:t>1</a:t>
+            </a:r>
+            <a:endParaRPr lang="en-US" sz="1000" dirty="0"/>
+          </a:p>
+        </p:txBody>
+      </p:sp>
+      <p:sp>
+        <p:nvSpPr>
+          <p:cNvPr id="146" name="Arrow: Bent 145">
+            <a:extLst>
+              <a:ext uri="{FF2B5EF4-FFF2-40B4-BE49-F238E27FC236}">
+                <a16:creationId xmlns:a16="http://schemas.microsoft.com/office/drawing/2014/main" id="{6E48F73B-75F6-4EF1-90BF-CEA1B2D795E0}"/>
+              </a:ext>
+            </a:extLst>
+          </p:cNvPr>
+          <p:cNvSpPr/>
+          <p:nvPr/>
+        </p:nvSpPr>
+        <p:spPr>
+          <a:xfrm rot="10800000" flipH="1">
+            <a:off x="5527514" y="5446885"/>
+            <a:ext cx="4927177" cy="1060029"/>
+          </a:xfrm>
+          <a:prstGeom prst="bentArrow">
+            <a:avLst>
+              <a:gd name="adj1" fmla="val 13821"/>
+              <a:gd name="adj2" fmla="val 14674"/>
+              <a:gd name="adj3" fmla="val 12892"/>
+              <a:gd name="adj4" fmla="val 10451"/>
+            </a:avLst>
+          </a:prstGeom>
+          <a:solidFill>
+            <a:schemeClr val="accent6">
+              <a:lumMod val="40000"/>
+              <a:lumOff val="60000"/>
+            </a:schemeClr>
+          </a:solidFill>
+          <a:ln w="3175">
+            <a:noFill/>
+          </a:ln>
+        </p:spPr>
+        <p:style>
+          <a:lnRef idx="2">
+            <a:schemeClr val="accent1">
+              <a:shade val="50000"/>
+            </a:schemeClr>
+          </a:lnRef>
+          <a:fillRef idx="1">
+            <a:schemeClr val="accent1"/>
+          </a:fillRef>
+          <a:effectRef idx="0">
+            <a:schemeClr val="accent1"/>
+          </a:effectRef>
+          <a:fontRef idx="minor">
+            <a:schemeClr val="lt1"/>
+          </a:fontRef>
+        </p:style>
+        <p:txBody>
+          <a:bodyPr rtlCol="0" anchor="ctr"/>
+          <a:lstStyle/>
+          <a:p>
+            <a:pPr algn="ctr"/>
+            <a:endParaRPr lang="en-GB">
+              <a:solidFill>
+                <a:schemeClr val="tx1"/>
+              </a:solidFill>
+            </a:endParaRPr>
+          </a:p>
+        </p:txBody>
+      </p:sp>
+      <p:grpSp>
+        <p:nvGrpSpPr>
+          <p:cNvPr id="228" name="Group 227">
+            <a:extLst>
+              <a:ext uri="{FF2B5EF4-FFF2-40B4-BE49-F238E27FC236}">
+                <a16:creationId xmlns:a16="http://schemas.microsoft.com/office/drawing/2014/main" id="{C3B19ADC-28F7-4B21-AD90-AD90C6A8ED49}"/>
+              </a:ext>
+            </a:extLst>
+          </p:cNvPr>
+          <p:cNvGrpSpPr/>
+          <p:nvPr/>
+        </p:nvGrpSpPr>
+        <p:grpSpPr>
+          <a:xfrm>
+            <a:off x="5056861" y="5220829"/>
+            <a:ext cx="1007142" cy="230561"/>
+            <a:chOff x="4734586" y="5253835"/>
+            <a:chExt cx="1007142" cy="230561"/>
+          </a:xfrm>
+        </p:grpSpPr>
+        <p:grpSp>
+          <p:nvGrpSpPr>
+            <p:cNvPr id="10" name="Group 9">
+              <a:extLst>
+                <a:ext uri="{FF2B5EF4-FFF2-40B4-BE49-F238E27FC236}">
+                  <a16:creationId xmlns:a16="http://schemas.microsoft.com/office/drawing/2014/main" id="{8114CE89-F383-410A-A859-C46AA18133AE}"/>
+                </a:ext>
+              </a:extLst>
+            </p:cNvPr>
+            <p:cNvGrpSpPr/>
+            <p:nvPr/>
+          </p:nvGrpSpPr>
+          <p:grpSpPr>
+            <a:xfrm>
+              <a:off x="4737540" y="5253835"/>
+              <a:ext cx="1004188" cy="230561"/>
+              <a:chOff x="8759494" y="4402883"/>
+              <a:chExt cx="1004188" cy="230561"/>
+            </a:xfrm>
+          </p:grpSpPr>
+          <p:sp>
+            <p:nvSpPr>
+              <p:cNvPr id="68" name="Rectangle 67">
+                <a:extLst>
+                  <a:ext uri="{FF2B5EF4-FFF2-40B4-BE49-F238E27FC236}">
+                    <a16:creationId xmlns:a16="http://schemas.microsoft.com/office/drawing/2014/main" id="{0D746045-38FE-466A-805B-3287DE720201}"/>
+                  </a:ext>
+                </a:extLst>
+              </p:cNvPr>
+              <p:cNvSpPr/>
+              <p:nvPr/>
+            </p:nvSpPr>
+            <p:spPr>
+              <a:xfrm>
+                <a:off x="8759494" y="4402883"/>
+                <a:ext cx="251984" cy="230561"/>
+              </a:xfrm>
+              <a:prstGeom prst="rect">
+                <a:avLst/>
+              </a:prstGeom>
+              <a:ln w="3175"/>
+            </p:spPr>
+            <p:style>
+              <a:lnRef idx="2">
+                <a:schemeClr val="dk1"/>
+              </a:lnRef>
+              <a:fillRef idx="1">
+                <a:schemeClr val="lt1"/>
+              </a:fillRef>
+              <a:effectRef idx="0">
+                <a:schemeClr val="dk1"/>
+              </a:effectRef>
+              <a:fontRef idx="minor">
+                <a:schemeClr val="dk1"/>
+              </a:fontRef>
+            </p:style>
+            <p:txBody>
+              <a:bodyPr rtlCol="0" anchor="ctr"/>
+              <a:lstStyle/>
+              <a:p>
+                <a:pPr algn="ctr"/>
+                <a:r>
+                  <a:rPr lang="en-GB" sz="1000" dirty="0"/>
+                  <a:t>C</a:t>
+                </a:r>
+                <a:endParaRPr lang="en-US" sz="1000" dirty="0"/>
+              </a:p>
+            </p:txBody>
+          </p:sp>
+          <p:sp>
+            <p:nvSpPr>
+              <p:cNvPr id="69" name="Rectangle 68">
+                <a:extLst>
+                  <a:ext uri="{FF2B5EF4-FFF2-40B4-BE49-F238E27FC236}">
+                    <a16:creationId xmlns:a16="http://schemas.microsoft.com/office/drawing/2014/main" id="{06953AC5-D4B8-4BF4-AA64-1BACC5097EDA}"/>
+                  </a:ext>
+                </a:extLst>
+              </p:cNvPr>
+              <p:cNvSpPr/>
+              <p:nvPr/>
+            </p:nvSpPr>
+            <p:spPr>
+              <a:xfrm>
+                <a:off x="9011478" y="4402883"/>
+                <a:ext cx="251984" cy="230561"/>
+              </a:xfrm>
+              <a:prstGeom prst="rect">
+                <a:avLst/>
+              </a:prstGeom>
+              <a:ln w="3175"/>
+            </p:spPr>
+            <p:style>
+              <a:lnRef idx="2">
+                <a:schemeClr val="dk1"/>
+              </a:lnRef>
+              <a:fillRef idx="1">
+                <a:schemeClr val="lt1"/>
+              </a:fillRef>
+              <a:effectRef idx="0">
+                <a:schemeClr val="dk1"/>
+              </a:effectRef>
+              <a:fontRef idx="minor">
+                <a:schemeClr val="dk1"/>
+              </a:fontRef>
+            </p:style>
+            <p:txBody>
+              <a:bodyPr rtlCol="0" anchor="ctr"/>
+              <a:lstStyle/>
+              <a:p>
+                <a:pPr algn="ctr"/>
+                <a:r>
+                  <a:rPr lang="en-GB" sz="1000" dirty="0"/>
+                  <a:t>N</a:t>
+                </a:r>
+                <a:endParaRPr lang="en-US" sz="1000" dirty="0"/>
+              </a:p>
+            </p:txBody>
+          </p:sp>
+          <p:sp>
+            <p:nvSpPr>
+              <p:cNvPr id="70" name="Rectangle 69">
+                <a:extLst>
+                  <a:ext uri="{FF2B5EF4-FFF2-40B4-BE49-F238E27FC236}">
+                    <a16:creationId xmlns:a16="http://schemas.microsoft.com/office/drawing/2014/main" id="{704EFDA7-6D30-481F-A746-F094BC57C40B}"/>
+                  </a:ext>
+                </a:extLst>
+              </p:cNvPr>
+              <p:cNvSpPr/>
+              <p:nvPr/>
+            </p:nvSpPr>
+            <p:spPr>
+              <a:xfrm>
+                <a:off x="9261588" y="4402883"/>
+                <a:ext cx="251984" cy="230561"/>
+              </a:xfrm>
+              <a:prstGeom prst="rect">
+                <a:avLst/>
+              </a:prstGeom>
+              <a:ln w="3175"/>
+            </p:spPr>
+            <p:style>
+              <a:lnRef idx="2">
+                <a:schemeClr val="dk1"/>
+              </a:lnRef>
+              <a:fillRef idx="1">
+                <a:schemeClr val="lt1"/>
+              </a:fillRef>
+              <a:effectRef idx="0">
+                <a:schemeClr val="dk1"/>
+              </a:effectRef>
+              <a:fontRef idx="minor">
+                <a:schemeClr val="dk1"/>
+              </a:fontRef>
+            </p:style>
+            <p:txBody>
+              <a:bodyPr rtlCol="0" anchor="ctr"/>
+              <a:lstStyle/>
+              <a:p>
+                <a:pPr algn="ctr"/>
+                <a:r>
+                  <a:rPr lang="en-GB" sz="1000" dirty="0"/>
+                  <a:t>V</a:t>
+                </a:r>
+                <a:endParaRPr lang="en-US" sz="1000" dirty="0"/>
+              </a:p>
+            </p:txBody>
+          </p:sp>
+          <p:sp>
+            <p:nvSpPr>
+              <p:cNvPr id="71" name="Rectangle 70">
+                <a:extLst>
+                  <a:ext uri="{FF2B5EF4-FFF2-40B4-BE49-F238E27FC236}">
+                    <a16:creationId xmlns:a16="http://schemas.microsoft.com/office/drawing/2014/main" id="{804B2CFA-9F44-4C79-83FC-CA1A6477BE17}"/>
+                  </a:ext>
+                </a:extLst>
+              </p:cNvPr>
+              <p:cNvSpPr/>
+              <p:nvPr/>
+            </p:nvSpPr>
+            <p:spPr>
+              <a:xfrm>
+                <a:off x="9511698" y="4402883"/>
+                <a:ext cx="251984" cy="230561"/>
+              </a:xfrm>
+              <a:prstGeom prst="rect">
+                <a:avLst/>
+              </a:prstGeom>
+              <a:ln w="3175"/>
+            </p:spPr>
+            <p:style>
+              <a:lnRef idx="2">
+                <a:schemeClr val="dk1"/>
+              </a:lnRef>
+              <a:fillRef idx="1">
+                <a:schemeClr val="lt1"/>
+              </a:fillRef>
+              <a:effectRef idx="0">
+                <a:schemeClr val="dk1"/>
+              </a:effectRef>
+              <a:fontRef idx="minor">
+                <a:schemeClr val="dk1"/>
+              </a:fontRef>
+            </p:style>
+            <p:txBody>
+              <a:bodyPr rtlCol="0" anchor="ctr"/>
+              <a:lstStyle/>
+              <a:p>
+                <a:pPr algn="ctr"/>
+                <a:r>
+                  <a:rPr lang="en-GB" sz="1000" dirty="0"/>
+                  <a:t>Z</a:t>
+                </a:r>
+                <a:endParaRPr lang="en-US" sz="1000" dirty="0"/>
+              </a:p>
+            </p:txBody>
+          </p:sp>
+        </p:grpSp>
+        <p:sp>
+          <p:nvSpPr>
+            <p:cNvPr id="149" name="Isosceles Triangle 148">
+              <a:extLst>
+                <a:ext uri="{FF2B5EF4-FFF2-40B4-BE49-F238E27FC236}">
+                  <a16:creationId xmlns:a16="http://schemas.microsoft.com/office/drawing/2014/main" id="{E72C12CF-BA5E-4D4D-9C95-A1A338657E83}"/>
+                </a:ext>
+              </a:extLst>
+            </p:cNvPr>
+            <p:cNvSpPr/>
+            <p:nvPr/>
+          </p:nvSpPr>
+          <p:spPr>
+            <a:xfrm rot="5400000">
+              <a:off x="4709774" y="5343262"/>
+              <a:ext cx="95343" cy="45719"/>
+            </a:xfrm>
+            <a:prstGeom prst="triangle">
+              <a:avLst/>
+            </a:prstGeom>
+            <a:solidFill>
+              <a:schemeClr val="bg1"/>
+            </a:solidFill>
+            <a:ln w="3175">
+              <a:solidFill>
+                <a:schemeClr val="tx1">
+                  <a:lumMod val="75000"/>
+                  <a:lumOff val="25000"/>
+                </a:schemeClr>
+              </a:solidFill>
+            </a:ln>
+          </p:spPr>
+          <p:style>
+            <a:lnRef idx="2">
+              <a:schemeClr val="accent1">
+                <a:shade val="50000"/>
+              </a:schemeClr>
+            </a:lnRef>
+            <a:fillRef idx="1">
+              <a:schemeClr val="accent1"/>
+            </a:fillRef>
+            <a:effectRef idx="0">
+              <a:schemeClr val="accent1"/>
+            </a:effectRef>
+            <a:fontRef idx="minor">
+              <a:schemeClr val="lt1"/>
+            </a:fontRef>
+          </p:style>
+          <p:txBody>
+            <a:bodyPr rtlCol="0" anchor="ctr"/>
+            <a:lstStyle/>
+            <a:p>
+              <a:pPr algn="ctr"/>
+              <a:endParaRPr lang="en-GB">
+                <a:solidFill>
+                  <a:schemeClr val="tx1"/>
+                </a:solidFill>
+              </a:endParaRPr>
+            </a:p>
+          </p:txBody>
+        </p:sp>
+        <p:sp>
+          <p:nvSpPr>
+            <p:cNvPr id="150" name="Isosceles Triangle 149">
+              <a:extLst>
+                <a:ext uri="{FF2B5EF4-FFF2-40B4-BE49-F238E27FC236}">
+                  <a16:creationId xmlns:a16="http://schemas.microsoft.com/office/drawing/2014/main" id="{119C7005-07CF-4C29-BEFD-79E04777B3E8}"/>
+                </a:ext>
+              </a:extLst>
+            </p:cNvPr>
+            <p:cNvSpPr/>
+            <p:nvPr/>
+          </p:nvSpPr>
+          <p:spPr>
+            <a:xfrm rot="5400000">
+              <a:off x="4969529" y="5342480"/>
+              <a:ext cx="95343" cy="45719"/>
+            </a:xfrm>
+            <a:prstGeom prst="triangle">
+              <a:avLst/>
+            </a:prstGeom>
+            <a:solidFill>
+              <a:schemeClr val="bg1"/>
+            </a:solidFill>
+            <a:ln w="3175">
+              <a:solidFill>
+                <a:schemeClr val="tx1">
+                  <a:lumMod val="75000"/>
+                  <a:lumOff val="25000"/>
+                </a:schemeClr>
+              </a:solidFill>
+            </a:ln>
+          </p:spPr>
+          <p:style>
+            <a:lnRef idx="2">
+              <a:schemeClr val="accent1">
+                <a:shade val="50000"/>
+              </a:schemeClr>
+            </a:lnRef>
+            <a:fillRef idx="1">
+              <a:schemeClr val="accent1"/>
+            </a:fillRef>
+            <a:effectRef idx="0">
+              <a:schemeClr val="accent1"/>
+            </a:effectRef>
+            <a:fontRef idx="minor">
+              <a:schemeClr val="lt1"/>
+            </a:fontRef>
+          </p:style>
+          <p:txBody>
+            <a:bodyPr rtlCol="0" anchor="ctr"/>
+            <a:lstStyle/>
+            <a:p>
+              <a:pPr algn="ctr"/>
+              <a:endParaRPr lang="en-GB">
+                <a:solidFill>
+                  <a:schemeClr val="tx1"/>
+                </a:solidFill>
+              </a:endParaRPr>
+            </a:p>
+          </p:txBody>
+        </p:sp>
+        <p:sp>
+          <p:nvSpPr>
+            <p:cNvPr id="151" name="Isosceles Triangle 150">
+              <a:extLst>
+                <a:ext uri="{FF2B5EF4-FFF2-40B4-BE49-F238E27FC236}">
+                  <a16:creationId xmlns:a16="http://schemas.microsoft.com/office/drawing/2014/main" id="{C0FEB812-2885-4DE6-980F-1CE788DEEFBD}"/>
+                </a:ext>
+              </a:extLst>
+            </p:cNvPr>
+            <p:cNvSpPr/>
+            <p:nvPr/>
+          </p:nvSpPr>
+          <p:spPr>
+            <a:xfrm rot="5400000">
+              <a:off x="5217665" y="5338958"/>
+              <a:ext cx="95343" cy="45719"/>
+            </a:xfrm>
+            <a:prstGeom prst="triangle">
+              <a:avLst/>
+            </a:prstGeom>
+            <a:solidFill>
+              <a:schemeClr val="bg1"/>
+            </a:solidFill>
+            <a:ln w="3175">
+              <a:solidFill>
+                <a:schemeClr val="tx1">
+                  <a:lumMod val="75000"/>
+                  <a:lumOff val="25000"/>
+                </a:schemeClr>
+              </a:solidFill>
+            </a:ln>
+          </p:spPr>
+          <p:style>
+            <a:lnRef idx="2">
+              <a:schemeClr val="accent1">
+                <a:shade val="50000"/>
+              </a:schemeClr>
+            </a:lnRef>
+            <a:fillRef idx="1">
+              <a:schemeClr val="accent1"/>
+            </a:fillRef>
+            <a:effectRef idx="0">
+              <a:schemeClr val="accent1"/>
+            </a:effectRef>
+            <a:fontRef idx="minor">
+              <a:schemeClr val="lt1"/>
+            </a:fontRef>
+          </p:style>
+          <p:txBody>
+            <a:bodyPr rtlCol="0" anchor="ctr"/>
+            <a:lstStyle/>
+            <a:p>
+              <a:pPr algn="ctr"/>
+              <a:endParaRPr lang="en-GB">
+                <a:solidFill>
+                  <a:schemeClr val="tx1"/>
+                </a:solidFill>
+              </a:endParaRPr>
+            </a:p>
+          </p:txBody>
+        </p:sp>
+        <p:sp>
+          <p:nvSpPr>
+            <p:cNvPr id="152" name="Isosceles Triangle 151">
+              <a:extLst>
+                <a:ext uri="{FF2B5EF4-FFF2-40B4-BE49-F238E27FC236}">
+                  <a16:creationId xmlns:a16="http://schemas.microsoft.com/office/drawing/2014/main" id="{83F1D227-99D4-43A9-B3D9-3CBD448EF5C7}"/>
+                </a:ext>
+              </a:extLst>
+            </p:cNvPr>
+            <p:cNvSpPr/>
+            <p:nvPr/>
+          </p:nvSpPr>
+          <p:spPr>
+            <a:xfrm rot="5400000">
+              <a:off x="5472706" y="5356341"/>
+              <a:ext cx="95343" cy="45719"/>
+            </a:xfrm>
+            <a:prstGeom prst="triangle">
+              <a:avLst/>
+            </a:prstGeom>
+            <a:solidFill>
+              <a:schemeClr val="bg1"/>
+            </a:solidFill>
+            <a:ln w="3175">
+              <a:solidFill>
+                <a:schemeClr val="tx1">
+                  <a:lumMod val="75000"/>
+                  <a:lumOff val="25000"/>
+                </a:schemeClr>
+              </a:solidFill>
+            </a:ln>
+          </p:spPr>
+          <p:style>
+            <a:lnRef idx="2">
+              <a:schemeClr val="accent1">
+                <a:shade val="50000"/>
+              </a:schemeClr>
+            </a:lnRef>
+            <a:fillRef idx="1">
+              <a:schemeClr val="accent1"/>
+            </a:fillRef>
+            <a:effectRef idx="0">
+              <a:schemeClr val="accent1"/>
+            </a:effectRef>
+            <a:fontRef idx="minor">
+              <a:schemeClr val="lt1"/>
+            </a:fontRef>
+          </p:style>
+          <p:txBody>
+            <a:bodyPr rtlCol="0" anchor="ctr"/>
+            <a:lstStyle/>
+            <a:p>
+              <a:pPr algn="ctr"/>
+              <a:endParaRPr lang="en-GB">
+                <a:solidFill>
+                  <a:schemeClr val="tx1"/>
+                </a:solidFill>
+              </a:endParaRPr>
+            </a:p>
+          </p:txBody>
+        </p:sp>
+      </p:grpSp>
+      <p:sp>
+        <p:nvSpPr>
+          <p:cNvPr id="154" name="Rectangle 153">
+            <a:extLst>
+              <a:ext uri="{FF2B5EF4-FFF2-40B4-BE49-F238E27FC236}">
+                <a16:creationId xmlns:a16="http://schemas.microsoft.com/office/drawing/2014/main" id="{F6798C6A-18A6-4B31-8595-3F98E36B2F04}"/>
+              </a:ext>
+            </a:extLst>
+          </p:cNvPr>
+          <p:cNvSpPr/>
+          <p:nvPr/>
+        </p:nvSpPr>
+        <p:spPr>
+          <a:xfrm>
+            <a:off x="676594" y="6471301"/>
+            <a:ext cx="827690" cy="280566"/>
+          </a:xfrm>
+          <a:prstGeom prst="rect">
+            <a:avLst/>
+          </a:prstGeom>
+          <a:ln w="3175"/>
+        </p:spPr>
+        <p:style>
+          <a:lnRef idx="2">
+            <a:schemeClr val="dk1"/>
+          </a:lnRef>
+          <a:fillRef idx="1">
+            <a:schemeClr val="lt1"/>
+          </a:fillRef>
+          <a:effectRef idx="0">
+            <a:schemeClr val="dk1"/>
+          </a:effectRef>
+          <a:fontRef idx="minor">
+            <a:schemeClr val="dk1"/>
+          </a:fontRef>
+        </p:style>
+        <p:txBody>
+          <a:bodyPr rtlCol="0" anchor="ctr"/>
+          <a:lstStyle/>
+          <a:p>
+            <a:pPr algn="ctr"/>
+            <a:r>
+              <a:rPr lang="en-GB" sz="1000" dirty="0"/>
+              <a:t>SP</a:t>
+            </a:r>
+            <a:endParaRPr lang="en-US" sz="1000" dirty="0"/>
+          </a:p>
+        </p:txBody>
+      </p:sp>
+      <p:sp>
+        <p:nvSpPr>
+          <p:cNvPr id="169" name="Arrow: Down 168">
+            <a:extLst>
+              <a:ext uri="{FF2B5EF4-FFF2-40B4-BE49-F238E27FC236}">
+                <a16:creationId xmlns:a16="http://schemas.microsoft.com/office/drawing/2014/main" id="{6B536657-C131-4CD3-A3F7-39B87F6C74D8}"/>
+              </a:ext>
+            </a:extLst>
+          </p:cNvPr>
+          <p:cNvSpPr/>
+          <p:nvPr/>
+        </p:nvSpPr>
+        <p:spPr>
+          <a:xfrm rot="5400000">
+            <a:off x="3361019" y="-1117223"/>
+            <a:ext cx="305584" cy="2769435"/>
+          </a:xfrm>
+          <a:prstGeom prst="downArrow">
+            <a:avLst/>
+          </a:prstGeom>
+          <a:solidFill>
+            <a:srgbClr val="FFFF00"/>
+          </a:solidFill>
+          <a:ln w="3175">
+            <a:noFill/>
+          </a:ln>
+        </p:spPr>
+        <p:style>
+          <a:lnRef idx="2">
+            <a:schemeClr val="dk1"/>
+          </a:lnRef>
+          <a:fillRef idx="1">
+            <a:schemeClr val="lt1"/>
+          </a:fillRef>
+          <a:effectRef idx="0">
+            <a:schemeClr val="dk1"/>
+          </a:effectRef>
+          <a:fontRef idx="minor">
+            <a:schemeClr val="dk1"/>
+          </a:fontRef>
+        </p:style>
+        <p:txBody>
+          <a:bodyPr rtlCol="0" anchor="ctr"/>
+          <a:lstStyle/>
+          <a:p>
+            <a:pPr algn="ctr"/>
+            <a:endParaRPr lang="en-US" sz="1000">
+              <a:solidFill>
+                <a:schemeClr val="tx1"/>
+              </a:solidFill>
+            </a:endParaRPr>
+          </a:p>
+        </p:txBody>
+      </p:sp>
+      <p:pic>
+        <p:nvPicPr>
+          <p:cNvPr id="170" name="Picture 169" descr="Icon&#10;&#10;Description automatically generated">
+            <a:extLst>
+              <a:ext uri="{FF2B5EF4-FFF2-40B4-BE49-F238E27FC236}">
+                <a16:creationId xmlns:a16="http://schemas.microsoft.com/office/drawing/2014/main" id="{39A2A060-8870-4AAB-926A-8FE072B4FD22}"/>
+              </a:ext>
+            </a:extLst>
+          </p:cNvPr>
+          <p:cNvPicPr>
+            <a:picLocks noChangeAspect="1"/>
+          </p:cNvPicPr>
+          <p:nvPr/>
+        </p:nvPicPr>
+        <p:blipFill>
+          <a:blip r:embed="rId2">
+            <a:extLst>
+              <a:ext uri="{28A0092B-C50C-407E-A947-70E740481C1C}">
+                <a14:useLocalDpi xmlns:a14="http://schemas.microsoft.com/office/drawing/2010/main" val="0"/>
+              </a:ext>
+            </a:extLst>
+          </a:blip>
+          <a:stretch>
+            <a:fillRect/>
+          </a:stretch>
+        </p:blipFill>
+        <p:spPr>
+          <a:xfrm rot="16200000">
+            <a:off x="248850" y="1284031"/>
+            <a:ext cx="255077" cy="148300"/>
+          </a:xfrm>
+          <a:prstGeom prst="rect">
+            <a:avLst/>
+          </a:prstGeom>
+        </p:spPr>
+      </p:pic>
+      <p:pic>
+        <p:nvPicPr>
+          <p:cNvPr id="171" name="Picture 170" descr="Icon&#10;&#10;Description automatically generated">
+            <a:extLst>
+              <a:ext uri="{FF2B5EF4-FFF2-40B4-BE49-F238E27FC236}">
+                <a16:creationId xmlns:a16="http://schemas.microsoft.com/office/drawing/2014/main" id="{ED2D80CE-C97B-4FD8-B85D-EAA2B9C60608}"/>
+              </a:ext>
+            </a:extLst>
+          </p:cNvPr>
+          <p:cNvPicPr>
+            <a:picLocks noChangeAspect="1"/>
+          </p:cNvPicPr>
+          <p:nvPr/>
+        </p:nvPicPr>
+        <p:blipFill>
+          <a:blip r:embed="rId2">
+            <a:extLst>
+              <a:ext uri="{28A0092B-C50C-407E-A947-70E740481C1C}">
+                <a14:useLocalDpi xmlns:a14="http://schemas.microsoft.com/office/drawing/2010/main" val="0"/>
+              </a:ext>
+            </a:extLst>
+          </a:blip>
+          <a:stretch>
+            <a:fillRect/>
+          </a:stretch>
+        </p:blipFill>
+        <p:spPr>
+          <a:xfrm rot="16200000">
+            <a:off x="623161" y="1325462"/>
+            <a:ext cx="255077" cy="148300"/>
+          </a:xfrm>
+          <a:prstGeom prst="rect">
+            <a:avLst/>
+          </a:prstGeom>
+        </p:spPr>
+      </p:pic>
+      <p:pic>
+        <p:nvPicPr>
+          <p:cNvPr id="172" name="Picture 171" descr="Icon&#10;&#10;Description automatically generated">
+            <a:extLst>
+              <a:ext uri="{FF2B5EF4-FFF2-40B4-BE49-F238E27FC236}">
+                <a16:creationId xmlns:a16="http://schemas.microsoft.com/office/drawing/2014/main" id="{2861854C-7E99-4EAE-94A6-6B4C6C6AF1DA}"/>
+              </a:ext>
+            </a:extLst>
+          </p:cNvPr>
+          <p:cNvPicPr>
+            <a:picLocks noChangeAspect="1"/>
+          </p:cNvPicPr>
+          <p:nvPr/>
+        </p:nvPicPr>
+        <p:blipFill>
+          <a:blip r:embed="rId2">
+            <a:extLst>
+              <a:ext uri="{28A0092B-C50C-407E-A947-70E740481C1C}">
+                <a14:useLocalDpi xmlns:a14="http://schemas.microsoft.com/office/drawing/2010/main" val="0"/>
+              </a:ext>
+            </a:extLst>
+          </a:blip>
+          <a:stretch>
+            <a:fillRect/>
+          </a:stretch>
+        </p:blipFill>
+        <p:spPr>
+          <a:xfrm rot="16200000">
+            <a:off x="3327240" y="5934947"/>
+            <a:ext cx="255077" cy="148300"/>
+          </a:xfrm>
+          <a:prstGeom prst="rect">
+            <a:avLst/>
+          </a:prstGeom>
+        </p:spPr>
+      </p:pic>
+      <p:pic>
+        <p:nvPicPr>
+          <p:cNvPr id="174" name="Picture 173" descr="Icon&#10;&#10;Description automatically generated">
+            <a:extLst>
+              <a:ext uri="{FF2B5EF4-FFF2-40B4-BE49-F238E27FC236}">
+                <a16:creationId xmlns:a16="http://schemas.microsoft.com/office/drawing/2014/main" id="{A1E0ED92-905D-4FA4-8437-34D091BF3C7F}"/>
+              </a:ext>
+            </a:extLst>
+          </p:cNvPr>
+          <p:cNvPicPr>
+            <a:picLocks noChangeAspect="1"/>
+          </p:cNvPicPr>
+          <p:nvPr/>
+        </p:nvPicPr>
+        <p:blipFill>
+          <a:blip r:embed="rId2">
+            <a:extLst>
+              <a:ext uri="{28A0092B-C50C-407E-A947-70E740481C1C}">
+                <a14:useLocalDpi xmlns:a14="http://schemas.microsoft.com/office/drawing/2010/main" val="0"/>
+              </a:ext>
+            </a:extLst>
+          </a:blip>
+          <a:stretch>
+            <a:fillRect/>
+          </a:stretch>
+        </p:blipFill>
+        <p:spPr>
+          <a:xfrm>
+            <a:off x="2091921" y="193667"/>
+            <a:ext cx="255077" cy="148300"/>
+          </a:xfrm>
+          <a:prstGeom prst="rect">
+            <a:avLst/>
+          </a:prstGeom>
+        </p:spPr>
+      </p:pic>
+      <p:pic>
+        <p:nvPicPr>
+          <p:cNvPr id="175" name="Picture 174" descr="Icon&#10;&#10;Description automatically generated">
+            <a:extLst>
+              <a:ext uri="{FF2B5EF4-FFF2-40B4-BE49-F238E27FC236}">
+                <a16:creationId xmlns:a16="http://schemas.microsoft.com/office/drawing/2014/main" id="{67FBFEEA-0C5D-4848-8176-D36C8A9C3D6B}"/>
+              </a:ext>
+            </a:extLst>
+          </p:cNvPr>
+          <p:cNvPicPr>
+            <a:picLocks noChangeAspect="1"/>
+          </p:cNvPicPr>
+          <p:nvPr/>
+        </p:nvPicPr>
+        <p:blipFill>
+          <a:blip r:embed="rId2">
+            <a:extLst>
+              <a:ext uri="{28A0092B-C50C-407E-A947-70E740481C1C}">
+                <a14:useLocalDpi xmlns:a14="http://schemas.microsoft.com/office/drawing/2010/main" val="0"/>
+              </a:ext>
+            </a:extLst>
+          </a:blip>
+          <a:stretch>
+            <a:fillRect/>
+          </a:stretch>
+        </p:blipFill>
+        <p:spPr>
+          <a:xfrm rot="10800000">
+            <a:off x="3227582" y="2557189"/>
+            <a:ext cx="255077" cy="148300"/>
+          </a:xfrm>
+          <a:prstGeom prst="rect">
+            <a:avLst/>
+          </a:prstGeom>
+        </p:spPr>
+      </p:pic>
+      <p:pic>
+        <p:nvPicPr>
+          <p:cNvPr id="176" name="Picture 175" descr="Icon&#10;&#10;Description automatically generated">
+            <a:extLst>
+              <a:ext uri="{FF2B5EF4-FFF2-40B4-BE49-F238E27FC236}">
+                <a16:creationId xmlns:a16="http://schemas.microsoft.com/office/drawing/2014/main" id="{2DD6F7B4-C441-4EBE-BF70-1BDCBE496954}"/>
+              </a:ext>
+            </a:extLst>
+          </p:cNvPr>
+          <p:cNvPicPr>
+            <a:picLocks noChangeAspect="1"/>
+          </p:cNvPicPr>
+          <p:nvPr/>
+        </p:nvPicPr>
+        <p:blipFill>
+          <a:blip r:embed="rId2">
+            <a:extLst>
+              <a:ext uri="{28A0092B-C50C-407E-A947-70E740481C1C}">
+                <a14:useLocalDpi xmlns:a14="http://schemas.microsoft.com/office/drawing/2010/main" val="0"/>
+              </a:ext>
+            </a:extLst>
+          </a:blip>
+          <a:stretch>
+            <a:fillRect/>
+          </a:stretch>
+        </p:blipFill>
+        <p:spPr>
+          <a:xfrm rot="10800000">
+            <a:off x="3213930" y="2971687"/>
+            <a:ext cx="255077" cy="148300"/>
+          </a:xfrm>
+          <a:prstGeom prst="rect">
+            <a:avLst/>
+          </a:prstGeom>
+        </p:spPr>
+      </p:pic>
+      <p:pic>
+        <p:nvPicPr>
+          <p:cNvPr id="185" name="Picture 184" descr="Icon&#10;&#10;Description automatically generated">
+            <a:extLst>
+              <a:ext uri="{FF2B5EF4-FFF2-40B4-BE49-F238E27FC236}">
+                <a16:creationId xmlns:a16="http://schemas.microsoft.com/office/drawing/2014/main" id="{9AD11FC8-DE9A-4484-BE98-4FB50731E3C5}"/>
+              </a:ext>
+            </a:extLst>
+          </p:cNvPr>
+          <p:cNvPicPr>
+            <a:picLocks noChangeAspect="1"/>
+          </p:cNvPicPr>
+          <p:nvPr/>
+        </p:nvPicPr>
+        <p:blipFill>
+          <a:blip r:embed="rId2">
+            <a:extLst>
+              <a:ext uri="{28A0092B-C50C-407E-A947-70E740481C1C}">
+                <a14:useLocalDpi xmlns:a14="http://schemas.microsoft.com/office/drawing/2010/main" val="0"/>
+              </a:ext>
+            </a:extLst>
+          </a:blip>
+          <a:stretch>
+            <a:fillRect/>
+          </a:stretch>
+        </p:blipFill>
+        <p:spPr>
+          <a:xfrm rot="5400000">
+            <a:off x="4541769" y="4311290"/>
+            <a:ext cx="255077" cy="148300"/>
+          </a:xfrm>
+          <a:prstGeom prst="rect">
+            <a:avLst/>
+          </a:prstGeom>
+        </p:spPr>
+      </p:pic>
+      <p:sp>
+        <p:nvSpPr>
+          <p:cNvPr id="187" name="Rectangle 186">
+            <a:extLst>
+              <a:ext uri="{FF2B5EF4-FFF2-40B4-BE49-F238E27FC236}">
+                <a16:creationId xmlns:a16="http://schemas.microsoft.com/office/drawing/2014/main" id="{40FE5976-3488-467C-8849-274765B0E631}"/>
+              </a:ext>
+            </a:extLst>
+          </p:cNvPr>
+          <p:cNvSpPr/>
+          <p:nvPr/>
+        </p:nvSpPr>
+        <p:spPr>
+          <a:xfrm>
+            <a:off x="9690815" y="5823088"/>
+            <a:ext cx="882154" cy="269402"/>
+          </a:xfrm>
+          <a:prstGeom prst="rect">
+            <a:avLst/>
+          </a:prstGeom>
+          <a:noFill/>
+          <a:ln w="3175">
+            <a:noFill/>
+          </a:ln>
+        </p:spPr>
+        <p:style>
+          <a:lnRef idx="2">
+            <a:schemeClr val="dk1"/>
+          </a:lnRef>
+          <a:fillRef idx="1">
+            <a:schemeClr val="lt1"/>
+          </a:fillRef>
+          <a:effectRef idx="0">
+            <a:schemeClr val="dk1"/>
+          </a:effectRef>
+          <a:fontRef idx="minor">
+            <a:schemeClr val="dk1"/>
+          </a:fontRef>
+        </p:style>
+        <p:txBody>
+          <a:bodyPr rtlCol="0" anchor="ctr"/>
+          <a:lstStyle/>
+          <a:p>
+            <a:pPr algn="ctr"/>
+            <a:r>
+              <a:rPr lang="en-GB" sz="800" dirty="0"/>
+              <a:t>µFlags</a:t>
+            </a:r>
+            <a:endParaRPr lang="en-US" sz="800" dirty="0"/>
+          </a:p>
+        </p:txBody>
+      </p:sp>
+      <p:sp>
+        <p:nvSpPr>
+          <p:cNvPr id="188" name="Rectangle 187">
+            <a:extLst>
+              <a:ext uri="{FF2B5EF4-FFF2-40B4-BE49-F238E27FC236}">
+                <a16:creationId xmlns:a16="http://schemas.microsoft.com/office/drawing/2014/main" id="{CB8AB6B0-9D26-4F5C-A8A2-6AB03FAA00F6}"/>
+              </a:ext>
+            </a:extLst>
+          </p:cNvPr>
+          <p:cNvSpPr/>
+          <p:nvPr/>
+        </p:nvSpPr>
+        <p:spPr>
+          <a:xfrm>
+            <a:off x="5520123" y="2453656"/>
+            <a:ext cx="827690" cy="252248"/>
+          </a:xfrm>
+          <a:prstGeom prst="rect">
+            <a:avLst/>
+          </a:prstGeom>
+          <a:noFill/>
+          <a:ln w="3175">
+            <a:noFill/>
+          </a:ln>
+        </p:spPr>
+        <p:style>
+          <a:lnRef idx="2">
+            <a:schemeClr val="dk1"/>
+          </a:lnRef>
+          <a:fillRef idx="1">
+            <a:schemeClr val="lt1"/>
+          </a:fillRef>
+          <a:effectRef idx="0">
+            <a:schemeClr val="dk1"/>
+          </a:effectRef>
+          <a:fontRef idx="minor">
+            <a:schemeClr val="dk1"/>
+          </a:fontRef>
+        </p:style>
+        <p:txBody>
+          <a:bodyPr rtlCol="0" anchor="ctr"/>
+          <a:lstStyle/>
+          <a:p>
+            <a:pPr algn="ctr"/>
+            <a:r>
+              <a:rPr lang="en-GB" sz="800" dirty="0" err="1"/>
+              <a:t>cDataBus</a:t>
+            </a:r>
+            <a:endParaRPr lang="en-US" sz="800" dirty="0"/>
+          </a:p>
+        </p:txBody>
+      </p:sp>
+      <p:sp>
+        <p:nvSpPr>
+          <p:cNvPr id="189" name="Rectangle 188">
+            <a:extLst>
+              <a:ext uri="{FF2B5EF4-FFF2-40B4-BE49-F238E27FC236}">
+                <a16:creationId xmlns:a16="http://schemas.microsoft.com/office/drawing/2014/main" id="{556200C4-AB3B-4ABD-AEBB-1BC133E03936}"/>
+              </a:ext>
+            </a:extLst>
+          </p:cNvPr>
+          <p:cNvSpPr/>
+          <p:nvPr/>
+        </p:nvSpPr>
+        <p:spPr>
+          <a:xfrm>
+            <a:off x="3197863" y="136904"/>
+            <a:ext cx="827690" cy="252248"/>
+          </a:xfrm>
+          <a:prstGeom prst="rect">
+            <a:avLst/>
+          </a:prstGeom>
+          <a:noFill/>
+          <a:ln w="3175">
+            <a:noFill/>
+          </a:ln>
+        </p:spPr>
+        <p:style>
+          <a:lnRef idx="2">
+            <a:schemeClr val="dk1"/>
+          </a:lnRef>
+          <a:fillRef idx="1">
+            <a:schemeClr val="lt1"/>
+          </a:fillRef>
+          <a:effectRef idx="0">
+            <a:schemeClr val="dk1"/>
+          </a:effectRef>
+          <a:fontRef idx="minor">
+            <a:schemeClr val="dk1"/>
+          </a:fontRef>
+        </p:style>
+        <p:txBody>
+          <a:bodyPr rtlCol="0" anchor="ctr"/>
+          <a:lstStyle/>
+          <a:p>
+            <a:pPr algn="ctr"/>
+            <a:r>
+              <a:rPr lang="en-GB" sz="800" dirty="0" err="1"/>
+              <a:t>xDataBus</a:t>
+            </a:r>
+            <a:endParaRPr lang="en-US" sz="800" dirty="0"/>
+          </a:p>
+        </p:txBody>
+      </p:sp>
+      <p:pic>
+        <p:nvPicPr>
+          <p:cNvPr id="190" name="Picture 189" descr="Icon&#10;&#10;Description automatically generated">
+            <a:extLst>
+              <a:ext uri="{FF2B5EF4-FFF2-40B4-BE49-F238E27FC236}">
+                <a16:creationId xmlns:a16="http://schemas.microsoft.com/office/drawing/2014/main" id="{ECA3CEE3-5E37-46D7-AE3E-3BFBF6C71152}"/>
+              </a:ext>
+            </a:extLst>
+          </p:cNvPr>
+          <p:cNvPicPr>
+            <a:picLocks noChangeAspect="1"/>
+          </p:cNvPicPr>
+          <p:nvPr/>
+        </p:nvPicPr>
+        <p:blipFill>
+          <a:blip r:embed="rId2">
+            <a:extLst>
+              <a:ext uri="{28A0092B-C50C-407E-A947-70E740481C1C}">
+                <a14:useLocalDpi xmlns:a14="http://schemas.microsoft.com/office/drawing/2010/main" val="0"/>
+              </a:ext>
+            </a:extLst>
+          </a:blip>
+          <a:stretch>
+            <a:fillRect/>
+          </a:stretch>
+        </p:blipFill>
+        <p:spPr>
+          <a:xfrm rot="5400000">
+            <a:off x="5747406" y="1946219"/>
+            <a:ext cx="255077" cy="148300"/>
+          </a:xfrm>
+          <a:prstGeom prst="rect">
+            <a:avLst/>
+          </a:prstGeom>
+        </p:spPr>
+      </p:pic>
+      <p:sp>
+        <p:nvSpPr>
+          <p:cNvPr id="191" name="Arrow: Down 190">
+            <a:extLst>
+              <a:ext uri="{FF2B5EF4-FFF2-40B4-BE49-F238E27FC236}">
+                <a16:creationId xmlns:a16="http://schemas.microsoft.com/office/drawing/2014/main" id="{9738A0B8-B51C-4FB4-9BEA-074212F0FCD4}"/>
+              </a:ext>
+            </a:extLst>
+          </p:cNvPr>
+          <p:cNvSpPr/>
+          <p:nvPr/>
+        </p:nvSpPr>
+        <p:spPr>
+          <a:xfrm>
+            <a:off x="4183360" y="2903128"/>
+            <a:ext cx="311468" cy="293850"/>
+          </a:xfrm>
+          <a:prstGeom prst="downArrow">
+            <a:avLst/>
+          </a:prstGeom>
+          <a:solidFill>
+            <a:schemeClr val="accent2">
+              <a:lumMod val="60000"/>
+              <a:lumOff val="40000"/>
+            </a:schemeClr>
+          </a:solidFill>
+          <a:ln w="3175">
+            <a:noFill/>
+          </a:ln>
+        </p:spPr>
+        <p:style>
+          <a:lnRef idx="2">
+            <a:schemeClr val="dk1"/>
+          </a:lnRef>
+          <a:fillRef idx="1">
+            <a:schemeClr val="lt1"/>
+          </a:fillRef>
+          <a:effectRef idx="0">
+            <a:schemeClr val="dk1"/>
+          </a:effectRef>
+          <a:fontRef idx="minor">
+            <a:schemeClr val="dk1"/>
+          </a:fontRef>
+        </p:style>
+        <p:txBody>
+          <a:bodyPr rtlCol="0" anchor="ctr"/>
+          <a:lstStyle/>
+          <a:p>
+            <a:pPr algn="ctr"/>
+            <a:endParaRPr lang="en-US" sz="1000"/>
+          </a:p>
+        </p:txBody>
+      </p:sp>
+      <p:sp>
+        <p:nvSpPr>
+          <p:cNvPr id="194" name="Rectangle 193">
+            <a:extLst>
+              <a:ext uri="{FF2B5EF4-FFF2-40B4-BE49-F238E27FC236}">
+                <a16:creationId xmlns:a16="http://schemas.microsoft.com/office/drawing/2014/main" id="{C9243E5A-9F1E-4E5D-882A-6AA9E9040E4B}"/>
+              </a:ext>
+            </a:extLst>
+          </p:cNvPr>
+          <p:cNvSpPr/>
+          <p:nvPr/>
+        </p:nvSpPr>
+        <p:spPr>
+          <a:xfrm rot="5400000">
+            <a:off x="10491190" y="3991347"/>
+            <a:ext cx="827690" cy="252248"/>
+          </a:xfrm>
+          <a:prstGeom prst="rect">
+            <a:avLst/>
+          </a:prstGeom>
+          <a:noFill/>
+          <a:ln w="3175">
+            <a:noFill/>
+          </a:ln>
+        </p:spPr>
+        <p:style>
+          <a:lnRef idx="2">
+            <a:schemeClr val="dk1"/>
+          </a:lnRef>
+          <a:fillRef idx="1">
+            <a:schemeClr val="lt1"/>
+          </a:fillRef>
+          <a:effectRef idx="0">
+            <a:schemeClr val="dk1"/>
+          </a:effectRef>
+          <a:fontRef idx="minor">
+            <a:schemeClr val="dk1"/>
+          </a:fontRef>
+        </p:style>
+        <p:txBody>
+          <a:bodyPr rtlCol="0" anchor="ctr"/>
+          <a:lstStyle/>
+          <a:p>
+            <a:pPr algn="ctr"/>
+            <a:r>
+              <a:rPr lang="en-GB" sz="800" dirty="0"/>
+              <a:t>MUX</a:t>
+            </a:r>
+            <a:endParaRPr lang="en-US" sz="800" dirty="0"/>
+          </a:p>
+        </p:txBody>
+      </p:sp>
+      <p:sp>
+        <p:nvSpPr>
+          <p:cNvPr id="196" name="TextBox 195">
+            <a:extLst>
+              <a:ext uri="{FF2B5EF4-FFF2-40B4-BE49-F238E27FC236}">
+                <a16:creationId xmlns:a16="http://schemas.microsoft.com/office/drawing/2014/main" id="{40798820-8918-4431-B55A-41505A679537}"/>
               </a:ext>
             </a:extLst>
           </p:cNvPr>
@@ -5023,8 +9047,8 @@
         </p:nvSpPr>
         <p:spPr>
           <a:xfrm>
-            <a:off x="3345574" y="646842"/>
-            <a:ext cx="314072" cy="123111"/>
+            <a:off x="7758420" y="1719032"/>
+            <a:ext cx="469619" cy="92333"/>
           </a:xfrm>
           <a:prstGeom prst="rect">
             <a:avLst/>
@@ -5035,22 +9059,29 @@
           <a:bodyPr wrap="square" lIns="0" tIns="0" rIns="0" bIns="0" rtlCol="0">
             <a:spAutoFit/>
           </a:bodyPr>
-          <a:lstStyle/>
-          <a:p>
-            <a:r>
-              <a:rPr lang="en-GB" sz="800" dirty="0"/>
-              <a:t>LD</a:t>
-            </a:r>
-            <a:endParaRPr lang="en-US" sz="800" dirty="0"/>
-          </a:p>
-        </p:txBody>
-      </p:sp>
-      <p:sp>
-        <p:nvSpPr>
-          <p:cNvPr id="54" name="TextBox 53">
-            <a:extLst>
-              <a:ext uri="{FF2B5EF4-FFF2-40B4-BE49-F238E27FC236}">
-                <a16:creationId xmlns:a16="http://schemas.microsoft.com/office/drawing/2014/main" id="{67554643-6647-42D4-832D-550657C37D9B}"/>
+          <a:lstStyle>
+            <a:defPPr>
+              <a:defRPr lang="en-US"/>
+            </a:defPPr>
+            <a:lvl1pPr>
+              <a:defRPr sz="800"/>
+            </a:lvl1pPr>
+          </a:lstStyle>
+          <a:p>
+            <a:r>
+              <a:rPr lang="en-GB" sz="600" dirty="0"/>
+              <a:t>X-LD-CDATA</a:t>
+            </a:r>
+            <a:endParaRPr lang="en-US" sz="600" dirty="0"/>
+          </a:p>
+        </p:txBody>
+      </p:sp>
+      <p:sp>
+        <p:nvSpPr>
+          <p:cNvPr id="197" name="TextBox 196">
+            <a:extLst>
+              <a:ext uri="{FF2B5EF4-FFF2-40B4-BE49-F238E27FC236}">
+                <a16:creationId xmlns:a16="http://schemas.microsoft.com/office/drawing/2014/main" id="{2171D56B-177D-40DE-8EE2-EE46B36782B3}"/>
               </a:ext>
             </a:extLst>
           </p:cNvPr>
@@ -5059,8 +9090,8 @@
         </p:nvSpPr>
         <p:spPr>
           <a:xfrm>
-            <a:off x="3351771" y="766939"/>
-            <a:ext cx="314072" cy="123111"/>
+            <a:off x="7759442" y="1823189"/>
+            <a:ext cx="624121" cy="92333"/>
           </a:xfrm>
           <a:prstGeom prst="rect">
             <a:avLst/>
@@ -5071,13 +9102,3236 @@
           <a:bodyPr wrap="square" lIns="0" tIns="0" rIns="0" bIns="0" rtlCol="0">
             <a:spAutoFit/>
           </a:bodyPr>
-          <a:lstStyle/>
-          <a:p>
-            <a:r>
-              <a:rPr lang="en-GB" sz="800" dirty="0"/>
-              <a:t>OUT</a:t>
-            </a:r>
-            <a:endParaRPr lang="en-US" sz="800" dirty="0"/>
+          <a:lstStyle>
+            <a:defPPr>
+              <a:defRPr lang="en-US"/>
+            </a:defPPr>
+            <a:lvl1pPr>
+              <a:defRPr sz="800"/>
+            </a:lvl1pPr>
+          </a:lstStyle>
+          <a:p>
+            <a:r>
+              <a:rPr lang="en-GB" sz="600" dirty="0"/>
+              <a:t>X-OUT-CDATA</a:t>
+            </a:r>
+            <a:endParaRPr lang="en-US" sz="600" dirty="0"/>
+          </a:p>
+        </p:txBody>
+      </p:sp>
+      <p:sp>
+        <p:nvSpPr>
+          <p:cNvPr id="198" name="TextBox 197">
+            <a:extLst>
+              <a:ext uri="{FF2B5EF4-FFF2-40B4-BE49-F238E27FC236}">
+                <a16:creationId xmlns:a16="http://schemas.microsoft.com/office/drawing/2014/main" id="{652655F8-7DD3-4B86-81E5-81068612C209}"/>
+              </a:ext>
+            </a:extLst>
+          </p:cNvPr>
+          <p:cNvSpPr txBox="1"/>
+          <p:nvPr/>
+        </p:nvSpPr>
+        <p:spPr>
+          <a:xfrm>
+            <a:off x="6525774" y="1683965"/>
+            <a:ext cx="469619" cy="92333"/>
+          </a:xfrm>
+          <a:prstGeom prst="rect">
+            <a:avLst/>
+          </a:prstGeom>
+          <a:noFill/>
+        </p:spPr>
+        <p:txBody>
+          <a:bodyPr wrap="square" lIns="0" tIns="0" rIns="0" bIns="0" rtlCol="0">
+            <a:spAutoFit/>
+          </a:bodyPr>
+          <a:lstStyle>
+            <a:defPPr>
+              <a:defRPr lang="en-US"/>
+            </a:defPPr>
+            <a:lvl1pPr>
+              <a:defRPr sz="800"/>
+            </a:lvl1pPr>
+          </a:lstStyle>
+          <a:p>
+            <a:r>
+              <a:rPr lang="en-GB" sz="600" dirty="0"/>
+              <a:t>A-LD-CDATA</a:t>
+            </a:r>
+            <a:endParaRPr lang="en-US" sz="600" dirty="0"/>
+          </a:p>
+        </p:txBody>
+      </p:sp>
+      <p:sp>
+        <p:nvSpPr>
+          <p:cNvPr id="199" name="TextBox 198">
+            <a:extLst>
+              <a:ext uri="{FF2B5EF4-FFF2-40B4-BE49-F238E27FC236}">
+                <a16:creationId xmlns:a16="http://schemas.microsoft.com/office/drawing/2014/main" id="{880B3657-42D9-4569-9F52-1C60B298FF3B}"/>
+              </a:ext>
+            </a:extLst>
+          </p:cNvPr>
+          <p:cNvSpPr txBox="1"/>
+          <p:nvPr/>
+        </p:nvSpPr>
+        <p:spPr>
+          <a:xfrm>
+            <a:off x="6518643" y="1786314"/>
+            <a:ext cx="624121" cy="92333"/>
+          </a:xfrm>
+          <a:prstGeom prst="rect">
+            <a:avLst/>
+          </a:prstGeom>
+          <a:noFill/>
+        </p:spPr>
+        <p:txBody>
+          <a:bodyPr wrap="square" lIns="0" tIns="0" rIns="0" bIns="0" rtlCol="0">
+            <a:spAutoFit/>
+          </a:bodyPr>
+          <a:lstStyle>
+            <a:defPPr>
+              <a:defRPr lang="en-US"/>
+            </a:defPPr>
+            <a:lvl1pPr>
+              <a:defRPr sz="800"/>
+            </a:lvl1pPr>
+          </a:lstStyle>
+          <a:p>
+            <a:r>
+              <a:rPr lang="en-GB" sz="600" dirty="0"/>
+              <a:t>A-OUT-CDATA</a:t>
+            </a:r>
+            <a:endParaRPr lang="en-US" sz="600" dirty="0"/>
+          </a:p>
+        </p:txBody>
+      </p:sp>
+      <p:sp>
+        <p:nvSpPr>
+          <p:cNvPr id="200" name="TextBox 199">
+            <a:extLst>
+              <a:ext uri="{FF2B5EF4-FFF2-40B4-BE49-F238E27FC236}">
+                <a16:creationId xmlns:a16="http://schemas.microsoft.com/office/drawing/2014/main" id="{ECD8B77A-A5A1-4326-AD2E-B8DBCAB282EF}"/>
+              </a:ext>
+            </a:extLst>
+          </p:cNvPr>
+          <p:cNvSpPr txBox="1"/>
+          <p:nvPr/>
+        </p:nvSpPr>
+        <p:spPr>
+          <a:xfrm>
+            <a:off x="6521222" y="1869058"/>
+            <a:ext cx="624121" cy="92333"/>
+          </a:xfrm>
+          <a:prstGeom prst="rect">
+            <a:avLst/>
+          </a:prstGeom>
+          <a:noFill/>
+        </p:spPr>
+        <p:txBody>
+          <a:bodyPr wrap="square" lIns="0" tIns="0" rIns="0" bIns="0" rtlCol="0">
+            <a:spAutoFit/>
+          </a:bodyPr>
+          <a:lstStyle>
+            <a:defPPr>
+              <a:defRPr lang="en-US"/>
+            </a:defPPr>
+            <a:lvl1pPr>
+              <a:defRPr sz="800"/>
+            </a:lvl1pPr>
+          </a:lstStyle>
+          <a:p>
+            <a:r>
+              <a:rPr lang="en-GB" sz="600" dirty="0"/>
+              <a:t>A-OUT-ALU-L</a:t>
+            </a:r>
+            <a:endParaRPr lang="en-US" sz="600" dirty="0"/>
+          </a:p>
+        </p:txBody>
+      </p:sp>
+      <p:sp>
+        <p:nvSpPr>
+          <p:cNvPr id="201" name="TextBox 200">
+            <a:extLst>
+              <a:ext uri="{FF2B5EF4-FFF2-40B4-BE49-F238E27FC236}">
+                <a16:creationId xmlns:a16="http://schemas.microsoft.com/office/drawing/2014/main" id="{D5F16272-F1C1-4767-BF52-1CB276D613F8}"/>
+              </a:ext>
+            </a:extLst>
+          </p:cNvPr>
+          <p:cNvSpPr txBox="1"/>
+          <p:nvPr/>
+        </p:nvSpPr>
+        <p:spPr>
+          <a:xfrm>
+            <a:off x="3842253" y="1757238"/>
+            <a:ext cx="562015" cy="92333"/>
+          </a:xfrm>
+          <a:prstGeom prst="rect">
+            <a:avLst/>
+          </a:prstGeom>
+          <a:noFill/>
+        </p:spPr>
+        <p:txBody>
+          <a:bodyPr wrap="square" lIns="0" tIns="0" rIns="0" bIns="0" rtlCol="0">
+            <a:spAutoFit/>
+          </a:bodyPr>
+          <a:lstStyle>
+            <a:defPPr>
+              <a:defRPr lang="en-US"/>
+            </a:defPPr>
+            <a:lvl1pPr>
+              <a:defRPr sz="600"/>
+            </a:lvl1pPr>
+          </a:lstStyle>
+          <a:p>
+            <a:r>
+              <a:rPr lang="en-GB" dirty="0"/>
+              <a:t>MBR-OUT-XDATA</a:t>
+            </a:r>
+            <a:endParaRPr lang="en-US" dirty="0"/>
+          </a:p>
+        </p:txBody>
+      </p:sp>
+      <p:sp>
+        <p:nvSpPr>
+          <p:cNvPr id="202" name="TextBox 201">
+            <a:extLst>
+              <a:ext uri="{FF2B5EF4-FFF2-40B4-BE49-F238E27FC236}">
+                <a16:creationId xmlns:a16="http://schemas.microsoft.com/office/drawing/2014/main" id="{FDE23E49-2F9C-4841-9872-864B2B77B69E}"/>
+              </a:ext>
+            </a:extLst>
+          </p:cNvPr>
+          <p:cNvSpPr txBox="1"/>
+          <p:nvPr/>
+        </p:nvSpPr>
+        <p:spPr>
+          <a:xfrm>
+            <a:off x="3838418" y="1669160"/>
+            <a:ext cx="562015" cy="92333"/>
+          </a:xfrm>
+          <a:prstGeom prst="rect">
+            <a:avLst/>
+          </a:prstGeom>
+          <a:noFill/>
+        </p:spPr>
+        <p:txBody>
+          <a:bodyPr wrap="square" lIns="0" tIns="0" rIns="0" bIns="0" rtlCol="0">
+            <a:spAutoFit/>
+          </a:bodyPr>
+          <a:lstStyle>
+            <a:defPPr>
+              <a:defRPr lang="en-US"/>
+            </a:defPPr>
+            <a:lvl1pPr>
+              <a:defRPr sz="600"/>
+            </a:lvl1pPr>
+          </a:lstStyle>
+          <a:p>
+            <a:r>
+              <a:rPr lang="en-GB" dirty="0"/>
+              <a:t>MBR-LD-XDATA</a:t>
+            </a:r>
+            <a:endParaRPr lang="en-US" dirty="0"/>
+          </a:p>
+        </p:txBody>
+      </p:sp>
+      <p:sp>
+        <p:nvSpPr>
+          <p:cNvPr id="203" name="TextBox 202">
+            <a:extLst>
+              <a:ext uri="{FF2B5EF4-FFF2-40B4-BE49-F238E27FC236}">
+                <a16:creationId xmlns:a16="http://schemas.microsoft.com/office/drawing/2014/main" id="{24337F05-76FC-45F3-A040-4CB379BB62D2}"/>
+              </a:ext>
+            </a:extLst>
+          </p:cNvPr>
+          <p:cNvSpPr txBox="1"/>
+          <p:nvPr/>
+        </p:nvSpPr>
+        <p:spPr>
+          <a:xfrm>
+            <a:off x="3851810" y="1918579"/>
+            <a:ext cx="562015" cy="92333"/>
+          </a:xfrm>
+          <a:prstGeom prst="rect">
+            <a:avLst/>
+          </a:prstGeom>
+          <a:noFill/>
+        </p:spPr>
+        <p:txBody>
+          <a:bodyPr wrap="square" lIns="0" tIns="0" rIns="0" bIns="0" rtlCol="0">
+            <a:spAutoFit/>
+          </a:bodyPr>
+          <a:lstStyle>
+            <a:defPPr>
+              <a:defRPr lang="en-US"/>
+            </a:defPPr>
+            <a:lvl1pPr>
+              <a:defRPr sz="600"/>
+            </a:lvl1pPr>
+          </a:lstStyle>
+          <a:p>
+            <a:r>
+              <a:rPr lang="en-GB" dirty="0"/>
+              <a:t>MBR-OUT-CDATA</a:t>
+            </a:r>
+            <a:endParaRPr lang="en-US" dirty="0"/>
+          </a:p>
+        </p:txBody>
+      </p:sp>
+      <p:sp>
+        <p:nvSpPr>
+          <p:cNvPr id="204" name="TextBox 203">
+            <a:extLst>
+              <a:ext uri="{FF2B5EF4-FFF2-40B4-BE49-F238E27FC236}">
+                <a16:creationId xmlns:a16="http://schemas.microsoft.com/office/drawing/2014/main" id="{0F0F7664-8DCE-4838-9A7C-F90D2A75907B}"/>
+              </a:ext>
+            </a:extLst>
+          </p:cNvPr>
+          <p:cNvSpPr txBox="1"/>
+          <p:nvPr/>
+        </p:nvSpPr>
+        <p:spPr>
+          <a:xfrm>
+            <a:off x="3844133" y="1835056"/>
+            <a:ext cx="562015" cy="92333"/>
+          </a:xfrm>
+          <a:prstGeom prst="rect">
+            <a:avLst/>
+          </a:prstGeom>
+          <a:noFill/>
+        </p:spPr>
+        <p:txBody>
+          <a:bodyPr wrap="square" lIns="0" tIns="0" rIns="0" bIns="0" rtlCol="0">
+            <a:spAutoFit/>
+          </a:bodyPr>
+          <a:lstStyle>
+            <a:defPPr>
+              <a:defRPr lang="en-US"/>
+            </a:defPPr>
+            <a:lvl1pPr>
+              <a:defRPr sz="600"/>
+            </a:lvl1pPr>
+          </a:lstStyle>
+          <a:p>
+            <a:r>
+              <a:rPr lang="en-GB" dirty="0"/>
+              <a:t>MBR-LD-CDATA</a:t>
+            </a:r>
+            <a:endParaRPr lang="en-US" dirty="0"/>
+          </a:p>
+        </p:txBody>
+      </p:sp>
+      <p:sp>
+        <p:nvSpPr>
+          <p:cNvPr id="207" name="TextBox 206">
+            <a:extLst>
+              <a:ext uri="{FF2B5EF4-FFF2-40B4-BE49-F238E27FC236}">
+                <a16:creationId xmlns:a16="http://schemas.microsoft.com/office/drawing/2014/main" id="{0A3F3070-E982-449A-88E8-DED0946BD359}"/>
+              </a:ext>
+            </a:extLst>
+          </p:cNvPr>
+          <p:cNvSpPr txBox="1"/>
+          <p:nvPr/>
+        </p:nvSpPr>
+        <p:spPr>
+          <a:xfrm>
+            <a:off x="708103" y="190568"/>
+            <a:ext cx="562015" cy="92333"/>
+          </a:xfrm>
+          <a:prstGeom prst="rect">
+            <a:avLst/>
+          </a:prstGeom>
+          <a:noFill/>
+        </p:spPr>
+        <p:txBody>
+          <a:bodyPr wrap="square" lIns="0" tIns="0" rIns="0" bIns="0" rtlCol="0">
+            <a:spAutoFit/>
+          </a:bodyPr>
+          <a:lstStyle>
+            <a:defPPr>
+              <a:defRPr lang="en-US"/>
+            </a:defPPr>
+            <a:lvl1pPr>
+              <a:defRPr sz="600"/>
+            </a:lvl1pPr>
+          </a:lstStyle>
+          <a:p>
+            <a:r>
+              <a:rPr lang="en-GB" dirty="0"/>
+              <a:t>RAM-LD-XADATA</a:t>
+            </a:r>
+            <a:endParaRPr lang="en-US" dirty="0"/>
+          </a:p>
+        </p:txBody>
+      </p:sp>
+      <p:sp>
+        <p:nvSpPr>
+          <p:cNvPr id="208" name="TextBox 207">
+            <a:extLst>
+              <a:ext uri="{FF2B5EF4-FFF2-40B4-BE49-F238E27FC236}">
+                <a16:creationId xmlns:a16="http://schemas.microsoft.com/office/drawing/2014/main" id="{D46B8976-232B-4111-A4E9-BB866B79D673}"/>
+              </a:ext>
+            </a:extLst>
+          </p:cNvPr>
+          <p:cNvSpPr txBox="1"/>
+          <p:nvPr/>
+        </p:nvSpPr>
+        <p:spPr>
+          <a:xfrm>
+            <a:off x="708103" y="297023"/>
+            <a:ext cx="605579" cy="92333"/>
+          </a:xfrm>
+          <a:prstGeom prst="rect">
+            <a:avLst/>
+          </a:prstGeom>
+          <a:noFill/>
+        </p:spPr>
+        <p:txBody>
+          <a:bodyPr wrap="square" lIns="0" tIns="0" rIns="0" bIns="0" rtlCol="0">
+            <a:spAutoFit/>
+          </a:bodyPr>
+          <a:lstStyle>
+            <a:defPPr>
+              <a:defRPr lang="en-US"/>
+            </a:defPPr>
+            <a:lvl1pPr>
+              <a:defRPr sz="600"/>
+            </a:lvl1pPr>
+          </a:lstStyle>
+          <a:p>
+            <a:r>
+              <a:rPr lang="en-GB" dirty="0"/>
+              <a:t>RAM-OUT-XADATA</a:t>
+            </a:r>
+            <a:endParaRPr lang="en-US" dirty="0"/>
+          </a:p>
+        </p:txBody>
+      </p:sp>
+      <p:sp>
+        <p:nvSpPr>
+          <p:cNvPr id="209" name="TextBox 208">
+            <a:extLst>
+              <a:ext uri="{FF2B5EF4-FFF2-40B4-BE49-F238E27FC236}">
+                <a16:creationId xmlns:a16="http://schemas.microsoft.com/office/drawing/2014/main" id="{3B45AFA3-B3E8-41F7-9C6C-AAF2ED71FAE4}"/>
+              </a:ext>
+            </a:extLst>
+          </p:cNvPr>
+          <p:cNvSpPr txBox="1"/>
+          <p:nvPr/>
+        </p:nvSpPr>
+        <p:spPr>
+          <a:xfrm>
+            <a:off x="1482133" y="1712426"/>
+            <a:ext cx="655828" cy="92333"/>
+          </a:xfrm>
+          <a:prstGeom prst="rect">
+            <a:avLst/>
+          </a:prstGeom>
+          <a:noFill/>
+        </p:spPr>
+        <p:txBody>
+          <a:bodyPr wrap="square" lIns="0" tIns="0" rIns="0" bIns="0" rtlCol="0">
+            <a:spAutoFit/>
+          </a:bodyPr>
+          <a:lstStyle>
+            <a:defPPr>
+              <a:defRPr lang="en-US"/>
+            </a:defPPr>
+            <a:lvl1pPr>
+              <a:defRPr sz="600"/>
+            </a:lvl1pPr>
+          </a:lstStyle>
+          <a:p>
+            <a:r>
+              <a:rPr lang="en-GB" dirty="0"/>
+              <a:t>MAR-L-OUT-XADDR</a:t>
+            </a:r>
+            <a:endParaRPr lang="en-US" dirty="0"/>
+          </a:p>
+        </p:txBody>
+      </p:sp>
+      <p:sp>
+        <p:nvSpPr>
+          <p:cNvPr id="210" name="TextBox 209">
+            <a:extLst>
+              <a:ext uri="{FF2B5EF4-FFF2-40B4-BE49-F238E27FC236}">
+                <a16:creationId xmlns:a16="http://schemas.microsoft.com/office/drawing/2014/main" id="{CF66C7F6-3BE1-46FC-994C-BC329E3AD06C}"/>
+              </a:ext>
+            </a:extLst>
+          </p:cNvPr>
+          <p:cNvSpPr txBox="1"/>
+          <p:nvPr/>
+        </p:nvSpPr>
+        <p:spPr>
+          <a:xfrm>
+            <a:off x="1490538" y="1810290"/>
+            <a:ext cx="655828" cy="92333"/>
+          </a:xfrm>
+          <a:prstGeom prst="rect">
+            <a:avLst/>
+          </a:prstGeom>
+          <a:noFill/>
+        </p:spPr>
+        <p:txBody>
+          <a:bodyPr wrap="square" lIns="0" tIns="0" rIns="0" bIns="0" rtlCol="0">
+            <a:spAutoFit/>
+          </a:bodyPr>
+          <a:lstStyle>
+            <a:defPPr>
+              <a:defRPr lang="en-US"/>
+            </a:defPPr>
+            <a:lvl1pPr>
+              <a:defRPr sz="600"/>
+            </a:lvl1pPr>
+          </a:lstStyle>
+          <a:p>
+            <a:r>
+              <a:rPr lang="en-GB" dirty="0"/>
+              <a:t>MAR-L-LD-CADDR-L</a:t>
+            </a:r>
+            <a:endParaRPr lang="en-US" dirty="0"/>
+          </a:p>
+        </p:txBody>
+      </p:sp>
+      <p:sp>
+        <p:nvSpPr>
+          <p:cNvPr id="212" name="TextBox 211">
+            <a:extLst>
+              <a:ext uri="{FF2B5EF4-FFF2-40B4-BE49-F238E27FC236}">
+                <a16:creationId xmlns:a16="http://schemas.microsoft.com/office/drawing/2014/main" id="{3AFDB66E-902E-489A-BA68-65FBF83D0CA9}"/>
+              </a:ext>
+            </a:extLst>
+          </p:cNvPr>
+          <p:cNvSpPr txBox="1"/>
+          <p:nvPr/>
+        </p:nvSpPr>
+        <p:spPr>
+          <a:xfrm>
+            <a:off x="24185" y="1722578"/>
+            <a:ext cx="655828" cy="92333"/>
+          </a:xfrm>
+          <a:prstGeom prst="rect">
+            <a:avLst/>
+          </a:prstGeom>
+          <a:noFill/>
+        </p:spPr>
+        <p:txBody>
+          <a:bodyPr wrap="square" lIns="0" tIns="0" rIns="0" bIns="0" rtlCol="0">
+            <a:spAutoFit/>
+          </a:bodyPr>
+          <a:lstStyle>
+            <a:defPPr>
+              <a:defRPr lang="en-US"/>
+            </a:defPPr>
+            <a:lvl1pPr>
+              <a:defRPr sz="600"/>
+            </a:lvl1pPr>
+          </a:lstStyle>
+          <a:p>
+            <a:r>
+              <a:rPr lang="en-GB" dirty="0"/>
+              <a:t>MAR-H-OUT-XADDR</a:t>
+            </a:r>
+            <a:endParaRPr lang="en-US" dirty="0"/>
+          </a:p>
+        </p:txBody>
+      </p:sp>
+      <p:sp>
+        <p:nvSpPr>
+          <p:cNvPr id="213" name="TextBox 212">
+            <a:extLst>
+              <a:ext uri="{FF2B5EF4-FFF2-40B4-BE49-F238E27FC236}">
+                <a16:creationId xmlns:a16="http://schemas.microsoft.com/office/drawing/2014/main" id="{51CF2CBF-C5AE-49D3-A1DD-9DF3C29DCB63}"/>
+              </a:ext>
+            </a:extLst>
+          </p:cNvPr>
+          <p:cNvSpPr txBox="1"/>
+          <p:nvPr/>
+        </p:nvSpPr>
+        <p:spPr>
+          <a:xfrm>
+            <a:off x="24185" y="1826246"/>
+            <a:ext cx="655828" cy="92333"/>
+          </a:xfrm>
+          <a:prstGeom prst="rect">
+            <a:avLst/>
+          </a:prstGeom>
+          <a:noFill/>
+        </p:spPr>
+        <p:txBody>
+          <a:bodyPr wrap="square" lIns="0" tIns="0" rIns="0" bIns="0" rtlCol="0">
+            <a:spAutoFit/>
+          </a:bodyPr>
+          <a:lstStyle>
+            <a:defPPr>
+              <a:defRPr lang="en-US"/>
+            </a:defPPr>
+            <a:lvl1pPr>
+              <a:defRPr sz="600"/>
+            </a:lvl1pPr>
+          </a:lstStyle>
+          <a:p>
+            <a:r>
+              <a:rPr lang="en-GB" dirty="0"/>
+              <a:t>MAR-H-LD-CADDR-H</a:t>
+            </a:r>
+            <a:endParaRPr lang="en-US" dirty="0"/>
+          </a:p>
+        </p:txBody>
+      </p:sp>
+      <p:sp>
+        <p:nvSpPr>
+          <p:cNvPr id="214" name="TextBox 213">
+            <a:extLst>
+              <a:ext uri="{FF2B5EF4-FFF2-40B4-BE49-F238E27FC236}">
+                <a16:creationId xmlns:a16="http://schemas.microsoft.com/office/drawing/2014/main" id="{765A3244-30B3-4D4D-B8E2-1DAC5C98C2FF}"/>
+              </a:ext>
+            </a:extLst>
+          </p:cNvPr>
+          <p:cNvSpPr txBox="1"/>
+          <p:nvPr/>
+        </p:nvSpPr>
+        <p:spPr>
+          <a:xfrm>
+            <a:off x="4470007" y="6491271"/>
+            <a:ext cx="655828" cy="92333"/>
+          </a:xfrm>
+          <a:prstGeom prst="rect">
+            <a:avLst/>
+          </a:prstGeom>
+          <a:noFill/>
+        </p:spPr>
+        <p:txBody>
+          <a:bodyPr wrap="square" lIns="0" tIns="0" rIns="0" bIns="0" rtlCol="0">
+            <a:spAutoFit/>
+          </a:bodyPr>
+          <a:lstStyle>
+            <a:defPPr>
+              <a:defRPr lang="en-US"/>
+            </a:defPPr>
+            <a:lvl1pPr>
+              <a:defRPr sz="600"/>
+            </a:lvl1pPr>
+          </a:lstStyle>
+          <a:p>
+            <a:r>
+              <a:rPr lang="en-GB" dirty="0"/>
+              <a:t>PC-H-OUT-CADDR-H</a:t>
+            </a:r>
+            <a:endParaRPr lang="en-US" dirty="0"/>
+          </a:p>
+        </p:txBody>
+      </p:sp>
+      <p:sp>
+        <p:nvSpPr>
+          <p:cNvPr id="215" name="TextBox 214">
+            <a:extLst>
+              <a:ext uri="{FF2B5EF4-FFF2-40B4-BE49-F238E27FC236}">
+                <a16:creationId xmlns:a16="http://schemas.microsoft.com/office/drawing/2014/main" id="{95749137-C4AA-49EE-9E0D-6D4DF21D7460}"/>
+              </a:ext>
+            </a:extLst>
+          </p:cNvPr>
+          <p:cNvSpPr txBox="1"/>
+          <p:nvPr/>
+        </p:nvSpPr>
+        <p:spPr>
+          <a:xfrm>
+            <a:off x="3380628" y="6827773"/>
+            <a:ext cx="655828" cy="92333"/>
+          </a:xfrm>
+          <a:prstGeom prst="rect">
+            <a:avLst/>
+          </a:prstGeom>
+          <a:noFill/>
+        </p:spPr>
+        <p:txBody>
+          <a:bodyPr wrap="square" lIns="0" tIns="0" rIns="0" bIns="0" rtlCol="0">
+            <a:spAutoFit/>
+          </a:bodyPr>
+          <a:lstStyle>
+            <a:defPPr>
+              <a:defRPr lang="en-US"/>
+            </a:defPPr>
+            <a:lvl1pPr>
+              <a:defRPr sz="600"/>
+            </a:lvl1pPr>
+          </a:lstStyle>
+          <a:p>
+            <a:r>
+              <a:rPr lang="en-GB" dirty="0"/>
+              <a:t>PC-L-OUT-CADDR-L</a:t>
+            </a:r>
+            <a:endParaRPr lang="en-US" dirty="0"/>
+          </a:p>
+        </p:txBody>
+      </p:sp>
+      <p:sp>
+        <p:nvSpPr>
+          <p:cNvPr id="216" name="TextBox 215">
+            <a:extLst>
+              <a:ext uri="{FF2B5EF4-FFF2-40B4-BE49-F238E27FC236}">
+                <a16:creationId xmlns:a16="http://schemas.microsoft.com/office/drawing/2014/main" id="{1D98765E-B38D-4472-BA69-3CB7B8635044}"/>
+              </a:ext>
+            </a:extLst>
+          </p:cNvPr>
+          <p:cNvSpPr txBox="1"/>
+          <p:nvPr/>
+        </p:nvSpPr>
+        <p:spPr>
+          <a:xfrm>
+            <a:off x="2969818" y="6701311"/>
+            <a:ext cx="655828" cy="92333"/>
+          </a:xfrm>
+          <a:prstGeom prst="rect">
+            <a:avLst/>
+          </a:prstGeom>
+          <a:noFill/>
+        </p:spPr>
+        <p:txBody>
+          <a:bodyPr wrap="square" lIns="0" tIns="0" rIns="0" bIns="0" rtlCol="0">
+            <a:spAutoFit/>
+          </a:bodyPr>
+          <a:lstStyle>
+            <a:defPPr>
+              <a:defRPr lang="en-US"/>
+            </a:defPPr>
+            <a:lvl1pPr>
+              <a:defRPr sz="600"/>
+            </a:lvl1pPr>
+          </a:lstStyle>
+          <a:p>
+            <a:r>
+              <a:rPr lang="en-GB" dirty="0"/>
+              <a:t>PC-L-INC</a:t>
+            </a:r>
+            <a:endParaRPr lang="en-US" dirty="0"/>
+          </a:p>
+        </p:txBody>
+      </p:sp>
+      <p:sp>
+        <p:nvSpPr>
+          <p:cNvPr id="217" name="TextBox 216">
+            <a:extLst>
+              <a:ext uri="{FF2B5EF4-FFF2-40B4-BE49-F238E27FC236}">
+                <a16:creationId xmlns:a16="http://schemas.microsoft.com/office/drawing/2014/main" id="{6BFDF778-479D-4BBE-B70B-871F3F4EB901}"/>
+              </a:ext>
+            </a:extLst>
+          </p:cNvPr>
+          <p:cNvSpPr txBox="1"/>
+          <p:nvPr/>
+        </p:nvSpPr>
+        <p:spPr>
+          <a:xfrm>
+            <a:off x="3984353" y="3641321"/>
+            <a:ext cx="333134" cy="92333"/>
+          </a:xfrm>
+          <a:prstGeom prst="rect">
+            <a:avLst/>
+          </a:prstGeom>
+          <a:noFill/>
+        </p:spPr>
+        <p:txBody>
+          <a:bodyPr wrap="square" lIns="0" tIns="0" rIns="0" bIns="0" rtlCol="0">
+            <a:spAutoFit/>
+          </a:bodyPr>
+          <a:lstStyle>
+            <a:defPPr>
+              <a:defRPr lang="en-US"/>
+            </a:defPPr>
+            <a:lvl1pPr>
+              <a:defRPr sz="600"/>
+            </a:lvl1pPr>
+          </a:lstStyle>
+          <a:p>
+            <a:r>
+              <a:rPr lang="en-GB" dirty="0"/>
+              <a:t>ALU-OP</a:t>
+            </a:r>
+            <a:endParaRPr lang="en-US" dirty="0"/>
+          </a:p>
+        </p:txBody>
+      </p:sp>
+      <p:sp>
+        <p:nvSpPr>
+          <p:cNvPr id="220" name="TextBox 219">
+            <a:extLst>
+              <a:ext uri="{FF2B5EF4-FFF2-40B4-BE49-F238E27FC236}">
+                <a16:creationId xmlns:a16="http://schemas.microsoft.com/office/drawing/2014/main" id="{C9C0D999-B156-49BC-B353-11226B9C1D63}"/>
+              </a:ext>
+            </a:extLst>
+          </p:cNvPr>
+          <p:cNvSpPr txBox="1"/>
+          <p:nvPr/>
+        </p:nvSpPr>
+        <p:spPr>
+          <a:xfrm>
+            <a:off x="4788836" y="4347791"/>
+            <a:ext cx="655828" cy="92333"/>
+          </a:xfrm>
+          <a:prstGeom prst="rect">
+            <a:avLst/>
+          </a:prstGeom>
+          <a:noFill/>
+        </p:spPr>
+        <p:txBody>
+          <a:bodyPr wrap="square" lIns="0" tIns="0" rIns="0" bIns="0" rtlCol="0">
+            <a:spAutoFit/>
+          </a:bodyPr>
+          <a:lstStyle>
+            <a:defPPr>
+              <a:defRPr lang="en-US"/>
+            </a:defPPr>
+            <a:lvl1pPr>
+              <a:defRPr sz="600"/>
+            </a:lvl1pPr>
+          </a:lstStyle>
+          <a:p>
+            <a:r>
+              <a:rPr lang="en-GB" dirty="0"/>
+              <a:t>ALU-OUT</a:t>
+            </a:r>
+            <a:endParaRPr lang="en-US" dirty="0"/>
+          </a:p>
+        </p:txBody>
+      </p:sp>
+      <p:sp>
+        <p:nvSpPr>
+          <p:cNvPr id="221" name="TextBox 220">
+            <a:extLst>
+              <a:ext uri="{FF2B5EF4-FFF2-40B4-BE49-F238E27FC236}">
+                <a16:creationId xmlns:a16="http://schemas.microsoft.com/office/drawing/2014/main" id="{0F0A0FB9-CE85-4EEC-9333-A290055E0BE8}"/>
+              </a:ext>
+            </a:extLst>
+          </p:cNvPr>
+          <p:cNvSpPr txBox="1"/>
+          <p:nvPr/>
+        </p:nvSpPr>
+        <p:spPr>
+          <a:xfrm>
+            <a:off x="6147840" y="5224836"/>
+            <a:ext cx="655828" cy="92333"/>
+          </a:xfrm>
+          <a:prstGeom prst="rect">
+            <a:avLst/>
+          </a:prstGeom>
+          <a:noFill/>
+        </p:spPr>
+        <p:txBody>
+          <a:bodyPr wrap="square" lIns="0" tIns="0" rIns="0" bIns="0" rtlCol="0">
+            <a:spAutoFit/>
+          </a:bodyPr>
+          <a:lstStyle>
+            <a:defPPr>
+              <a:defRPr lang="en-US"/>
+            </a:defPPr>
+            <a:lvl1pPr>
+              <a:defRPr sz="600"/>
+            </a:lvl1pPr>
+          </a:lstStyle>
+          <a:p>
+            <a:r>
+              <a:rPr lang="en-GB" dirty="0"/>
+              <a:t>P-LD</a:t>
+            </a:r>
+            <a:endParaRPr lang="en-US" dirty="0"/>
+          </a:p>
+        </p:txBody>
+      </p:sp>
+      <p:sp>
+        <p:nvSpPr>
+          <p:cNvPr id="223" name="TextBox 222">
+            <a:extLst>
+              <a:ext uri="{FF2B5EF4-FFF2-40B4-BE49-F238E27FC236}">
+                <a16:creationId xmlns:a16="http://schemas.microsoft.com/office/drawing/2014/main" id="{8432897F-077A-431E-AC3B-5D44EF48D8F2}"/>
+              </a:ext>
+            </a:extLst>
+          </p:cNvPr>
+          <p:cNvSpPr txBox="1"/>
+          <p:nvPr/>
+        </p:nvSpPr>
+        <p:spPr>
+          <a:xfrm>
+            <a:off x="7318842" y="5110616"/>
+            <a:ext cx="655828" cy="92333"/>
+          </a:xfrm>
+          <a:prstGeom prst="rect">
+            <a:avLst/>
+          </a:prstGeom>
+          <a:noFill/>
+        </p:spPr>
+        <p:txBody>
+          <a:bodyPr wrap="square" lIns="0" tIns="0" rIns="0" bIns="0" rtlCol="0">
+            <a:spAutoFit/>
+          </a:bodyPr>
+          <a:lstStyle>
+            <a:defPPr>
+              <a:defRPr lang="en-US"/>
+            </a:defPPr>
+            <a:lvl1pPr>
+              <a:defRPr sz="600"/>
+            </a:lvl1pPr>
+          </a:lstStyle>
+          <a:p>
+            <a:r>
+              <a:rPr lang="en-GB" dirty="0"/>
+              <a:t>CAR-T-LD</a:t>
+            </a:r>
+            <a:endParaRPr lang="en-US" dirty="0"/>
+          </a:p>
+        </p:txBody>
+      </p:sp>
+      <p:sp>
+        <p:nvSpPr>
+          <p:cNvPr id="224" name="TextBox 223">
+            <a:extLst>
+              <a:ext uri="{FF2B5EF4-FFF2-40B4-BE49-F238E27FC236}">
+                <a16:creationId xmlns:a16="http://schemas.microsoft.com/office/drawing/2014/main" id="{B4FE55DD-625A-42CF-A6E0-0DFF9076A661}"/>
+              </a:ext>
+            </a:extLst>
+          </p:cNvPr>
+          <p:cNvSpPr txBox="1"/>
+          <p:nvPr/>
+        </p:nvSpPr>
+        <p:spPr>
+          <a:xfrm>
+            <a:off x="4276065" y="3304420"/>
+            <a:ext cx="562015" cy="92333"/>
+          </a:xfrm>
+          <a:prstGeom prst="rect">
+            <a:avLst/>
+          </a:prstGeom>
+          <a:noFill/>
+        </p:spPr>
+        <p:txBody>
+          <a:bodyPr wrap="square" lIns="0" tIns="0" rIns="0" bIns="0" rtlCol="0">
+            <a:spAutoFit/>
+          </a:bodyPr>
+          <a:lstStyle>
+            <a:defPPr>
+              <a:defRPr lang="en-US"/>
+            </a:defPPr>
+            <a:lvl1pPr>
+              <a:defRPr sz="600"/>
+            </a:lvl1pPr>
+          </a:lstStyle>
+          <a:p>
+            <a:r>
+              <a:rPr lang="en-GB" dirty="0"/>
+              <a:t>ALU-L-LD-A</a:t>
+            </a:r>
+            <a:endParaRPr lang="en-US" dirty="0"/>
+          </a:p>
+        </p:txBody>
+      </p:sp>
+      <p:sp>
+        <p:nvSpPr>
+          <p:cNvPr id="225" name="TextBox 224">
+            <a:extLst>
+              <a:ext uri="{FF2B5EF4-FFF2-40B4-BE49-F238E27FC236}">
+                <a16:creationId xmlns:a16="http://schemas.microsoft.com/office/drawing/2014/main" id="{F3DBA10E-199B-46BF-AE87-D498E7482D9B}"/>
+              </a:ext>
+            </a:extLst>
+          </p:cNvPr>
+          <p:cNvSpPr txBox="1"/>
+          <p:nvPr/>
+        </p:nvSpPr>
+        <p:spPr>
+          <a:xfrm>
+            <a:off x="4267711" y="3215081"/>
+            <a:ext cx="562015" cy="92333"/>
+          </a:xfrm>
+          <a:prstGeom prst="rect">
+            <a:avLst/>
+          </a:prstGeom>
+          <a:noFill/>
+        </p:spPr>
+        <p:txBody>
+          <a:bodyPr wrap="square" lIns="0" tIns="0" rIns="0" bIns="0" rtlCol="0">
+            <a:spAutoFit/>
+          </a:bodyPr>
+          <a:lstStyle>
+            <a:defPPr>
+              <a:defRPr lang="en-US"/>
+            </a:defPPr>
+            <a:lvl1pPr>
+              <a:defRPr sz="600"/>
+            </a:lvl1pPr>
+          </a:lstStyle>
+          <a:p>
+            <a:r>
+              <a:rPr lang="en-GB" dirty="0"/>
+              <a:t>ALU-L-LD-CDATA</a:t>
+            </a:r>
+            <a:endParaRPr lang="en-US" dirty="0"/>
+          </a:p>
+        </p:txBody>
+      </p:sp>
+      <p:sp>
+        <p:nvSpPr>
+          <p:cNvPr id="226" name="TextBox 225">
+            <a:extLst>
+              <a:ext uri="{FF2B5EF4-FFF2-40B4-BE49-F238E27FC236}">
+                <a16:creationId xmlns:a16="http://schemas.microsoft.com/office/drawing/2014/main" id="{9EB238ED-4DB7-4F3C-BE0A-0E243FB6F520}"/>
+              </a:ext>
+            </a:extLst>
+          </p:cNvPr>
+          <p:cNvSpPr txBox="1"/>
+          <p:nvPr/>
+        </p:nvSpPr>
+        <p:spPr>
+          <a:xfrm>
+            <a:off x="5449691" y="3244647"/>
+            <a:ext cx="562015" cy="92333"/>
+          </a:xfrm>
+          <a:prstGeom prst="rect">
+            <a:avLst/>
+          </a:prstGeom>
+          <a:noFill/>
+        </p:spPr>
+        <p:txBody>
+          <a:bodyPr wrap="square" lIns="0" tIns="0" rIns="0" bIns="0" rtlCol="0">
+            <a:spAutoFit/>
+          </a:bodyPr>
+          <a:lstStyle>
+            <a:defPPr>
+              <a:defRPr lang="en-US"/>
+            </a:defPPr>
+            <a:lvl1pPr>
+              <a:defRPr sz="600"/>
+            </a:lvl1pPr>
+          </a:lstStyle>
+          <a:p>
+            <a:r>
+              <a:rPr lang="en-GB" dirty="0"/>
+              <a:t>ALU-R-LD-CDATA</a:t>
+            </a:r>
+            <a:endParaRPr lang="en-US" dirty="0"/>
+          </a:p>
+        </p:txBody>
+      </p:sp>
+      <p:sp>
+        <p:nvSpPr>
+          <p:cNvPr id="229" name="Rectangle 228">
+            <a:extLst>
+              <a:ext uri="{FF2B5EF4-FFF2-40B4-BE49-F238E27FC236}">
+                <a16:creationId xmlns:a16="http://schemas.microsoft.com/office/drawing/2014/main" id="{37ED77B3-5609-403A-A724-C7ADB4682DD4}"/>
+              </a:ext>
+            </a:extLst>
+          </p:cNvPr>
+          <p:cNvSpPr/>
+          <p:nvPr/>
+        </p:nvSpPr>
+        <p:spPr>
+          <a:xfrm>
+            <a:off x="1745588" y="6459607"/>
+            <a:ext cx="827690" cy="280566"/>
+          </a:xfrm>
+          <a:prstGeom prst="rect">
+            <a:avLst/>
+          </a:prstGeom>
+          <a:ln w="3175"/>
+        </p:spPr>
+        <p:style>
+          <a:lnRef idx="2">
+            <a:schemeClr val="dk1"/>
+          </a:lnRef>
+          <a:fillRef idx="1">
+            <a:schemeClr val="lt1"/>
+          </a:fillRef>
+          <a:effectRef idx="0">
+            <a:schemeClr val="dk1"/>
+          </a:effectRef>
+          <a:fontRef idx="minor">
+            <a:schemeClr val="dk1"/>
+          </a:fontRef>
+        </p:style>
+        <p:txBody>
+          <a:bodyPr rtlCol="0" anchor="ctr"/>
+          <a:lstStyle/>
+          <a:p>
+            <a:pPr algn="ctr"/>
+            <a:r>
+              <a:rPr lang="en-GB" sz="1000" dirty="0"/>
+              <a:t>ADD/SUB</a:t>
+            </a:r>
+            <a:endParaRPr lang="en-US" sz="1000" dirty="0"/>
+          </a:p>
+        </p:txBody>
+      </p:sp>
+      <p:sp>
+        <p:nvSpPr>
+          <p:cNvPr id="231" name="Rectangle 230">
+            <a:extLst>
+              <a:ext uri="{FF2B5EF4-FFF2-40B4-BE49-F238E27FC236}">
+                <a16:creationId xmlns:a16="http://schemas.microsoft.com/office/drawing/2014/main" id="{CD512CD2-0150-4833-9CC8-284838EE4EA9}"/>
+              </a:ext>
+            </a:extLst>
+          </p:cNvPr>
+          <p:cNvSpPr/>
+          <p:nvPr/>
+        </p:nvSpPr>
+        <p:spPr>
+          <a:xfrm>
+            <a:off x="5049136" y="4445262"/>
+            <a:ext cx="566409" cy="280566"/>
+          </a:xfrm>
+          <a:prstGeom prst="rect">
+            <a:avLst/>
+          </a:prstGeom>
+          <a:ln w="3175"/>
+        </p:spPr>
+        <p:style>
+          <a:lnRef idx="2">
+            <a:schemeClr val="dk1"/>
+          </a:lnRef>
+          <a:fillRef idx="1">
+            <a:schemeClr val="lt1"/>
+          </a:fillRef>
+          <a:effectRef idx="0">
+            <a:schemeClr val="dk1"/>
+          </a:effectRef>
+          <a:fontRef idx="minor">
+            <a:schemeClr val="dk1"/>
+          </a:fontRef>
+        </p:style>
+        <p:txBody>
+          <a:bodyPr rtlCol="0" anchor="ctr"/>
+          <a:lstStyle/>
+          <a:p>
+            <a:pPr algn="ctr"/>
+            <a:r>
+              <a:rPr lang="en-GB" sz="1000" dirty="0"/>
+              <a:t>ALU</a:t>
+            </a:r>
+            <a:r>
+              <a:rPr lang="en-GB" sz="1000" baseline="-25000" dirty="0"/>
+              <a:t>P</a:t>
+            </a:r>
+            <a:endParaRPr lang="en-US" sz="1000" baseline="-25000" dirty="0"/>
+          </a:p>
+        </p:txBody>
+      </p:sp>
+      <p:sp>
+        <p:nvSpPr>
+          <p:cNvPr id="236" name="Arrow: Down 235">
+            <a:extLst>
+              <a:ext uri="{FF2B5EF4-FFF2-40B4-BE49-F238E27FC236}">
+                <a16:creationId xmlns:a16="http://schemas.microsoft.com/office/drawing/2014/main" id="{B7ED852E-2DDD-44EE-A37A-B890211D0707}"/>
+              </a:ext>
+            </a:extLst>
+          </p:cNvPr>
+          <p:cNvSpPr/>
+          <p:nvPr/>
+        </p:nvSpPr>
+        <p:spPr>
+          <a:xfrm rot="10800000">
+            <a:off x="1440861" y="4875976"/>
+            <a:ext cx="286564" cy="833119"/>
+          </a:xfrm>
+          <a:prstGeom prst="downArrow">
+            <a:avLst/>
+          </a:prstGeom>
+          <a:ln w="3175"/>
+        </p:spPr>
+        <p:style>
+          <a:lnRef idx="2">
+            <a:schemeClr val="dk1"/>
+          </a:lnRef>
+          <a:fillRef idx="1">
+            <a:schemeClr val="lt1"/>
+          </a:fillRef>
+          <a:effectRef idx="0">
+            <a:schemeClr val="dk1"/>
+          </a:effectRef>
+          <a:fontRef idx="minor">
+            <a:schemeClr val="dk1"/>
+          </a:fontRef>
+        </p:style>
+        <p:txBody>
+          <a:bodyPr rtlCol="0" anchor="ctr"/>
+          <a:lstStyle/>
+          <a:p>
+            <a:pPr algn="ctr"/>
+            <a:endParaRPr lang="en-US" sz="1000"/>
+          </a:p>
+        </p:txBody>
+      </p:sp>
+      <p:sp>
+        <p:nvSpPr>
+          <p:cNvPr id="245" name="Isosceles Triangle 244">
+            <a:extLst>
+              <a:ext uri="{FF2B5EF4-FFF2-40B4-BE49-F238E27FC236}">
+                <a16:creationId xmlns:a16="http://schemas.microsoft.com/office/drawing/2014/main" id="{A8C53773-61F1-4BB8-B35E-372591A4E140}"/>
+              </a:ext>
+            </a:extLst>
+          </p:cNvPr>
+          <p:cNvSpPr/>
+          <p:nvPr/>
+        </p:nvSpPr>
+        <p:spPr>
+          <a:xfrm rot="5400000">
+            <a:off x="11107032" y="328250"/>
+            <a:ext cx="95343" cy="45719"/>
+          </a:xfrm>
+          <a:prstGeom prst="triangle">
+            <a:avLst/>
+          </a:prstGeom>
+          <a:solidFill>
+            <a:srgbClr val="7030A0"/>
+          </a:solidFill>
+          <a:ln w="3175">
+            <a:solidFill>
+              <a:schemeClr val="tx1">
+                <a:lumMod val="75000"/>
+                <a:lumOff val="25000"/>
+              </a:schemeClr>
+            </a:solidFill>
+          </a:ln>
+        </p:spPr>
+        <p:style>
+          <a:lnRef idx="2">
+            <a:schemeClr val="accent1">
+              <a:shade val="50000"/>
+            </a:schemeClr>
+          </a:lnRef>
+          <a:fillRef idx="1">
+            <a:schemeClr val="accent1"/>
+          </a:fillRef>
+          <a:effectRef idx="0">
+            <a:schemeClr val="accent1"/>
+          </a:effectRef>
+          <a:fontRef idx="minor">
+            <a:schemeClr val="lt1"/>
+          </a:fontRef>
+        </p:style>
+        <p:txBody>
+          <a:bodyPr rtlCol="0" anchor="ctr"/>
+          <a:lstStyle/>
+          <a:p>
+            <a:pPr algn="ctr"/>
+            <a:endParaRPr lang="en-GB">
+              <a:solidFill>
+                <a:schemeClr val="tx1"/>
+              </a:solidFill>
+            </a:endParaRPr>
+          </a:p>
+        </p:txBody>
+      </p:sp>
+      <p:sp>
+        <p:nvSpPr>
+          <p:cNvPr id="247" name="TextBox 246">
+            <a:extLst>
+              <a:ext uri="{FF2B5EF4-FFF2-40B4-BE49-F238E27FC236}">
+                <a16:creationId xmlns:a16="http://schemas.microsoft.com/office/drawing/2014/main" id="{0D2F1F28-CB77-4F52-ABD3-D3213C46EBC4}"/>
+              </a:ext>
+            </a:extLst>
+          </p:cNvPr>
+          <p:cNvSpPr txBox="1"/>
+          <p:nvPr/>
+        </p:nvSpPr>
+        <p:spPr>
+          <a:xfrm>
+            <a:off x="11567879" y="379239"/>
+            <a:ext cx="624121" cy="92333"/>
+          </a:xfrm>
+          <a:prstGeom prst="rect">
+            <a:avLst/>
+          </a:prstGeom>
+          <a:noFill/>
+        </p:spPr>
+        <p:txBody>
+          <a:bodyPr wrap="square" lIns="0" tIns="0" rIns="0" bIns="0" rtlCol="0">
+            <a:spAutoFit/>
+          </a:bodyPr>
+          <a:lstStyle>
+            <a:defPPr>
+              <a:defRPr lang="en-US"/>
+            </a:defPPr>
+            <a:lvl1pPr>
+              <a:defRPr sz="800"/>
+            </a:lvl1pPr>
+          </a:lstStyle>
+          <a:p>
+            <a:r>
+              <a:rPr lang="en-GB" sz="600" dirty="0"/>
+              <a:t>P2 Clock</a:t>
+            </a:r>
+            <a:endParaRPr lang="en-US" sz="600" dirty="0"/>
+          </a:p>
+        </p:txBody>
+      </p:sp>
+      <p:sp>
+        <p:nvSpPr>
+          <p:cNvPr id="248" name="Isosceles Triangle 247">
+            <a:extLst>
+              <a:ext uri="{FF2B5EF4-FFF2-40B4-BE49-F238E27FC236}">
+                <a16:creationId xmlns:a16="http://schemas.microsoft.com/office/drawing/2014/main" id="{5591E541-02F0-4042-A84F-86DC73558607}"/>
+              </a:ext>
+            </a:extLst>
+          </p:cNvPr>
+          <p:cNvSpPr/>
+          <p:nvPr/>
+        </p:nvSpPr>
+        <p:spPr>
+          <a:xfrm rot="5400000">
+            <a:off x="11107033" y="184977"/>
+            <a:ext cx="95343" cy="45719"/>
+          </a:xfrm>
+          <a:prstGeom prst="triangle">
+            <a:avLst/>
+          </a:prstGeom>
+          <a:solidFill>
+            <a:schemeClr val="bg1"/>
+          </a:solidFill>
+          <a:ln w="3175">
+            <a:solidFill>
+              <a:schemeClr val="tx1">
+                <a:lumMod val="75000"/>
+                <a:lumOff val="25000"/>
+              </a:schemeClr>
+            </a:solidFill>
+          </a:ln>
+        </p:spPr>
+        <p:style>
+          <a:lnRef idx="2">
+            <a:schemeClr val="accent1">
+              <a:shade val="50000"/>
+            </a:schemeClr>
+          </a:lnRef>
+          <a:fillRef idx="1">
+            <a:schemeClr val="accent1"/>
+          </a:fillRef>
+          <a:effectRef idx="0">
+            <a:schemeClr val="accent1"/>
+          </a:effectRef>
+          <a:fontRef idx="minor">
+            <a:schemeClr val="lt1"/>
+          </a:fontRef>
+        </p:style>
+        <p:txBody>
+          <a:bodyPr rtlCol="0" anchor="ctr"/>
+          <a:lstStyle/>
+          <a:p>
+            <a:pPr algn="ctr"/>
+            <a:endParaRPr lang="en-GB">
+              <a:solidFill>
+                <a:schemeClr val="tx1"/>
+              </a:solidFill>
+            </a:endParaRPr>
+          </a:p>
+        </p:txBody>
+      </p:sp>
+      <p:sp>
+        <p:nvSpPr>
+          <p:cNvPr id="249" name="TextBox 248">
+            <a:extLst>
+              <a:ext uri="{FF2B5EF4-FFF2-40B4-BE49-F238E27FC236}">
+                <a16:creationId xmlns:a16="http://schemas.microsoft.com/office/drawing/2014/main" id="{574580DB-80CD-42F1-AD1E-9B8D091F3329}"/>
+              </a:ext>
+            </a:extLst>
+          </p:cNvPr>
+          <p:cNvSpPr txBox="1"/>
+          <p:nvPr/>
+        </p:nvSpPr>
+        <p:spPr>
+          <a:xfrm>
+            <a:off x="11567879" y="245084"/>
+            <a:ext cx="624121" cy="92333"/>
+          </a:xfrm>
+          <a:prstGeom prst="rect">
+            <a:avLst/>
+          </a:prstGeom>
+          <a:noFill/>
+        </p:spPr>
+        <p:txBody>
+          <a:bodyPr wrap="square" lIns="0" tIns="0" rIns="0" bIns="0" rtlCol="0">
+            <a:spAutoFit/>
+          </a:bodyPr>
+          <a:lstStyle>
+            <a:defPPr>
+              <a:defRPr lang="en-US"/>
+            </a:defPPr>
+            <a:lvl1pPr>
+              <a:defRPr sz="800"/>
+            </a:lvl1pPr>
+          </a:lstStyle>
+          <a:p>
+            <a:r>
+              <a:rPr lang="en-GB" sz="600" dirty="0"/>
+              <a:t>P1 Clock</a:t>
+            </a:r>
+            <a:endParaRPr lang="en-US" sz="600" dirty="0"/>
+          </a:p>
+        </p:txBody>
+      </p:sp>
+      <p:sp>
+        <p:nvSpPr>
+          <p:cNvPr id="108" name="Arrow: Down 107">
+            <a:extLst>
+              <a:ext uri="{FF2B5EF4-FFF2-40B4-BE49-F238E27FC236}">
+                <a16:creationId xmlns:a16="http://schemas.microsoft.com/office/drawing/2014/main" id="{1C2C0D0B-AB5E-428A-BB48-F21D9615D02F}"/>
+              </a:ext>
+            </a:extLst>
+          </p:cNvPr>
+          <p:cNvSpPr/>
+          <p:nvPr/>
+        </p:nvSpPr>
+        <p:spPr>
+          <a:xfrm rot="16200000">
+            <a:off x="9299594" y="3875873"/>
+            <a:ext cx="225277" cy="2669922"/>
+          </a:xfrm>
+          <a:prstGeom prst="downArrow">
+            <a:avLst/>
+          </a:prstGeom>
+          <a:solidFill>
+            <a:schemeClr val="accent6">
+              <a:lumMod val="40000"/>
+              <a:lumOff val="60000"/>
+            </a:schemeClr>
+          </a:solidFill>
+          <a:ln w="3175">
+            <a:noFill/>
+          </a:ln>
+        </p:spPr>
+        <p:style>
+          <a:lnRef idx="2">
+            <a:schemeClr val="accent1">
+              <a:shade val="50000"/>
+            </a:schemeClr>
+          </a:lnRef>
+          <a:fillRef idx="1">
+            <a:schemeClr val="accent1"/>
+          </a:fillRef>
+          <a:effectRef idx="0">
+            <a:schemeClr val="accent1"/>
+          </a:effectRef>
+          <a:fontRef idx="minor">
+            <a:schemeClr val="lt1"/>
+          </a:fontRef>
+        </p:style>
+        <p:txBody>
+          <a:bodyPr rtlCol="0" anchor="ctr"/>
+          <a:lstStyle/>
+          <a:p>
+            <a:pPr algn="ctr"/>
+            <a:endParaRPr lang="en-GB">
+              <a:solidFill>
+                <a:schemeClr val="tx1"/>
+              </a:solidFill>
+            </a:endParaRPr>
+          </a:p>
+        </p:txBody>
+      </p:sp>
+      <p:sp>
+        <p:nvSpPr>
+          <p:cNvPr id="111" name="Rectangle 110">
+            <a:extLst>
+              <a:ext uri="{FF2B5EF4-FFF2-40B4-BE49-F238E27FC236}">
+                <a16:creationId xmlns:a16="http://schemas.microsoft.com/office/drawing/2014/main" id="{8D427774-E488-49A5-961C-7AC1F5A6D385}"/>
+              </a:ext>
+            </a:extLst>
+          </p:cNvPr>
+          <p:cNvSpPr/>
+          <p:nvPr/>
+        </p:nvSpPr>
+        <p:spPr>
+          <a:xfrm>
+            <a:off x="7637469" y="5077577"/>
+            <a:ext cx="827690" cy="252248"/>
+          </a:xfrm>
+          <a:prstGeom prst="rect">
+            <a:avLst/>
+          </a:prstGeom>
+          <a:ln w="3175"/>
+        </p:spPr>
+        <p:style>
+          <a:lnRef idx="2">
+            <a:schemeClr val="dk1"/>
+          </a:lnRef>
+          <a:fillRef idx="1">
+            <a:schemeClr val="lt1"/>
+          </a:fillRef>
+          <a:effectRef idx="0">
+            <a:schemeClr val="dk1"/>
+          </a:effectRef>
+          <a:fontRef idx="minor">
+            <a:schemeClr val="dk1"/>
+          </a:fontRef>
+        </p:style>
+        <p:txBody>
+          <a:bodyPr rtlCol="0" anchor="ctr"/>
+          <a:lstStyle/>
+          <a:p>
+            <a:pPr algn="ctr"/>
+            <a:r>
+              <a:rPr lang="en-GB" sz="1000" dirty="0" err="1"/>
+              <a:t>CAR</a:t>
+            </a:r>
+            <a:r>
+              <a:rPr lang="en-GB" sz="1000" baseline="-25000" dirty="0" err="1"/>
+              <a:t>temp</a:t>
+            </a:r>
+            <a:endParaRPr lang="en-US" sz="1000" baseline="-25000" dirty="0"/>
+          </a:p>
+        </p:txBody>
+      </p:sp>
+      <p:sp>
+        <p:nvSpPr>
+          <p:cNvPr id="29" name="TextBox 28">
+            <a:extLst>
+              <a:ext uri="{FF2B5EF4-FFF2-40B4-BE49-F238E27FC236}">
+                <a16:creationId xmlns:a16="http://schemas.microsoft.com/office/drawing/2014/main" id="{9F20B7FF-7702-4960-AE8E-8D8E670E7B28}"/>
+              </a:ext>
+            </a:extLst>
+          </p:cNvPr>
+          <p:cNvSpPr txBox="1"/>
+          <p:nvPr/>
+        </p:nvSpPr>
+        <p:spPr>
+          <a:xfrm>
+            <a:off x="9102264" y="1724968"/>
+            <a:ext cx="469619" cy="92333"/>
+          </a:xfrm>
+          <a:prstGeom prst="rect">
+            <a:avLst/>
+          </a:prstGeom>
+          <a:noFill/>
+        </p:spPr>
+        <p:txBody>
+          <a:bodyPr wrap="square" lIns="0" tIns="0" rIns="0" bIns="0" rtlCol="0">
+            <a:spAutoFit/>
+          </a:bodyPr>
+          <a:lstStyle>
+            <a:defPPr>
+              <a:defRPr lang="en-US"/>
+            </a:defPPr>
+            <a:lvl1pPr>
+              <a:defRPr sz="800"/>
+            </a:lvl1pPr>
+          </a:lstStyle>
+          <a:p>
+            <a:r>
+              <a:rPr lang="en-GB" sz="600" dirty="0"/>
+              <a:t>Y-LD-CDATA</a:t>
+            </a:r>
+            <a:endParaRPr lang="en-US" sz="600" dirty="0"/>
+          </a:p>
+        </p:txBody>
+      </p:sp>
+      <p:sp>
+        <p:nvSpPr>
+          <p:cNvPr id="195" name="TextBox 194">
+            <a:extLst>
+              <a:ext uri="{FF2B5EF4-FFF2-40B4-BE49-F238E27FC236}">
+                <a16:creationId xmlns:a16="http://schemas.microsoft.com/office/drawing/2014/main" id="{7A261331-0851-49AD-9CD9-16A61DE8CF49}"/>
+              </a:ext>
+            </a:extLst>
+          </p:cNvPr>
+          <p:cNvSpPr txBox="1"/>
+          <p:nvPr/>
+        </p:nvSpPr>
+        <p:spPr>
+          <a:xfrm>
+            <a:off x="9097147" y="1825560"/>
+            <a:ext cx="624121" cy="92333"/>
+          </a:xfrm>
+          <a:prstGeom prst="rect">
+            <a:avLst/>
+          </a:prstGeom>
+          <a:noFill/>
+        </p:spPr>
+        <p:txBody>
+          <a:bodyPr wrap="square" lIns="0" tIns="0" rIns="0" bIns="0" rtlCol="0">
+            <a:spAutoFit/>
+          </a:bodyPr>
+          <a:lstStyle>
+            <a:defPPr>
+              <a:defRPr lang="en-US"/>
+            </a:defPPr>
+            <a:lvl1pPr>
+              <a:defRPr sz="800"/>
+            </a:lvl1pPr>
+          </a:lstStyle>
+          <a:p>
+            <a:r>
+              <a:rPr lang="en-GB" sz="600" dirty="0"/>
+              <a:t>Y-OUT-CDATA</a:t>
+            </a:r>
+            <a:endParaRPr lang="en-US" sz="600" dirty="0"/>
+          </a:p>
+        </p:txBody>
+      </p:sp>
+      <p:sp>
+        <p:nvSpPr>
+          <p:cNvPr id="250" name="Arrow: Down 249">
+            <a:extLst>
+              <a:ext uri="{FF2B5EF4-FFF2-40B4-BE49-F238E27FC236}">
+                <a16:creationId xmlns:a16="http://schemas.microsoft.com/office/drawing/2014/main" id="{7E7E7BAD-E129-45A1-995C-4A100FC5186C}"/>
+              </a:ext>
+            </a:extLst>
+          </p:cNvPr>
+          <p:cNvSpPr/>
+          <p:nvPr/>
+        </p:nvSpPr>
+        <p:spPr>
+          <a:xfrm rot="16200000">
+            <a:off x="8931881" y="3009576"/>
+            <a:ext cx="252247" cy="3378378"/>
+          </a:xfrm>
+          <a:prstGeom prst="downArrow">
+            <a:avLst/>
+          </a:prstGeom>
+          <a:solidFill>
+            <a:schemeClr val="accent6">
+              <a:lumMod val="40000"/>
+              <a:lumOff val="60000"/>
+            </a:schemeClr>
+          </a:solidFill>
+          <a:ln w="3175">
+            <a:noFill/>
+          </a:ln>
+        </p:spPr>
+        <p:style>
+          <a:lnRef idx="2">
+            <a:schemeClr val="accent1">
+              <a:shade val="50000"/>
+            </a:schemeClr>
+          </a:lnRef>
+          <a:fillRef idx="1">
+            <a:schemeClr val="accent1"/>
+          </a:fillRef>
+          <a:effectRef idx="0">
+            <a:schemeClr val="accent1"/>
+          </a:effectRef>
+          <a:fontRef idx="minor">
+            <a:schemeClr val="lt1"/>
+          </a:fontRef>
+        </p:style>
+        <p:txBody>
+          <a:bodyPr rtlCol="0" anchor="ctr"/>
+          <a:lstStyle/>
+          <a:p>
+            <a:pPr algn="ctr"/>
+            <a:endParaRPr lang="en-GB">
+              <a:solidFill>
+                <a:schemeClr val="tx1"/>
+              </a:solidFill>
+            </a:endParaRPr>
+          </a:p>
+        </p:txBody>
+      </p:sp>
+      <p:sp>
+        <p:nvSpPr>
+          <p:cNvPr id="97" name="Rectangle 96">
+            <a:extLst>
+              <a:ext uri="{FF2B5EF4-FFF2-40B4-BE49-F238E27FC236}">
+                <a16:creationId xmlns:a16="http://schemas.microsoft.com/office/drawing/2014/main" id="{4469297A-20AA-4DD6-B2F7-628709954FAE}"/>
+              </a:ext>
+            </a:extLst>
+          </p:cNvPr>
+          <p:cNvSpPr/>
+          <p:nvPr/>
+        </p:nvSpPr>
+        <p:spPr>
+          <a:xfrm>
+            <a:off x="1131571" y="5641005"/>
+            <a:ext cx="827690" cy="280566"/>
+          </a:xfrm>
+          <a:prstGeom prst="rect">
+            <a:avLst/>
+          </a:prstGeom>
+          <a:ln w="3175"/>
+        </p:spPr>
+        <p:style>
+          <a:lnRef idx="2">
+            <a:schemeClr val="dk1"/>
+          </a:lnRef>
+          <a:fillRef idx="1">
+            <a:schemeClr val="lt1"/>
+          </a:fillRef>
+          <a:effectRef idx="0">
+            <a:schemeClr val="dk1"/>
+          </a:effectRef>
+          <a:fontRef idx="minor">
+            <a:schemeClr val="dk1"/>
+          </a:fontRef>
+        </p:style>
+        <p:txBody>
+          <a:bodyPr rtlCol="0" anchor="ctr"/>
+          <a:lstStyle/>
+          <a:p>
+            <a:pPr algn="ctr"/>
+            <a:r>
+              <a:rPr lang="en-GB" sz="1000" dirty="0"/>
+              <a:t>ADD</a:t>
+            </a:r>
+            <a:endParaRPr lang="en-US" sz="1000" dirty="0"/>
+          </a:p>
+        </p:txBody>
+      </p:sp>
+      <p:sp>
+        <p:nvSpPr>
+          <p:cNvPr id="181" name="Isosceles Triangle 180">
+            <a:extLst>
+              <a:ext uri="{FF2B5EF4-FFF2-40B4-BE49-F238E27FC236}">
+                <a16:creationId xmlns:a16="http://schemas.microsoft.com/office/drawing/2014/main" id="{BBD35D09-2BBF-45CE-8F98-85734FC22B39}"/>
+              </a:ext>
+            </a:extLst>
+          </p:cNvPr>
+          <p:cNvSpPr/>
+          <p:nvPr/>
+        </p:nvSpPr>
+        <p:spPr>
+          <a:xfrm rot="5400000">
+            <a:off x="4197597" y="4158632"/>
+            <a:ext cx="95343" cy="45719"/>
+          </a:xfrm>
+          <a:prstGeom prst="triangle">
+            <a:avLst/>
+          </a:prstGeom>
+          <a:solidFill>
+            <a:schemeClr val="bg1"/>
+          </a:solidFill>
+          <a:ln w="3175">
+            <a:solidFill>
+              <a:schemeClr val="tx1">
+                <a:lumMod val="75000"/>
+                <a:lumOff val="25000"/>
+              </a:schemeClr>
+            </a:solidFill>
+          </a:ln>
+        </p:spPr>
+        <p:style>
+          <a:lnRef idx="2">
+            <a:schemeClr val="accent1">
+              <a:shade val="50000"/>
+            </a:schemeClr>
+          </a:lnRef>
+          <a:fillRef idx="1">
+            <a:schemeClr val="accent1"/>
+          </a:fillRef>
+          <a:effectRef idx="0">
+            <a:schemeClr val="accent1"/>
+          </a:effectRef>
+          <a:fontRef idx="minor">
+            <a:schemeClr val="lt1"/>
+          </a:fontRef>
+        </p:style>
+        <p:txBody>
+          <a:bodyPr rtlCol="0" anchor="ctr"/>
+          <a:lstStyle/>
+          <a:p>
+            <a:pPr algn="ctr"/>
+            <a:endParaRPr lang="en-GB">
+              <a:solidFill>
+                <a:schemeClr val="tx1"/>
+              </a:solidFill>
+            </a:endParaRPr>
+          </a:p>
+        </p:txBody>
+      </p:sp>
+      <p:sp>
+        <p:nvSpPr>
+          <p:cNvPr id="186" name="Isosceles Triangle 185">
+            <a:extLst>
+              <a:ext uri="{FF2B5EF4-FFF2-40B4-BE49-F238E27FC236}">
+                <a16:creationId xmlns:a16="http://schemas.microsoft.com/office/drawing/2014/main" id="{A15BB72D-6481-42F1-98CF-5EF852A0EF7C}"/>
+              </a:ext>
+            </a:extLst>
+          </p:cNvPr>
+          <p:cNvSpPr/>
+          <p:nvPr/>
+        </p:nvSpPr>
+        <p:spPr>
+          <a:xfrm rot="5400000">
+            <a:off x="5018452" y="4559231"/>
+            <a:ext cx="95343" cy="45719"/>
+          </a:xfrm>
+          <a:prstGeom prst="triangle">
+            <a:avLst/>
+          </a:prstGeom>
+          <a:solidFill>
+            <a:schemeClr val="bg1"/>
+          </a:solidFill>
+          <a:ln w="3175">
+            <a:solidFill>
+              <a:schemeClr val="tx1">
+                <a:lumMod val="75000"/>
+                <a:lumOff val="25000"/>
+              </a:schemeClr>
+            </a:solidFill>
+          </a:ln>
+        </p:spPr>
+        <p:style>
+          <a:lnRef idx="2">
+            <a:schemeClr val="accent1">
+              <a:shade val="50000"/>
+            </a:schemeClr>
+          </a:lnRef>
+          <a:fillRef idx="1">
+            <a:schemeClr val="accent1"/>
+          </a:fillRef>
+          <a:effectRef idx="0">
+            <a:schemeClr val="accent1"/>
+          </a:effectRef>
+          <a:fontRef idx="minor">
+            <a:schemeClr val="lt1"/>
+          </a:fontRef>
+        </p:style>
+        <p:txBody>
+          <a:bodyPr rtlCol="0" anchor="ctr"/>
+          <a:lstStyle/>
+          <a:p>
+            <a:pPr algn="ctr"/>
+            <a:endParaRPr lang="en-GB">
+              <a:solidFill>
+                <a:schemeClr val="tx1"/>
+              </a:solidFill>
+            </a:endParaRPr>
+          </a:p>
+        </p:txBody>
+      </p:sp>
+      <p:sp>
+        <p:nvSpPr>
+          <p:cNvPr id="205" name="Rectangle 204">
+            <a:extLst>
+              <a:ext uri="{FF2B5EF4-FFF2-40B4-BE49-F238E27FC236}">
+                <a16:creationId xmlns:a16="http://schemas.microsoft.com/office/drawing/2014/main" id="{CB7A1CDE-519D-4571-8DDF-59BF3584676E}"/>
+              </a:ext>
+            </a:extLst>
+          </p:cNvPr>
+          <p:cNvSpPr/>
+          <p:nvPr/>
+        </p:nvSpPr>
+        <p:spPr>
+          <a:xfrm>
+            <a:off x="1932675" y="4170651"/>
+            <a:ext cx="817414" cy="672161"/>
+          </a:xfrm>
+          <a:prstGeom prst="rect">
+            <a:avLst/>
+          </a:prstGeom>
+          <a:ln w="3175"/>
+        </p:spPr>
+        <p:style>
+          <a:lnRef idx="2">
+            <a:schemeClr val="dk1"/>
+          </a:lnRef>
+          <a:fillRef idx="1">
+            <a:schemeClr val="lt1"/>
+          </a:fillRef>
+          <a:effectRef idx="0">
+            <a:schemeClr val="dk1"/>
+          </a:effectRef>
+          <a:fontRef idx="minor">
+            <a:schemeClr val="dk1"/>
+          </a:fontRef>
+        </p:style>
+        <p:txBody>
+          <a:bodyPr rtlCol="0" anchor="ctr"/>
+          <a:lstStyle/>
+          <a:p>
+            <a:pPr algn="ctr"/>
+            <a:r>
+              <a:rPr lang="en-GB" sz="1000" dirty="0"/>
+              <a:t>PC</a:t>
+            </a:r>
+            <a:r>
+              <a:rPr lang="en-GB" sz="1000" baseline="-25000" dirty="0"/>
+              <a:t>L</a:t>
+            </a:r>
+            <a:endParaRPr lang="en-US" sz="1000" baseline="-25000" dirty="0"/>
+          </a:p>
+        </p:txBody>
+      </p:sp>
+      <p:sp>
+        <p:nvSpPr>
+          <p:cNvPr id="206" name="Arrow: Down 205">
+            <a:extLst>
+              <a:ext uri="{FF2B5EF4-FFF2-40B4-BE49-F238E27FC236}">
+                <a16:creationId xmlns:a16="http://schemas.microsoft.com/office/drawing/2014/main" id="{8A2F69E2-6BDD-4B9A-9536-3130A46D1D61}"/>
+              </a:ext>
+            </a:extLst>
+          </p:cNvPr>
+          <p:cNvSpPr/>
+          <p:nvPr/>
+        </p:nvSpPr>
+        <p:spPr>
+          <a:xfrm>
+            <a:off x="8596094" y="1965380"/>
+            <a:ext cx="296092" cy="542894"/>
+          </a:xfrm>
+          <a:prstGeom prst="downArrow">
+            <a:avLst/>
+          </a:prstGeom>
+          <a:solidFill>
+            <a:srgbClr val="FFC000"/>
+          </a:solidFill>
+          <a:ln w="3175">
+            <a:noFill/>
+          </a:ln>
+        </p:spPr>
+        <p:style>
+          <a:lnRef idx="2">
+            <a:schemeClr val="dk1"/>
+          </a:lnRef>
+          <a:fillRef idx="1">
+            <a:schemeClr val="lt1"/>
+          </a:fillRef>
+          <a:effectRef idx="0">
+            <a:schemeClr val="dk1"/>
+          </a:effectRef>
+          <a:fontRef idx="minor">
+            <a:schemeClr val="dk1"/>
+          </a:fontRef>
+        </p:style>
+        <p:txBody>
+          <a:bodyPr rtlCol="0" anchor="ctr"/>
+          <a:lstStyle/>
+          <a:p>
+            <a:pPr algn="ctr"/>
+            <a:endParaRPr lang="en-US" sz="1000"/>
+          </a:p>
+        </p:txBody>
+      </p:sp>
+      <p:pic>
+        <p:nvPicPr>
+          <p:cNvPr id="184" name="Picture 183" descr="Icon&#10;&#10;Description automatically generated">
+            <a:extLst>
+              <a:ext uri="{FF2B5EF4-FFF2-40B4-BE49-F238E27FC236}">
+                <a16:creationId xmlns:a16="http://schemas.microsoft.com/office/drawing/2014/main" id="{39B50285-8183-4744-B563-F65D15D6E656}"/>
+              </a:ext>
+            </a:extLst>
+          </p:cNvPr>
+          <p:cNvPicPr>
+            <a:picLocks noChangeAspect="1"/>
+          </p:cNvPicPr>
+          <p:nvPr/>
+        </p:nvPicPr>
+        <p:blipFill>
+          <a:blip r:embed="rId2">
+            <a:extLst>
+              <a:ext uri="{28A0092B-C50C-407E-A947-70E740481C1C}">
+                <a14:useLocalDpi xmlns:a14="http://schemas.microsoft.com/office/drawing/2010/main" val="0"/>
+              </a:ext>
+            </a:extLst>
+          </a:blip>
+          <a:stretch>
+            <a:fillRect/>
+          </a:stretch>
+        </p:blipFill>
+        <p:spPr>
+          <a:xfrm rot="5400000">
+            <a:off x="8644257" y="1943502"/>
+            <a:ext cx="255077" cy="148300"/>
+          </a:xfrm>
+          <a:prstGeom prst="rect">
+            <a:avLst/>
+          </a:prstGeom>
+        </p:spPr>
+      </p:pic>
+      <p:sp>
+        <p:nvSpPr>
+          <p:cNvPr id="211" name="Arrow: Down 210">
+            <a:extLst>
+              <a:ext uri="{FF2B5EF4-FFF2-40B4-BE49-F238E27FC236}">
+                <a16:creationId xmlns:a16="http://schemas.microsoft.com/office/drawing/2014/main" id="{C4E612FA-0F39-4DF2-BC94-7D71CEA86A09}"/>
+              </a:ext>
+            </a:extLst>
+          </p:cNvPr>
+          <p:cNvSpPr/>
+          <p:nvPr/>
+        </p:nvSpPr>
+        <p:spPr>
+          <a:xfrm rot="10800000">
+            <a:off x="8905821" y="1970120"/>
+            <a:ext cx="296092" cy="542894"/>
+          </a:xfrm>
+          <a:prstGeom prst="downArrow">
+            <a:avLst/>
+          </a:prstGeom>
+          <a:solidFill>
+            <a:srgbClr val="FFC000"/>
+          </a:solidFill>
+          <a:ln w="3175">
+            <a:noFill/>
+          </a:ln>
+        </p:spPr>
+        <p:style>
+          <a:lnRef idx="2">
+            <a:schemeClr val="dk1"/>
+          </a:lnRef>
+          <a:fillRef idx="1">
+            <a:schemeClr val="lt1"/>
+          </a:fillRef>
+          <a:effectRef idx="0">
+            <a:schemeClr val="dk1"/>
+          </a:effectRef>
+          <a:fontRef idx="minor">
+            <a:schemeClr val="dk1"/>
+          </a:fontRef>
+        </p:style>
+        <p:txBody>
+          <a:bodyPr rtlCol="0" anchor="ctr"/>
+          <a:lstStyle/>
+          <a:p>
+            <a:pPr algn="ctr"/>
+            <a:endParaRPr lang="en-US" sz="1000"/>
+          </a:p>
+        </p:txBody>
+      </p:sp>
+      <p:sp>
+        <p:nvSpPr>
+          <p:cNvPr id="218" name="Arrow: Down 217">
+            <a:extLst>
+              <a:ext uri="{FF2B5EF4-FFF2-40B4-BE49-F238E27FC236}">
+                <a16:creationId xmlns:a16="http://schemas.microsoft.com/office/drawing/2014/main" id="{E2AAFD1C-5B4B-4C16-96F5-4CFCE55CA47C}"/>
+              </a:ext>
+            </a:extLst>
+          </p:cNvPr>
+          <p:cNvSpPr/>
+          <p:nvPr/>
+        </p:nvSpPr>
+        <p:spPr>
+          <a:xfrm>
+            <a:off x="7200698" y="1968751"/>
+            <a:ext cx="296092" cy="542894"/>
+          </a:xfrm>
+          <a:prstGeom prst="downArrow">
+            <a:avLst/>
+          </a:prstGeom>
+          <a:solidFill>
+            <a:srgbClr val="FFC000"/>
+          </a:solidFill>
+          <a:ln w="3175">
+            <a:noFill/>
+          </a:ln>
+        </p:spPr>
+        <p:style>
+          <a:lnRef idx="2">
+            <a:schemeClr val="dk1"/>
+          </a:lnRef>
+          <a:fillRef idx="1">
+            <a:schemeClr val="lt1"/>
+          </a:fillRef>
+          <a:effectRef idx="0">
+            <a:schemeClr val="dk1"/>
+          </a:effectRef>
+          <a:fontRef idx="minor">
+            <a:schemeClr val="dk1"/>
+          </a:fontRef>
+        </p:style>
+        <p:txBody>
+          <a:bodyPr rtlCol="0" anchor="ctr"/>
+          <a:lstStyle/>
+          <a:p>
+            <a:pPr algn="ctr"/>
+            <a:endParaRPr lang="en-US" sz="1000"/>
+          </a:p>
+        </p:txBody>
+      </p:sp>
+      <p:pic>
+        <p:nvPicPr>
+          <p:cNvPr id="219" name="Picture 218" descr="Icon&#10;&#10;Description automatically generated">
+            <a:extLst>
+              <a:ext uri="{FF2B5EF4-FFF2-40B4-BE49-F238E27FC236}">
+                <a16:creationId xmlns:a16="http://schemas.microsoft.com/office/drawing/2014/main" id="{5F914D14-68A5-4EA1-A64C-F5940503928B}"/>
+              </a:ext>
+            </a:extLst>
+          </p:cNvPr>
+          <p:cNvPicPr>
+            <a:picLocks noChangeAspect="1"/>
+          </p:cNvPicPr>
+          <p:nvPr/>
+        </p:nvPicPr>
+        <p:blipFill>
+          <a:blip r:embed="rId2">
+            <a:extLst>
+              <a:ext uri="{28A0092B-C50C-407E-A947-70E740481C1C}">
+                <a14:useLocalDpi xmlns:a14="http://schemas.microsoft.com/office/drawing/2010/main" val="0"/>
+              </a:ext>
+            </a:extLst>
+          </a:blip>
+          <a:stretch>
+            <a:fillRect/>
+          </a:stretch>
+        </p:blipFill>
+        <p:spPr>
+          <a:xfrm rot="5400000">
+            <a:off x="7248861" y="1946873"/>
+            <a:ext cx="255077" cy="148300"/>
+          </a:xfrm>
+          <a:prstGeom prst="rect">
+            <a:avLst/>
+          </a:prstGeom>
+        </p:spPr>
+      </p:pic>
+      <p:sp>
+        <p:nvSpPr>
+          <p:cNvPr id="222" name="Arrow: Down 221">
+            <a:extLst>
+              <a:ext uri="{FF2B5EF4-FFF2-40B4-BE49-F238E27FC236}">
+                <a16:creationId xmlns:a16="http://schemas.microsoft.com/office/drawing/2014/main" id="{141791B0-B08D-4379-9EB6-0D55A4FEAE29}"/>
+              </a:ext>
+            </a:extLst>
+          </p:cNvPr>
+          <p:cNvSpPr/>
+          <p:nvPr/>
+        </p:nvSpPr>
+        <p:spPr>
+          <a:xfrm rot="10800000">
+            <a:off x="7510425" y="1973491"/>
+            <a:ext cx="296092" cy="542894"/>
+          </a:xfrm>
+          <a:prstGeom prst="downArrow">
+            <a:avLst/>
+          </a:prstGeom>
+          <a:solidFill>
+            <a:srgbClr val="FFC000"/>
+          </a:solidFill>
+          <a:ln w="3175">
+            <a:noFill/>
+          </a:ln>
+        </p:spPr>
+        <p:style>
+          <a:lnRef idx="2">
+            <a:schemeClr val="dk1"/>
+          </a:lnRef>
+          <a:fillRef idx="1">
+            <a:schemeClr val="lt1"/>
+          </a:fillRef>
+          <a:effectRef idx="0">
+            <a:schemeClr val="dk1"/>
+          </a:effectRef>
+          <a:fontRef idx="minor">
+            <a:schemeClr val="dk1"/>
+          </a:fontRef>
+        </p:style>
+        <p:txBody>
+          <a:bodyPr rtlCol="0" anchor="ctr"/>
+          <a:lstStyle/>
+          <a:p>
+            <a:pPr algn="ctr"/>
+            <a:endParaRPr lang="en-US" sz="1000"/>
+          </a:p>
+        </p:txBody>
+      </p:sp>
+      <p:sp>
+        <p:nvSpPr>
+          <p:cNvPr id="230" name="Arrow: Down 229">
+            <a:extLst>
+              <a:ext uri="{FF2B5EF4-FFF2-40B4-BE49-F238E27FC236}">
+                <a16:creationId xmlns:a16="http://schemas.microsoft.com/office/drawing/2014/main" id="{E05843B1-A16B-4D20-84B5-ADE90C05685F}"/>
+              </a:ext>
+            </a:extLst>
+          </p:cNvPr>
+          <p:cNvSpPr/>
+          <p:nvPr/>
+        </p:nvSpPr>
+        <p:spPr>
+          <a:xfrm>
+            <a:off x="6006681" y="1981194"/>
+            <a:ext cx="296092" cy="542894"/>
+          </a:xfrm>
+          <a:prstGeom prst="downArrow">
+            <a:avLst/>
+          </a:prstGeom>
+          <a:solidFill>
+            <a:srgbClr val="FFC000"/>
+          </a:solidFill>
+          <a:ln w="3175">
+            <a:noFill/>
+          </a:ln>
+        </p:spPr>
+        <p:style>
+          <a:lnRef idx="2">
+            <a:schemeClr val="dk1"/>
+          </a:lnRef>
+          <a:fillRef idx="1">
+            <a:schemeClr val="lt1"/>
+          </a:fillRef>
+          <a:effectRef idx="0">
+            <a:schemeClr val="dk1"/>
+          </a:effectRef>
+          <a:fontRef idx="minor">
+            <a:schemeClr val="dk1"/>
+          </a:fontRef>
+        </p:style>
+        <p:txBody>
+          <a:bodyPr rtlCol="0" anchor="ctr"/>
+          <a:lstStyle/>
+          <a:p>
+            <a:pPr algn="ctr"/>
+            <a:endParaRPr lang="en-US" sz="1000"/>
+          </a:p>
+        </p:txBody>
+      </p:sp>
+      <p:pic>
+        <p:nvPicPr>
+          <p:cNvPr id="232" name="Picture 231" descr="Icon&#10;&#10;Description automatically generated">
+            <a:extLst>
+              <a:ext uri="{FF2B5EF4-FFF2-40B4-BE49-F238E27FC236}">
+                <a16:creationId xmlns:a16="http://schemas.microsoft.com/office/drawing/2014/main" id="{C7EE5449-D7E6-4B91-AA52-8FAAB5C021E9}"/>
+              </a:ext>
+            </a:extLst>
+          </p:cNvPr>
+          <p:cNvPicPr>
+            <a:picLocks noChangeAspect="1"/>
+          </p:cNvPicPr>
+          <p:nvPr/>
+        </p:nvPicPr>
+        <p:blipFill>
+          <a:blip r:embed="rId2">
+            <a:extLst>
+              <a:ext uri="{28A0092B-C50C-407E-A947-70E740481C1C}">
+                <a14:useLocalDpi xmlns:a14="http://schemas.microsoft.com/office/drawing/2010/main" val="0"/>
+              </a:ext>
+            </a:extLst>
+          </a:blip>
+          <a:stretch>
+            <a:fillRect/>
+          </a:stretch>
+        </p:blipFill>
+        <p:spPr>
+          <a:xfrm rot="5400000">
+            <a:off x="6030081" y="1947659"/>
+            <a:ext cx="255077" cy="148300"/>
+          </a:xfrm>
+          <a:prstGeom prst="rect">
+            <a:avLst/>
+          </a:prstGeom>
+        </p:spPr>
+      </p:pic>
+      <p:sp>
+        <p:nvSpPr>
+          <p:cNvPr id="233" name="Arrow: Down 232">
+            <a:extLst>
+              <a:ext uri="{FF2B5EF4-FFF2-40B4-BE49-F238E27FC236}">
+                <a16:creationId xmlns:a16="http://schemas.microsoft.com/office/drawing/2014/main" id="{262DD598-9B85-4BA0-9B26-DE45EDAA2A74}"/>
+              </a:ext>
+            </a:extLst>
+          </p:cNvPr>
+          <p:cNvSpPr/>
+          <p:nvPr/>
+        </p:nvSpPr>
+        <p:spPr>
+          <a:xfrm rot="10800000">
+            <a:off x="6291645" y="1974277"/>
+            <a:ext cx="296092" cy="542894"/>
+          </a:xfrm>
+          <a:prstGeom prst="downArrow">
+            <a:avLst/>
+          </a:prstGeom>
+          <a:solidFill>
+            <a:srgbClr val="FFC000"/>
+          </a:solidFill>
+          <a:ln w="3175">
+            <a:noFill/>
+          </a:ln>
+        </p:spPr>
+        <p:style>
+          <a:lnRef idx="2">
+            <a:schemeClr val="dk1"/>
+          </a:lnRef>
+          <a:fillRef idx="1">
+            <a:schemeClr val="lt1"/>
+          </a:fillRef>
+          <a:effectRef idx="0">
+            <a:schemeClr val="dk1"/>
+          </a:effectRef>
+          <a:fontRef idx="minor">
+            <a:schemeClr val="dk1"/>
+          </a:fontRef>
+        </p:style>
+        <p:txBody>
+          <a:bodyPr rtlCol="0" anchor="ctr"/>
+          <a:lstStyle/>
+          <a:p>
+            <a:pPr algn="ctr"/>
+            <a:endParaRPr lang="en-US" sz="1000"/>
+          </a:p>
+        </p:txBody>
+      </p:sp>
+      <p:sp>
+        <p:nvSpPr>
+          <p:cNvPr id="237" name="Arrow: Down 236">
+            <a:extLst>
+              <a:ext uri="{FF2B5EF4-FFF2-40B4-BE49-F238E27FC236}">
+                <a16:creationId xmlns:a16="http://schemas.microsoft.com/office/drawing/2014/main" id="{4783B6C1-0224-461F-80F2-E04EF2C5F6B9}"/>
+              </a:ext>
+            </a:extLst>
+          </p:cNvPr>
+          <p:cNvSpPr/>
+          <p:nvPr/>
+        </p:nvSpPr>
+        <p:spPr>
+          <a:xfrm>
+            <a:off x="4643483" y="356191"/>
+            <a:ext cx="296092" cy="1310750"/>
+          </a:xfrm>
+          <a:prstGeom prst="downArrow">
+            <a:avLst/>
+          </a:prstGeom>
+          <a:solidFill>
+            <a:srgbClr val="FFFF00"/>
+          </a:solidFill>
+          <a:ln w="3175">
+            <a:noFill/>
+          </a:ln>
+        </p:spPr>
+        <p:style>
+          <a:lnRef idx="2">
+            <a:schemeClr val="dk1"/>
+          </a:lnRef>
+          <a:fillRef idx="1">
+            <a:schemeClr val="lt1"/>
+          </a:fillRef>
+          <a:effectRef idx="0">
+            <a:schemeClr val="dk1"/>
+          </a:effectRef>
+          <a:fontRef idx="minor">
+            <a:schemeClr val="dk1"/>
+          </a:fontRef>
+        </p:style>
+        <p:txBody>
+          <a:bodyPr rtlCol="0" anchor="ctr"/>
+          <a:lstStyle/>
+          <a:p>
+            <a:pPr algn="ctr"/>
+            <a:endParaRPr lang="en-US" sz="1000">
+              <a:solidFill>
+                <a:schemeClr val="tx1"/>
+              </a:solidFill>
+            </a:endParaRPr>
+          </a:p>
+        </p:txBody>
+      </p:sp>
+      <p:sp>
+        <p:nvSpPr>
+          <p:cNvPr id="238" name="Arrow: Down 237">
+            <a:extLst>
+              <a:ext uri="{FF2B5EF4-FFF2-40B4-BE49-F238E27FC236}">
+                <a16:creationId xmlns:a16="http://schemas.microsoft.com/office/drawing/2014/main" id="{AF047A57-A7D7-4847-B6B6-6A0E622E9C31}"/>
+              </a:ext>
+            </a:extLst>
+          </p:cNvPr>
+          <p:cNvSpPr/>
+          <p:nvPr/>
+        </p:nvSpPr>
+        <p:spPr>
+          <a:xfrm>
+            <a:off x="3524329" y="361696"/>
+            <a:ext cx="296092" cy="1310750"/>
+          </a:xfrm>
+          <a:prstGeom prst="downArrow">
+            <a:avLst/>
+          </a:prstGeom>
+          <a:solidFill>
+            <a:srgbClr val="FFFF00"/>
+          </a:solidFill>
+          <a:ln w="3175">
+            <a:noFill/>
+          </a:ln>
+        </p:spPr>
+        <p:style>
+          <a:lnRef idx="2">
+            <a:schemeClr val="dk1"/>
+          </a:lnRef>
+          <a:fillRef idx="1">
+            <a:schemeClr val="lt1"/>
+          </a:fillRef>
+          <a:effectRef idx="0">
+            <a:schemeClr val="dk1"/>
+          </a:effectRef>
+          <a:fontRef idx="minor">
+            <a:schemeClr val="dk1"/>
+          </a:fontRef>
+        </p:style>
+        <p:txBody>
+          <a:bodyPr rtlCol="0" anchor="ctr"/>
+          <a:lstStyle/>
+          <a:p>
+            <a:pPr algn="ctr"/>
+            <a:endParaRPr lang="en-US" sz="1000">
+              <a:solidFill>
+                <a:schemeClr val="tx1"/>
+              </a:solidFill>
+            </a:endParaRPr>
+          </a:p>
+        </p:txBody>
+      </p:sp>
+      <p:sp>
+        <p:nvSpPr>
+          <p:cNvPr id="180" name="Arrow: Down 179">
+            <a:extLst>
+              <a:ext uri="{FF2B5EF4-FFF2-40B4-BE49-F238E27FC236}">
+                <a16:creationId xmlns:a16="http://schemas.microsoft.com/office/drawing/2014/main" id="{F333A4EE-4BF3-4C0A-B065-44968D6849DC}"/>
+              </a:ext>
+            </a:extLst>
+          </p:cNvPr>
+          <p:cNvSpPr/>
+          <p:nvPr/>
+        </p:nvSpPr>
+        <p:spPr>
+          <a:xfrm rot="10800000">
+            <a:off x="3211632" y="321363"/>
+            <a:ext cx="296092" cy="1310750"/>
+          </a:xfrm>
+          <a:prstGeom prst="downArrow">
+            <a:avLst/>
+          </a:prstGeom>
+          <a:solidFill>
+            <a:srgbClr val="FFFF00"/>
+          </a:solidFill>
+          <a:ln w="3175">
+            <a:noFill/>
+          </a:ln>
+        </p:spPr>
+        <p:style>
+          <a:lnRef idx="2">
+            <a:schemeClr val="dk1"/>
+          </a:lnRef>
+          <a:fillRef idx="1">
+            <a:schemeClr val="lt1"/>
+          </a:fillRef>
+          <a:effectRef idx="0">
+            <a:schemeClr val="dk1"/>
+          </a:effectRef>
+          <a:fontRef idx="minor">
+            <a:schemeClr val="dk1"/>
+          </a:fontRef>
+        </p:style>
+        <p:txBody>
+          <a:bodyPr rtlCol="0" anchor="ctr"/>
+          <a:lstStyle/>
+          <a:p>
+            <a:pPr algn="ctr"/>
+            <a:endParaRPr lang="en-US" sz="1000">
+              <a:solidFill>
+                <a:schemeClr val="tx1"/>
+              </a:solidFill>
+            </a:endParaRPr>
+          </a:p>
+        </p:txBody>
+      </p:sp>
+      <p:pic>
+        <p:nvPicPr>
+          <p:cNvPr id="178" name="Picture 177" descr="Icon&#10;&#10;Description automatically generated">
+            <a:extLst>
+              <a:ext uri="{FF2B5EF4-FFF2-40B4-BE49-F238E27FC236}">
+                <a16:creationId xmlns:a16="http://schemas.microsoft.com/office/drawing/2014/main" id="{3E0EA66E-5C1E-4242-897C-7A352E36D6C1}"/>
+              </a:ext>
+            </a:extLst>
+          </p:cNvPr>
+          <p:cNvPicPr>
+            <a:picLocks noChangeAspect="1"/>
+          </p:cNvPicPr>
+          <p:nvPr/>
+        </p:nvPicPr>
+        <p:blipFill>
+          <a:blip r:embed="rId2">
+            <a:extLst>
+              <a:ext uri="{28A0092B-C50C-407E-A947-70E740481C1C}">
+                <a14:useLocalDpi xmlns:a14="http://schemas.microsoft.com/office/drawing/2010/main" val="0"/>
+              </a:ext>
+            </a:extLst>
+          </a:blip>
+          <a:stretch>
+            <a:fillRect/>
+          </a:stretch>
+        </p:blipFill>
+        <p:spPr>
+          <a:xfrm rot="16200000">
+            <a:off x="3186887" y="1501147"/>
+            <a:ext cx="255077" cy="148300"/>
+          </a:xfrm>
+          <a:prstGeom prst="rect">
+            <a:avLst/>
+          </a:prstGeom>
+        </p:spPr>
+      </p:pic>
+      <p:sp>
+        <p:nvSpPr>
+          <p:cNvPr id="239" name="Isosceles Triangle 238">
+            <a:extLst>
+              <a:ext uri="{FF2B5EF4-FFF2-40B4-BE49-F238E27FC236}">
+                <a16:creationId xmlns:a16="http://schemas.microsoft.com/office/drawing/2014/main" id="{77C3E95E-A50F-4965-97A9-3EDD19D7676D}"/>
+              </a:ext>
+            </a:extLst>
+          </p:cNvPr>
+          <p:cNvSpPr/>
+          <p:nvPr/>
+        </p:nvSpPr>
+        <p:spPr>
+          <a:xfrm rot="5400000">
+            <a:off x="7616762" y="5179014"/>
+            <a:ext cx="95343" cy="45719"/>
+          </a:xfrm>
+          <a:prstGeom prst="triangle">
+            <a:avLst/>
+          </a:prstGeom>
+          <a:solidFill>
+            <a:schemeClr val="bg1"/>
+          </a:solidFill>
+          <a:ln w="3175">
+            <a:solidFill>
+              <a:schemeClr val="tx1">
+                <a:lumMod val="75000"/>
+                <a:lumOff val="25000"/>
+              </a:schemeClr>
+            </a:solidFill>
+          </a:ln>
+        </p:spPr>
+        <p:style>
+          <a:lnRef idx="2">
+            <a:schemeClr val="accent1">
+              <a:shade val="50000"/>
+            </a:schemeClr>
+          </a:lnRef>
+          <a:fillRef idx="1">
+            <a:schemeClr val="accent1"/>
+          </a:fillRef>
+          <a:effectRef idx="0">
+            <a:schemeClr val="accent1"/>
+          </a:effectRef>
+          <a:fontRef idx="minor">
+            <a:schemeClr val="lt1"/>
+          </a:fontRef>
+        </p:style>
+        <p:txBody>
+          <a:bodyPr rtlCol="0" anchor="ctr"/>
+          <a:lstStyle/>
+          <a:p>
+            <a:pPr algn="ctr"/>
+            <a:endParaRPr lang="en-GB">
+              <a:solidFill>
+                <a:schemeClr val="tx1"/>
+              </a:solidFill>
+            </a:endParaRPr>
+          </a:p>
+        </p:txBody>
+      </p:sp>
+      <p:sp>
+        <p:nvSpPr>
+          <p:cNvPr id="134" name="Rectangle 133">
+            <a:extLst>
+              <a:ext uri="{FF2B5EF4-FFF2-40B4-BE49-F238E27FC236}">
+                <a16:creationId xmlns:a16="http://schemas.microsoft.com/office/drawing/2014/main" id="{9FB340CD-A742-4AA1-9BBE-083143E42648}"/>
+              </a:ext>
+            </a:extLst>
+          </p:cNvPr>
+          <p:cNvSpPr/>
+          <p:nvPr/>
+        </p:nvSpPr>
+        <p:spPr>
+          <a:xfrm>
+            <a:off x="6819795" y="4592598"/>
+            <a:ext cx="827690" cy="280566"/>
+          </a:xfrm>
+          <a:prstGeom prst="rect">
+            <a:avLst/>
+          </a:prstGeom>
+          <a:ln w="3175"/>
+        </p:spPr>
+        <p:style>
+          <a:lnRef idx="2">
+            <a:schemeClr val="dk1"/>
+          </a:lnRef>
+          <a:fillRef idx="1">
+            <a:schemeClr val="lt1"/>
+          </a:fillRef>
+          <a:effectRef idx="0">
+            <a:schemeClr val="dk1"/>
+          </a:effectRef>
+          <a:fontRef idx="minor">
+            <a:schemeClr val="dk1"/>
+          </a:fontRef>
+        </p:style>
+        <p:txBody>
+          <a:bodyPr rtlCol="0" anchor="ctr"/>
+          <a:lstStyle/>
+          <a:p>
+            <a:pPr algn="ctr"/>
+            <a:r>
+              <a:rPr lang="en-GB" sz="1000" dirty="0"/>
+              <a:t>ADD</a:t>
+            </a:r>
+            <a:endParaRPr lang="en-US" sz="1000" dirty="0"/>
+          </a:p>
+        </p:txBody>
+      </p:sp>
+      <p:pic>
+        <p:nvPicPr>
+          <p:cNvPr id="173" name="Picture 172" descr="Icon&#10;&#10;Description automatically generated">
+            <a:extLst>
+              <a:ext uri="{FF2B5EF4-FFF2-40B4-BE49-F238E27FC236}">
+                <a16:creationId xmlns:a16="http://schemas.microsoft.com/office/drawing/2014/main" id="{92E744D0-F1D7-42E3-A82B-604E5203A270}"/>
+              </a:ext>
+            </a:extLst>
+          </p:cNvPr>
+          <p:cNvPicPr>
+            <a:picLocks noChangeAspect="1"/>
+          </p:cNvPicPr>
+          <p:nvPr/>
+        </p:nvPicPr>
+        <p:blipFill>
+          <a:blip r:embed="rId2">
+            <a:extLst>
+              <a:ext uri="{28A0092B-C50C-407E-A947-70E740481C1C}">
+                <a14:useLocalDpi xmlns:a14="http://schemas.microsoft.com/office/drawing/2010/main" val="0"/>
+              </a:ext>
+            </a:extLst>
+          </a:blip>
+          <a:stretch>
+            <a:fillRect/>
+          </a:stretch>
+        </p:blipFill>
+        <p:spPr>
+          <a:xfrm rot="16200000">
+            <a:off x="2202834" y="4003392"/>
+            <a:ext cx="255077" cy="148300"/>
+          </a:xfrm>
+          <a:prstGeom prst="rect">
+            <a:avLst/>
+          </a:prstGeom>
+        </p:spPr>
+      </p:pic>
+      <p:sp>
+        <p:nvSpPr>
+          <p:cNvPr id="240" name="Arrow: Down 239">
+            <a:extLst>
+              <a:ext uri="{FF2B5EF4-FFF2-40B4-BE49-F238E27FC236}">
+                <a16:creationId xmlns:a16="http://schemas.microsoft.com/office/drawing/2014/main" id="{1C799A78-4221-49EE-8F36-3DB4D62131D8}"/>
+              </a:ext>
+            </a:extLst>
+          </p:cNvPr>
+          <p:cNvSpPr/>
+          <p:nvPr/>
+        </p:nvSpPr>
+        <p:spPr>
+          <a:xfrm rot="16200000">
+            <a:off x="2178910" y="2700069"/>
+            <a:ext cx="296092" cy="2241147"/>
+          </a:xfrm>
+          <a:prstGeom prst="downArrow">
+            <a:avLst/>
+          </a:prstGeom>
+          <a:solidFill>
+            <a:srgbClr val="FFC000"/>
+          </a:solidFill>
+          <a:ln w="3175">
+            <a:noFill/>
+          </a:ln>
+        </p:spPr>
+        <p:style>
+          <a:lnRef idx="2">
+            <a:schemeClr val="dk1"/>
+          </a:lnRef>
+          <a:fillRef idx="1">
+            <a:schemeClr val="lt1"/>
+          </a:fillRef>
+          <a:effectRef idx="0">
+            <a:schemeClr val="dk1"/>
+          </a:effectRef>
+          <a:fontRef idx="minor">
+            <a:schemeClr val="dk1"/>
+          </a:fontRef>
+        </p:style>
+        <p:txBody>
+          <a:bodyPr rtlCol="0" anchor="ctr"/>
+          <a:lstStyle/>
+          <a:p>
+            <a:pPr algn="ctr"/>
+            <a:endParaRPr lang="en-US" sz="1000"/>
+          </a:p>
+        </p:txBody>
+      </p:sp>
+      <p:sp>
+        <p:nvSpPr>
+          <p:cNvPr id="251" name="Arrow: Down 250">
+            <a:extLst>
+              <a:ext uri="{FF2B5EF4-FFF2-40B4-BE49-F238E27FC236}">
+                <a16:creationId xmlns:a16="http://schemas.microsoft.com/office/drawing/2014/main" id="{BF114E5A-D626-4174-B622-65F49F38B8BF}"/>
+              </a:ext>
+            </a:extLst>
+          </p:cNvPr>
+          <p:cNvSpPr/>
+          <p:nvPr/>
+        </p:nvSpPr>
+        <p:spPr>
+          <a:xfrm rot="5400000">
+            <a:off x="2170592" y="2411456"/>
+            <a:ext cx="296092" cy="2257778"/>
+          </a:xfrm>
+          <a:prstGeom prst="downArrow">
+            <a:avLst/>
+          </a:prstGeom>
+          <a:solidFill>
+            <a:srgbClr val="FFC000"/>
+          </a:solidFill>
+          <a:ln w="3175">
+            <a:noFill/>
+          </a:ln>
+        </p:spPr>
+        <p:style>
+          <a:lnRef idx="2">
+            <a:schemeClr val="dk1"/>
+          </a:lnRef>
+          <a:fillRef idx="1">
+            <a:schemeClr val="lt1"/>
+          </a:fillRef>
+          <a:effectRef idx="0">
+            <a:schemeClr val="dk1"/>
+          </a:effectRef>
+          <a:fontRef idx="minor">
+            <a:schemeClr val="dk1"/>
+          </a:fontRef>
+        </p:style>
+        <p:txBody>
+          <a:bodyPr rtlCol="0" anchor="ctr"/>
+          <a:lstStyle/>
+          <a:p>
+            <a:pPr algn="ctr"/>
+            <a:endParaRPr lang="en-US" sz="1000"/>
+          </a:p>
+        </p:txBody>
+      </p:sp>
+      <p:pic>
+        <p:nvPicPr>
+          <p:cNvPr id="252" name="Picture 251" descr="Icon&#10;&#10;Description automatically generated">
+            <a:extLst>
+              <a:ext uri="{FF2B5EF4-FFF2-40B4-BE49-F238E27FC236}">
+                <a16:creationId xmlns:a16="http://schemas.microsoft.com/office/drawing/2014/main" id="{995575D6-3A23-47C7-82F8-782D87828191}"/>
+              </a:ext>
+            </a:extLst>
+          </p:cNvPr>
+          <p:cNvPicPr>
+            <a:picLocks noChangeAspect="1"/>
+          </p:cNvPicPr>
+          <p:nvPr/>
+        </p:nvPicPr>
+        <p:blipFill>
+          <a:blip r:embed="rId2">
+            <a:extLst>
+              <a:ext uri="{28A0092B-C50C-407E-A947-70E740481C1C}">
+                <a14:useLocalDpi xmlns:a14="http://schemas.microsoft.com/office/drawing/2010/main" val="0"/>
+              </a:ext>
+            </a:extLst>
+          </a:blip>
+          <a:stretch>
+            <a:fillRect/>
+          </a:stretch>
+        </p:blipFill>
+        <p:spPr>
+          <a:xfrm>
+            <a:off x="1135871" y="3745047"/>
+            <a:ext cx="255077" cy="148300"/>
+          </a:xfrm>
+          <a:prstGeom prst="rect">
+            <a:avLst/>
+          </a:prstGeom>
+        </p:spPr>
+      </p:pic>
+      <p:sp>
+        <p:nvSpPr>
+          <p:cNvPr id="253" name="Isosceles Triangle 252">
+            <a:extLst>
+              <a:ext uri="{FF2B5EF4-FFF2-40B4-BE49-F238E27FC236}">
+                <a16:creationId xmlns:a16="http://schemas.microsoft.com/office/drawing/2014/main" id="{23902408-FE5A-4893-AF20-C87A58288E32}"/>
+              </a:ext>
+            </a:extLst>
+          </p:cNvPr>
+          <p:cNvSpPr/>
+          <p:nvPr/>
+        </p:nvSpPr>
+        <p:spPr>
+          <a:xfrm rot="5400000">
+            <a:off x="1911590" y="4482589"/>
+            <a:ext cx="95343" cy="45719"/>
+          </a:xfrm>
+          <a:prstGeom prst="triangle">
+            <a:avLst/>
+          </a:prstGeom>
+          <a:solidFill>
+            <a:schemeClr val="bg1"/>
+          </a:solidFill>
+          <a:ln w="3175">
+            <a:solidFill>
+              <a:schemeClr val="tx1">
+                <a:lumMod val="75000"/>
+                <a:lumOff val="25000"/>
+              </a:schemeClr>
+            </a:solidFill>
+          </a:ln>
+        </p:spPr>
+        <p:style>
+          <a:lnRef idx="2">
+            <a:schemeClr val="accent1">
+              <a:shade val="50000"/>
+            </a:schemeClr>
+          </a:lnRef>
+          <a:fillRef idx="1">
+            <a:schemeClr val="accent1"/>
+          </a:fillRef>
+          <a:effectRef idx="0">
+            <a:schemeClr val="accent1"/>
+          </a:effectRef>
+          <a:fontRef idx="minor">
+            <a:schemeClr val="lt1"/>
+          </a:fontRef>
+        </p:style>
+        <p:txBody>
+          <a:bodyPr rtlCol="0" anchor="ctr"/>
+          <a:lstStyle/>
+          <a:p>
+            <a:pPr algn="ctr"/>
+            <a:endParaRPr lang="en-GB">
+              <a:solidFill>
+                <a:schemeClr val="tx1"/>
+              </a:solidFill>
+            </a:endParaRPr>
+          </a:p>
+        </p:txBody>
+      </p:sp>
+      <p:pic>
+        <p:nvPicPr>
+          <p:cNvPr id="254" name="Picture 253" descr="Icon&#10;&#10;Description automatically generated">
+            <a:extLst>
+              <a:ext uri="{FF2B5EF4-FFF2-40B4-BE49-F238E27FC236}">
+                <a16:creationId xmlns:a16="http://schemas.microsoft.com/office/drawing/2014/main" id="{E4494894-2E24-4316-BEBA-D2B6E26C97A4}"/>
+              </a:ext>
+            </a:extLst>
+          </p:cNvPr>
+          <p:cNvPicPr>
+            <a:picLocks noChangeAspect="1"/>
+          </p:cNvPicPr>
+          <p:nvPr/>
+        </p:nvPicPr>
+        <p:blipFill>
+          <a:blip r:embed="rId2">
+            <a:extLst>
+              <a:ext uri="{28A0092B-C50C-407E-A947-70E740481C1C}">
+                <a14:useLocalDpi xmlns:a14="http://schemas.microsoft.com/office/drawing/2010/main" val="0"/>
+              </a:ext>
+            </a:extLst>
+          </a:blip>
+          <a:stretch>
+            <a:fillRect/>
+          </a:stretch>
+        </p:blipFill>
+        <p:spPr>
+          <a:xfrm>
+            <a:off x="2745694" y="5725127"/>
+            <a:ext cx="255077" cy="148300"/>
+          </a:xfrm>
+          <a:prstGeom prst="rect">
+            <a:avLst/>
+          </a:prstGeom>
+        </p:spPr>
+      </p:pic>
+      <p:sp>
+        <p:nvSpPr>
+          <p:cNvPr id="255" name="Arrow: Down 254">
+            <a:extLst>
+              <a:ext uri="{FF2B5EF4-FFF2-40B4-BE49-F238E27FC236}">
+                <a16:creationId xmlns:a16="http://schemas.microsoft.com/office/drawing/2014/main" id="{C288E446-CB6F-4C70-8846-9869BA84416A}"/>
+              </a:ext>
+            </a:extLst>
+          </p:cNvPr>
+          <p:cNvSpPr/>
+          <p:nvPr/>
+        </p:nvSpPr>
+        <p:spPr>
+          <a:xfrm rot="16200000">
+            <a:off x="2939419" y="4312636"/>
+            <a:ext cx="296092" cy="679366"/>
+          </a:xfrm>
+          <a:prstGeom prst="downArrow">
+            <a:avLst/>
+          </a:prstGeom>
+          <a:solidFill>
+            <a:srgbClr val="FFC000"/>
+          </a:solidFill>
+          <a:ln w="3175">
+            <a:noFill/>
+          </a:ln>
+        </p:spPr>
+        <p:style>
+          <a:lnRef idx="2">
+            <a:schemeClr val="dk1"/>
+          </a:lnRef>
+          <a:fillRef idx="1">
+            <a:schemeClr val="lt1"/>
+          </a:fillRef>
+          <a:effectRef idx="0">
+            <a:schemeClr val="dk1"/>
+          </a:effectRef>
+          <a:fontRef idx="minor">
+            <a:schemeClr val="dk1"/>
+          </a:fontRef>
+        </p:style>
+        <p:txBody>
+          <a:bodyPr rtlCol="0" anchor="ctr"/>
+          <a:lstStyle/>
+          <a:p>
+            <a:pPr algn="ctr"/>
+            <a:endParaRPr lang="en-US" sz="1000"/>
+          </a:p>
+        </p:txBody>
+      </p:sp>
+      <p:sp>
+        <p:nvSpPr>
+          <p:cNvPr id="256" name="Arrow: Down 255">
+            <a:extLst>
+              <a:ext uri="{FF2B5EF4-FFF2-40B4-BE49-F238E27FC236}">
+                <a16:creationId xmlns:a16="http://schemas.microsoft.com/office/drawing/2014/main" id="{AE283D35-E320-423A-8ECF-3C8D83C1D205}"/>
+              </a:ext>
+            </a:extLst>
+          </p:cNvPr>
+          <p:cNvSpPr/>
+          <p:nvPr/>
+        </p:nvSpPr>
+        <p:spPr>
+          <a:xfrm rot="5400000">
+            <a:off x="2924166" y="4044876"/>
+            <a:ext cx="296092" cy="632727"/>
+          </a:xfrm>
+          <a:prstGeom prst="downArrow">
+            <a:avLst/>
+          </a:prstGeom>
+          <a:solidFill>
+            <a:srgbClr val="FFC000"/>
+          </a:solidFill>
+          <a:ln w="3175">
+            <a:noFill/>
+          </a:ln>
+        </p:spPr>
+        <p:style>
+          <a:lnRef idx="2">
+            <a:schemeClr val="dk1"/>
+          </a:lnRef>
+          <a:fillRef idx="1">
+            <a:schemeClr val="lt1"/>
+          </a:fillRef>
+          <a:effectRef idx="0">
+            <a:schemeClr val="dk1"/>
+          </a:effectRef>
+          <a:fontRef idx="minor">
+            <a:schemeClr val="dk1"/>
+          </a:fontRef>
+        </p:style>
+        <p:txBody>
+          <a:bodyPr rtlCol="0" anchor="ctr"/>
+          <a:lstStyle/>
+          <a:p>
+            <a:pPr algn="ctr"/>
+            <a:endParaRPr lang="en-US" sz="1000"/>
+          </a:p>
+        </p:txBody>
+      </p:sp>
+      <p:pic>
+        <p:nvPicPr>
+          <p:cNvPr id="257" name="Picture 256" descr="Icon&#10;&#10;Description automatically generated">
+            <a:extLst>
+              <a:ext uri="{FF2B5EF4-FFF2-40B4-BE49-F238E27FC236}">
+                <a16:creationId xmlns:a16="http://schemas.microsoft.com/office/drawing/2014/main" id="{070D0FE2-685D-4EDE-A908-01D3FE330C5C}"/>
+              </a:ext>
+            </a:extLst>
+          </p:cNvPr>
+          <p:cNvPicPr>
+            <a:picLocks noChangeAspect="1"/>
+          </p:cNvPicPr>
+          <p:nvPr/>
+        </p:nvPicPr>
+        <p:blipFill>
+          <a:blip r:embed="rId2">
+            <a:extLst>
+              <a:ext uri="{28A0092B-C50C-407E-A947-70E740481C1C}">
+                <a14:useLocalDpi xmlns:a14="http://schemas.microsoft.com/office/drawing/2010/main" val="0"/>
+              </a:ext>
+            </a:extLst>
+          </a:blip>
+          <a:stretch>
+            <a:fillRect/>
+          </a:stretch>
+        </p:blipFill>
+        <p:spPr>
+          <a:xfrm>
+            <a:off x="2696423" y="4555612"/>
+            <a:ext cx="255077" cy="148300"/>
+          </a:xfrm>
+          <a:prstGeom prst="rect">
+            <a:avLst/>
+          </a:prstGeom>
+        </p:spPr>
+      </p:pic>
+      <p:sp>
+        <p:nvSpPr>
+          <p:cNvPr id="258" name="Arrow: Down 257">
+            <a:extLst>
+              <a:ext uri="{FF2B5EF4-FFF2-40B4-BE49-F238E27FC236}">
+                <a16:creationId xmlns:a16="http://schemas.microsoft.com/office/drawing/2014/main" id="{75F5707B-92D3-4486-986B-149055D2E204}"/>
+              </a:ext>
+            </a:extLst>
+          </p:cNvPr>
+          <p:cNvSpPr/>
+          <p:nvPr/>
+        </p:nvSpPr>
+        <p:spPr>
+          <a:xfrm>
+            <a:off x="3240199" y="2003665"/>
+            <a:ext cx="296092" cy="542894"/>
+          </a:xfrm>
+          <a:prstGeom prst="downArrow">
+            <a:avLst/>
+          </a:prstGeom>
+          <a:solidFill>
+            <a:srgbClr val="FFC000"/>
+          </a:solidFill>
+          <a:ln w="3175">
+            <a:noFill/>
+          </a:ln>
+        </p:spPr>
+        <p:style>
+          <a:lnRef idx="2">
+            <a:schemeClr val="dk1"/>
+          </a:lnRef>
+          <a:fillRef idx="1">
+            <a:schemeClr val="lt1"/>
+          </a:fillRef>
+          <a:effectRef idx="0">
+            <a:schemeClr val="dk1"/>
+          </a:effectRef>
+          <a:fontRef idx="minor">
+            <a:schemeClr val="dk1"/>
+          </a:fontRef>
+        </p:style>
+        <p:txBody>
+          <a:bodyPr rtlCol="0" anchor="ctr"/>
+          <a:lstStyle/>
+          <a:p>
+            <a:pPr algn="ctr"/>
+            <a:endParaRPr lang="en-US" sz="1000"/>
+          </a:p>
+        </p:txBody>
+      </p:sp>
+      <p:pic>
+        <p:nvPicPr>
+          <p:cNvPr id="179" name="Picture 178" descr="Icon&#10;&#10;Description automatically generated">
+            <a:extLst>
+              <a:ext uri="{FF2B5EF4-FFF2-40B4-BE49-F238E27FC236}">
+                <a16:creationId xmlns:a16="http://schemas.microsoft.com/office/drawing/2014/main" id="{B0B9EF32-252F-4DAA-A192-60AF7F8D941A}"/>
+              </a:ext>
+            </a:extLst>
+          </p:cNvPr>
+          <p:cNvPicPr>
+            <a:picLocks noChangeAspect="1"/>
+          </p:cNvPicPr>
+          <p:nvPr/>
+        </p:nvPicPr>
+        <p:blipFill>
+          <a:blip r:embed="rId2">
+            <a:extLst>
+              <a:ext uri="{28A0092B-C50C-407E-A947-70E740481C1C}">
+                <a14:useLocalDpi xmlns:a14="http://schemas.microsoft.com/office/drawing/2010/main" val="0"/>
+              </a:ext>
+            </a:extLst>
+          </a:blip>
+          <a:stretch>
+            <a:fillRect/>
+          </a:stretch>
+        </p:blipFill>
+        <p:spPr>
+          <a:xfrm rot="5400000">
+            <a:off x="3286190" y="1951659"/>
+            <a:ext cx="255077" cy="148300"/>
+          </a:xfrm>
+          <a:prstGeom prst="rect">
+            <a:avLst/>
+          </a:prstGeom>
+        </p:spPr>
+      </p:pic>
+      <p:sp>
+        <p:nvSpPr>
+          <p:cNvPr id="259" name="Arrow: Down 258">
+            <a:extLst>
+              <a:ext uri="{FF2B5EF4-FFF2-40B4-BE49-F238E27FC236}">
+                <a16:creationId xmlns:a16="http://schemas.microsoft.com/office/drawing/2014/main" id="{CBD221CF-16EA-4368-8137-16C72EC8972B}"/>
+              </a:ext>
+            </a:extLst>
+          </p:cNvPr>
+          <p:cNvSpPr/>
+          <p:nvPr/>
+        </p:nvSpPr>
+        <p:spPr>
+          <a:xfrm rot="10800000">
+            <a:off x="3577109" y="1944947"/>
+            <a:ext cx="296092" cy="542894"/>
+          </a:xfrm>
+          <a:prstGeom prst="downArrow">
+            <a:avLst/>
+          </a:prstGeom>
+          <a:solidFill>
+            <a:srgbClr val="FFC000"/>
+          </a:solidFill>
+          <a:ln w="3175">
+            <a:noFill/>
+          </a:ln>
+        </p:spPr>
+        <p:style>
+          <a:lnRef idx="2">
+            <a:schemeClr val="dk1"/>
+          </a:lnRef>
+          <a:fillRef idx="1">
+            <a:schemeClr val="lt1"/>
+          </a:fillRef>
+          <a:effectRef idx="0">
+            <a:schemeClr val="dk1"/>
+          </a:effectRef>
+          <a:fontRef idx="minor">
+            <a:schemeClr val="dk1"/>
+          </a:fontRef>
+        </p:style>
+        <p:txBody>
+          <a:bodyPr rtlCol="0" anchor="ctr"/>
+          <a:lstStyle/>
+          <a:p>
+            <a:pPr algn="ctr"/>
+            <a:endParaRPr lang="en-US" sz="1000"/>
+          </a:p>
+        </p:txBody>
+      </p:sp>
+      <p:sp>
+        <p:nvSpPr>
+          <p:cNvPr id="110" name="Rectangle 109">
+            <a:extLst>
+              <a:ext uri="{FF2B5EF4-FFF2-40B4-BE49-F238E27FC236}">
+                <a16:creationId xmlns:a16="http://schemas.microsoft.com/office/drawing/2014/main" id="{B00063F5-2E7C-4B80-82ED-4F1D886B00F3}"/>
+              </a:ext>
+            </a:extLst>
+          </p:cNvPr>
+          <p:cNvSpPr/>
+          <p:nvPr/>
+        </p:nvSpPr>
+        <p:spPr>
+          <a:xfrm>
+            <a:off x="7423859" y="3971692"/>
+            <a:ext cx="827690" cy="252248"/>
+          </a:xfrm>
+          <a:prstGeom prst="rect">
+            <a:avLst/>
+          </a:prstGeom>
+          <a:ln w="3175"/>
+        </p:spPr>
+        <p:style>
+          <a:lnRef idx="2">
+            <a:schemeClr val="dk1"/>
+          </a:lnRef>
+          <a:fillRef idx="1">
+            <a:schemeClr val="lt1"/>
+          </a:fillRef>
+          <a:effectRef idx="0">
+            <a:schemeClr val="dk1"/>
+          </a:effectRef>
+          <a:fontRef idx="minor">
+            <a:schemeClr val="dk1"/>
+          </a:fontRef>
+        </p:style>
+        <p:txBody>
+          <a:bodyPr rtlCol="0" anchor="ctr"/>
+          <a:lstStyle/>
+          <a:p>
+            <a:pPr algn="ctr"/>
+            <a:r>
+              <a:rPr lang="en-GB" sz="1000" dirty="0"/>
+              <a:t>µROM</a:t>
+            </a:r>
+            <a:endParaRPr lang="en-US" sz="1000" dirty="0"/>
+          </a:p>
+        </p:txBody>
+      </p:sp>
+      <p:pic>
+        <p:nvPicPr>
+          <p:cNvPr id="260" name="Picture 259" descr="Icon&#10;&#10;Description automatically generated">
+            <a:extLst>
+              <a:ext uri="{FF2B5EF4-FFF2-40B4-BE49-F238E27FC236}">
+                <a16:creationId xmlns:a16="http://schemas.microsoft.com/office/drawing/2014/main" id="{FF1F498F-839E-4BC4-AE15-FE38DE317975}"/>
+              </a:ext>
+            </a:extLst>
+          </p:cNvPr>
+          <p:cNvPicPr>
+            <a:picLocks noChangeAspect="1"/>
+          </p:cNvPicPr>
+          <p:nvPr/>
+        </p:nvPicPr>
+        <p:blipFill>
+          <a:blip r:embed="rId2">
+            <a:extLst>
+              <a:ext uri="{28A0092B-C50C-407E-A947-70E740481C1C}">
+                <a14:useLocalDpi xmlns:a14="http://schemas.microsoft.com/office/drawing/2010/main" val="0"/>
+              </a:ext>
+            </a:extLst>
+          </a:blip>
+          <a:stretch>
+            <a:fillRect/>
+          </a:stretch>
+        </p:blipFill>
+        <p:spPr>
+          <a:xfrm rot="16200000">
+            <a:off x="604292" y="3182733"/>
+            <a:ext cx="255077" cy="148300"/>
+          </a:xfrm>
+          <a:prstGeom prst="rect">
+            <a:avLst/>
+          </a:prstGeom>
+        </p:spPr>
+      </p:pic>
+      <p:sp>
+        <p:nvSpPr>
+          <p:cNvPr id="261" name="Rectangle 260">
+            <a:extLst>
+              <a:ext uri="{FF2B5EF4-FFF2-40B4-BE49-F238E27FC236}">
+                <a16:creationId xmlns:a16="http://schemas.microsoft.com/office/drawing/2014/main" id="{A7A7251B-D803-4905-9D0F-6DEC47B05B4D}"/>
+              </a:ext>
+            </a:extLst>
+          </p:cNvPr>
+          <p:cNvSpPr/>
+          <p:nvPr/>
+        </p:nvSpPr>
+        <p:spPr>
+          <a:xfrm>
+            <a:off x="4449854" y="5722785"/>
+            <a:ext cx="827690" cy="280566"/>
+          </a:xfrm>
+          <a:prstGeom prst="rect">
+            <a:avLst/>
+          </a:prstGeom>
+          <a:ln w="3175"/>
+        </p:spPr>
+        <p:style>
+          <a:lnRef idx="2">
+            <a:schemeClr val="dk1"/>
+          </a:lnRef>
+          <a:fillRef idx="1">
+            <a:schemeClr val="lt1"/>
+          </a:fillRef>
+          <a:effectRef idx="0">
+            <a:schemeClr val="dk1"/>
+          </a:effectRef>
+          <a:fontRef idx="minor">
+            <a:schemeClr val="dk1"/>
+          </a:fontRef>
+        </p:style>
+        <p:txBody>
+          <a:bodyPr rtlCol="0" anchor="ctr"/>
+          <a:lstStyle/>
+          <a:p>
+            <a:pPr algn="ctr"/>
+            <a:r>
+              <a:rPr lang="en-GB" sz="1000" dirty="0"/>
+              <a:t>P could be routed to ALU via control unit</a:t>
+            </a:r>
+            <a:endParaRPr lang="en-US" sz="1000" dirty="0"/>
           </a:p>
         </p:txBody>
       </p:sp>
